--- a/PROF/Céline - Latex/COLLEGE/UPE2A/NUMERIQUE/Fractions/Fractions séance 1.pptx
+++ b/PROF/Céline - Latex/COLLEGE/UPE2A/NUMERIQUE/Fractions/Fractions séance 1.pptx
@@ -5,18 +5,19 @@
     <p:sldMasterId id="2147483648" r:id="rId1"/>
   </p:sldMasterIdLst>
   <p:sldIdLst>
-    <p:sldId id="256" r:id="rId2"/>
-    <p:sldId id="262" r:id="rId3"/>
-    <p:sldId id="261" r:id="rId4"/>
-    <p:sldId id="263" r:id="rId5"/>
-    <p:sldId id="257" r:id="rId6"/>
-    <p:sldId id="264" r:id="rId7"/>
-    <p:sldId id="258" r:id="rId8"/>
-    <p:sldId id="265" r:id="rId9"/>
-    <p:sldId id="259" r:id="rId10"/>
-    <p:sldId id="266" r:id="rId11"/>
-    <p:sldId id="260" r:id="rId12"/>
-    <p:sldId id="267" r:id="rId13"/>
+    <p:sldId id="268" r:id="rId2"/>
+    <p:sldId id="256" r:id="rId3"/>
+    <p:sldId id="262" r:id="rId4"/>
+    <p:sldId id="261" r:id="rId5"/>
+    <p:sldId id="263" r:id="rId6"/>
+    <p:sldId id="257" r:id="rId7"/>
+    <p:sldId id="264" r:id="rId8"/>
+    <p:sldId id="258" r:id="rId9"/>
+    <p:sldId id="265" r:id="rId10"/>
+    <p:sldId id="259" r:id="rId11"/>
+    <p:sldId id="266" r:id="rId12"/>
+    <p:sldId id="260" r:id="rId13"/>
+    <p:sldId id="267" r:id="rId14"/>
   </p:sldIdLst>
   <p:sldSz cx="12192000" cy="6858000"/>
   <p:notesSz cx="6858000" cy="9144000"/>
@@ -355,6 +356,1362 @@
 </file>
 
 <file path=ppt/charts/chart10.xml><?xml version="1.0" encoding="utf-8"?>
+<c:chartSpace xmlns:c="http://schemas.openxmlformats.org/drawingml/2006/chart" xmlns:a="http://schemas.openxmlformats.org/drawingml/2006/main" xmlns:r="http://schemas.openxmlformats.org/officeDocument/2006/relationships" xmlns:c16r2="http://schemas.microsoft.com/office/drawing/2015/06/chart">
+  <c:date1904 val="0"/>
+  <c:lang val="fr-FR"/>
+  <c:roundedCorners val="0"/>
+  <mc:AlternateContent xmlns:mc="http://schemas.openxmlformats.org/markup-compatibility/2006">
+    <mc:Choice xmlns:c14="http://schemas.microsoft.com/office/drawing/2007/8/2/chart" Requires="c14">
+      <c14:style val="102"/>
+    </mc:Choice>
+    <mc:Fallback>
+      <c:style val="2"/>
+    </mc:Fallback>
+  </mc:AlternateContent>
+  <c:chart>
+    <c:autoTitleDeleted val="1"/>
+    <c:plotArea>
+      <c:layout>
+        <c:manualLayout>
+          <c:layoutTarget val="inner"/>
+          <c:xMode val="edge"/>
+          <c:yMode val="edge"/>
+          <c:x val="1.2177651803538999E-2"/>
+          <c:y val="0.1152803564309261"/>
+          <c:w val="0.93302291508053548"/>
+          <c:h val="0.73126206894219425"/>
+        </c:manualLayout>
+      </c:layout>
+      <c:pieChart>
+        <c:varyColors val="1"/>
+        <c:ser>
+          <c:idx val="0"/>
+          <c:order val="0"/>
+          <c:tx>
+            <c:strRef>
+              <c:f>Feuil1!$B$1</c:f>
+              <c:strCache>
+                <c:ptCount val="1"/>
+                <c:pt idx="0">
+                  <c:v>Ventes</c:v>
+                </c:pt>
+              </c:strCache>
+            </c:strRef>
+          </c:tx>
+          <c:spPr>
+            <a:solidFill>
+              <a:schemeClr val="accent1">
+                <a:lumMod val="40000"/>
+                <a:lumOff val="60000"/>
+              </a:schemeClr>
+            </a:solidFill>
+            <a:ln w="57150"/>
+          </c:spPr>
+          <c:dPt>
+            <c:idx val="0"/>
+            <c:bubble3D val="0"/>
+            <c:spPr>
+              <a:solidFill>
+                <a:schemeClr val="accent1">
+                  <a:lumMod val="40000"/>
+                  <a:lumOff val="60000"/>
+                </a:schemeClr>
+              </a:solidFill>
+              <a:ln w="57150">
+                <a:solidFill>
+                  <a:schemeClr val="tx1"/>
+                </a:solidFill>
+              </a:ln>
+              <a:effectLst/>
+            </c:spPr>
+            <c:extLst>
+              <c:ext xmlns:c16="http://schemas.microsoft.com/office/drawing/2014/chart" uri="{C3380CC4-5D6E-409C-BE32-E72D297353CC}">
+                <c16:uniqueId val="{00000001-17CD-4DAD-8388-92939F6214A5}"/>
+              </c:ext>
+            </c:extLst>
+          </c:dPt>
+          <c:dPt>
+            <c:idx val="1"/>
+            <c:bubble3D val="0"/>
+            <c:spPr>
+              <a:solidFill>
+                <a:schemeClr val="accent1">
+                  <a:lumMod val="40000"/>
+                  <a:lumOff val="60000"/>
+                </a:schemeClr>
+              </a:solidFill>
+              <a:ln w="57150">
+                <a:solidFill>
+                  <a:schemeClr val="tx1"/>
+                </a:solidFill>
+              </a:ln>
+              <a:effectLst/>
+            </c:spPr>
+            <c:extLst>
+              <c:ext xmlns:c16="http://schemas.microsoft.com/office/drawing/2014/chart" uri="{C3380CC4-5D6E-409C-BE32-E72D297353CC}">
+                <c16:uniqueId val="{00000003-17CD-4DAD-8388-92939F6214A5}"/>
+              </c:ext>
+            </c:extLst>
+          </c:dPt>
+          <c:dPt>
+            <c:idx val="2"/>
+            <c:bubble3D val="0"/>
+            <c:spPr>
+              <a:noFill/>
+              <a:ln w="57150">
+                <a:solidFill>
+                  <a:schemeClr val="tx1"/>
+                </a:solidFill>
+              </a:ln>
+              <a:effectLst/>
+            </c:spPr>
+            <c:extLst>
+              <c:ext xmlns:c16="http://schemas.microsoft.com/office/drawing/2014/chart" uri="{C3380CC4-5D6E-409C-BE32-E72D297353CC}">
+                <c16:uniqueId val="{00000005-17CD-4DAD-8388-92939F6214A5}"/>
+              </c:ext>
+            </c:extLst>
+          </c:dPt>
+          <c:dPt>
+            <c:idx val="3"/>
+            <c:bubble3D val="0"/>
+            <c:spPr>
+              <a:solidFill>
+                <a:schemeClr val="accent1">
+                  <a:lumMod val="40000"/>
+                  <a:lumOff val="60000"/>
+                </a:schemeClr>
+              </a:solidFill>
+              <a:ln w="57150">
+                <a:solidFill>
+                  <a:schemeClr val="tx1"/>
+                </a:solidFill>
+              </a:ln>
+              <a:effectLst/>
+            </c:spPr>
+            <c:extLst>
+              <c:ext xmlns:c16="http://schemas.microsoft.com/office/drawing/2014/chart" uri="{C3380CC4-5D6E-409C-BE32-E72D297353CC}">
+                <c16:uniqueId val="{00000007-17CD-4DAD-8388-92939F6214A5}"/>
+              </c:ext>
+            </c:extLst>
+          </c:dPt>
+          <c:cat>
+            <c:strRef>
+              <c:f>Feuil1!$A$2:$A$5</c:f>
+              <c:strCache>
+                <c:ptCount val="4"/>
+                <c:pt idx="0">
+                  <c:v>1er trim.</c:v>
+                </c:pt>
+                <c:pt idx="1">
+                  <c:v>2e trim.</c:v>
+                </c:pt>
+                <c:pt idx="2">
+                  <c:v>3e trim.</c:v>
+                </c:pt>
+                <c:pt idx="3">
+                  <c:v>4e trim.</c:v>
+                </c:pt>
+              </c:strCache>
+            </c:strRef>
+          </c:cat>
+          <c:val>
+            <c:numRef>
+              <c:f>Feuil1!$B$2:$B$5</c:f>
+              <c:numCache>
+                <c:formatCode>General</c:formatCode>
+                <c:ptCount val="4"/>
+                <c:pt idx="0">
+                  <c:v>0.25</c:v>
+                </c:pt>
+                <c:pt idx="1">
+                  <c:v>0.25</c:v>
+                </c:pt>
+                <c:pt idx="2">
+                  <c:v>0.25</c:v>
+                </c:pt>
+                <c:pt idx="3">
+                  <c:v>0.25</c:v>
+                </c:pt>
+              </c:numCache>
+            </c:numRef>
+          </c:val>
+          <c:extLst>
+            <c:ext xmlns:c16="http://schemas.microsoft.com/office/drawing/2014/chart" uri="{C3380CC4-5D6E-409C-BE32-E72D297353CC}">
+              <c16:uniqueId val="{00000008-17CD-4DAD-8388-92939F6214A5}"/>
+            </c:ext>
+          </c:extLst>
+        </c:ser>
+        <c:dLbls>
+          <c:showLegendKey val="0"/>
+          <c:showVal val="0"/>
+          <c:showCatName val="0"/>
+          <c:showSerName val="0"/>
+          <c:showPercent val="0"/>
+          <c:showBubbleSize val="0"/>
+          <c:showLeaderLines val="1"/>
+        </c:dLbls>
+        <c:firstSliceAng val="0"/>
+      </c:pieChart>
+      <c:spPr>
+        <a:noFill/>
+        <a:ln>
+          <a:solidFill>
+            <a:schemeClr val="bg1"/>
+          </a:solidFill>
+        </a:ln>
+        <a:effectLst/>
+      </c:spPr>
+    </c:plotArea>
+    <c:plotVisOnly val="1"/>
+    <c:dispBlanksAs val="gap"/>
+    <c:extLst>
+      <c:ext xmlns:c16r3="http://schemas.microsoft.com/office/drawing/2017/03/chart" uri="{56B9EC1D-385E-4148-901F-78D8002777C0}">
+        <c16r3:dataDisplayOptions16>
+          <c16r3:dispNaAsBlank val="1"/>
+        </c16r3:dataDisplayOptions16>
+      </c:ext>
+    </c:extLst>
+    <c:showDLblsOverMax val="0"/>
+  </c:chart>
+  <c:spPr>
+    <a:noFill/>
+    <a:ln>
+      <a:noFill/>
+    </a:ln>
+    <a:effectLst/>
+  </c:spPr>
+  <c:txPr>
+    <a:bodyPr/>
+    <a:lstStyle/>
+    <a:p>
+      <a:pPr>
+        <a:defRPr/>
+      </a:pPr>
+      <a:endParaRPr lang="en-US"/>
+    </a:p>
+  </c:txPr>
+  <c:externalData r:id="rId3">
+    <c:autoUpdate val="0"/>
+  </c:externalData>
+</c:chartSpace>
+</file>
+
+<file path=ppt/charts/chart11.xml><?xml version="1.0" encoding="utf-8"?>
+<c:chartSpace xmlns:c="http://schemas.openxmlformats.org/drawingml/2006/chart" xmlns:a="http://schemas.openxmlformats.org/drawingml/2006/main" xmlns:r="http://schemas.openxmlformats.org/officeDocument/2006/relationships" xmlns:c16r2="http://schemas.microsoft.com/office/drawing/2015/06/chart">
+  <c:date1904 val="0"/>
+  <c:lang val="fr-FR"/>
+  <c:roundedCorners val="0"/>
+  <mc:AlternateContent xmlns:mc="http://schemas.openxmlformats.org/markup-compatibility/2006">
+    <mc:Choice xmlns:c14="http://schemas.microsoft.com/office/drawing/2007/8/2/chart" Requires="c14">
+      <c14:style val="104"/>
+    </mc:Choice>
+    <mc:Fallback>
+      <c:style val="4"/>
+    </mc:Fallback>
+  </mc:AlternateContent>
+  <c:chart>
+    <c:autoTitleDeleted val="1"/>
+    <c:plotArea>
+      <c:layout>
+        <c:manualLayout>
+          <c:layoutTarget val="inner"/>
+          <c:xMode val="edge"/>
+          <c:yMode val="edge"/>
+          <c:x val="6.5625564625195781E-2"/>
+          <c:y val="3.417033115135671E-2"/>
+          <c:w val="0.81443772685237159"/>
+          <c:h val="0.93165933769728659"/>
+        </c:manualLayout>
+      </c:layout>
+      <c:pieChart>
+        <c:varyColors val="1"/>
+        <c:ser>
+          <c:idx val="0"/>
+          <c:order val="0"/>
+          <c:tx>
+            <c:strRef>
+              <c:f>Feuil1!$B$1</c:f>
+              <c:strCache>
+                <c:ptCount val="1"/>
+                <c:pt idx="0">
+                  <c:v>Ventes</c:v>
+                </c:pt>
+              </c:strCache>
+            </c:strRef>
+          </c:tx>
+          <c:spPr>
+            <a:solidFill>
+              <a:schemeClr val="bg1"/>
+            </a:solidFill>
+            <a:ln w="57150">
+              <a:solidFill>
+                <a:schemeClr val="tx1"/>
+              </a:solidFill>
+            </a:ln>
+          </c:spPr>
+          <c:dPt>
+            <c:idx val="0"/>
+            <c:bubble3D val="0"/>
+            <c:spPr>
+              <a:solidFill>
+                <a:schemeClr val="bg1"/>
+              </a:solidFill>
+              <a:ln w="57150">
+                <a:solidFill>
+                  <a:schemeClr val="tx1"/>
+                </a:solidFill>
+              </a:ln>
+              <a:effectLst/>
+            </c:spPr>
+            <c:extLst>
+              <c:ext xmlns:c16="http://schemas.microsoft.com/office/drawing/2014/chart" uri="{C3380CC4-5D6E-409C-BE32-E72D297353CC}">
+                <c16:uniqueId val="{00000001-D530-495D-8D67-A056F5F8B5CA}"/>
+              </c:ext>
+            </c:extLst>
+          </c:dPt>
+          <c:dPt>
+            <c:idx val="1"/>
+            <c:bubble3D val="0"/>
+            <c:spPr>
+              <a:solidFill>
+                <a:schemeClr val="bg1"/>
+              </a:solidFill>
+              <a:ln w="57150">
+                <a:solidFill>
+                  <a:schemeClr val="tx1"/>
+                </a:solidFill>
+              </a:ln>
+              <a:effectLst/>
+            </c:spPr>
+            <c:extLst>
+              <c:ext xmlns:c16="http://schemas.microsoft.com/office/drawing/2014/chart" uri="{C3380CC4-5D6E-409C-BE32-E72D297353CC}">
+                <c16:uniqueId val="{00000003-D530-495D-8D67-A056F5F8B5CA}"/>
+              </c:ext>
+            </c:extLst>
+          </c:dPt>
+          <c:dPt>
+            <c:idx val="2"/>
+            <c:bubble3D val="0"/>
+            <c:spPr>
+              <a:solidFill>
+                <a:schemeClr val="bg1"/>
+              </a:solidFill>
+              <a:ln w="57150">
+                <a:solidFill>
+                  <a:schemeClr val="tx1"/>
+                </a:solidFill>
+              </a:ln>
+              <a:effectLst/>
+            </c:spPr>
+            <c:extLst>
+              <c:ext xmlns:c16="http://schemas.microsoft.com/office/drawing/2014/chart" uri="{C3380CC4-5D6E-409C-BE32-E72D297353CC}">
+                <c16:uniqueId val="{00000005-D530-495D-8D67-A056F5F8B5CA}"/>
+              </c:ext>
+            </c:extLst>
+          </c:dPt>
+          <c:dPt>
+            <c:idx val="3"/>
+            <c:bubble3D val="0"/>
+            <c:spPr>
+              <a:solidFill>
+                <a:schemeClr val="bg1"/>
+              </a:solidFill>
+              <a:ln w="57150">
+                <a:solidFill>
+                  <a:schemeClr val="tx1"/>
+                </a:solidFill>
+              </a:ln>
+              <a:effectLst/>
+            </c:spPr>
+            <c:extLst>
+              <c:ext xmlns:c16="http://schemas.microsoft.com/office/drawing/2014/chart" uri="{C3380CC4-5D6E-409C-BE32-E72D297353CC}">
+                <c16:uniqueId val="{00000007-D530-495D-8D67-A056F5F8B5CA}"/>
+              </c:ext>
+            </c:extLst>
+          </c:dPt>
+          <c:dPt>
+            <c:idx val="4"/>
+            <c:bubble3D val="0"/>
+            <c:spPr>
+              <a:solidFill>
+                <a:schemeClr val="bg1"/>
+              </a:solidFill>
+              <a:ln w="57150">
+                <a:solidFill>
+                  <a:schemeClr val="tx1"/>
+                </a:solidFill>
+              </a:ln>
+              <a:effectLst/>
+            </c:spPr>
+            <c:extLst>
+              <c:ext xmlns:c16="http://schemas.microsoft.com/office/drawing/2014/chart" uri="{C3380CC4-5D6E-409C-BE32-E72D297353CC}">
+                <c16:uniqueId val="{00000009-D530-495D-8D67-A056F5F8B5CA}"/>
+              </c:ext>
+            </c:extLst>
+          </c:dPt>
+          <c:dPt>
+            <c:idx val="5"/>
+            <c:bubble3D val="0"/>
+            <c:spPr>
+              <a:solidFill>
+                <a:schemeClr val="bg1"/>
+              </a:solidFill>
+              <a:ln w="57150">
+                <a:solidFill>
+                  <a:schemeClr val="tx1"/>
+                </a:solidFill>
+              </a:ln>
+              <a:effectLst/>
+            </c:spPr>
+            <c:extLst>
+              <c:ext xmlns:c16="http://schemas.microsoft.com/office/drawing/2014/chart" uri="{C3380CC4-5D6E-409C-BE32-E72D297353CC}">
+                <c16:uniqueId val="{0000000B-D530-495D-8D67-A056F5F8B5CA}"/>
+              </c:ext>
+            </c:extLst>
+          </c:dPt>
+          <c:dPt>
+            <c:idx val="6"/>
+            <c:bubble3D val="0"/>
+            <c:spPr>
+              <a:solidFill>
+                <a:schemeClr val="bg1"/>
+              </a:solidFill>
+              <a:ln w="57150">
+                <a:solidFill>
+                  <a:schemeClr val="tx1"/>
+                </a:solidFill>
+              </a:ln>
+              <a:effectLst/>
+            </c:spPr>
+            <c:extLst>
+              <c:ext xmlns:c16="http://schemas.microsoft.com/office/drawing/2014/chart" uri="{C3380CC4-5D6E-409C-BE32-E72D297353CC}">
+                <c16:uniqueId val="{0000000D-D530-495D-8D67-A056F5F8B5CA}"/>
+              </c:ext>
+            </c:extLst>
+          </c:dPt>
+          <c:dPt>
+            <c:idx val="7"/>
+            <c:bubble3D val="0"/>
+            <c:spPr>
+              <a:solidFill>
+                <a:schemeClr val="bg1"/>
+              </a:solidFill>
+              <a:ln w="57150">
+                <a:solidFill>
+                  <a:schemeClr val="tx1"/>
+                </a:solidFill>
+              </a:ln>
+              <a:effectLst/>
+            </c:spPr>
+            <c:extLst>
+              <c:ext xmlns:c16="http://schemas.microsoft.com/office/drawing/2014/chart" uri="{C3380CC4-5D6E-409C-BE32-E72D297353CC}">
+                <c16:uniqueId val="{0000000F-D530-495D-8D67-A056F5F8B5CA}"/>
+              </c:ext>
+            </c:extLst>
+          </c:dPt>
+          <c:dPt>
+            <c:idx val="8"/>
+            <c:bubble3D val="0"/>
+            <c:spPr>
+              <a:solidFill>
+                <a:schemeClr val="bg1"/>
+              </a:solidFill>
+              <a:ln w="57150">
+                <a:solidFill>
+                  <a:schemeClr val="tx1"/>
+                </a:solidFill>
+              </a:ln>
+              <a:effectLst/>
+            </c:spPr>
+            <c:extLst>
+              <c:ext xmlns:c16="http://schemas.microsoft.com/office/drawing/2014/chart" uri="{C3380CC4-5D6E-409C-BE32-E72D297353CC}">
+                <c16:uniqueId val="{00000011-D530-495D-8D67-A056F5F8B5CA}"/>
+              </c:ext>
+            </c:extLst>
+          </c:dPt>
+          <c:dPt>
+            <c:idx val="9"/>
+            <c:bubble3D val="0"/>
+            <c:spPr>
+              <a:solidFill>
+                <a:schemeClr val="bg1"/>
+              </a:solidFill>
+              <a:ln w="57150">
+                <a:solidFill>
+                  <a:schemeClr val="tx1"/>
+                </a:solidFill>
+              </a:ln>
+              <a:effectLst/>
+            </c:spPr>
+            <c:extLst>
+              <c:ext xmlns:c16="http://schemas.microsoft.com/office/drawing/2014/chart" uri="{C3380CC4-5D6E-409C-BE32-E72D297353CC}">
+                <c16:uniqueId val="{00000013-D530-495D-8D67-A056F5F8B5CA}"/>
+              </c:ext>
+            </c:extLst>
+          </c:dPt>
+          <c:cat>
+            <c:strRef>
+              <c:f>Feuil1!$A$2:$A$11</c:f>
+              <c:strCache>
+                <c:ptCount val="4"/>
+                <c:pt idx="0">
+                  <c:v>1er trim.</c:v>
+                </c:pt>
+                <c:pt idx="1">
+                  <c:v>2e trim.</c:v>
+                </c:pt>
+                <c:pt idx="2">
+                  <c:v>3e trim.</c:v>
+                </c:pt>
+                <c:pt idx="3">
+                  <c:v>4e trim.</c:v>
+                </c:pt>
+              </c:strCache>
+            </c:strRef>
+          </c:cat>
+          <c:val>
+            <c:numRef>
+              <c:f>Feuil1!$B$2:$B$11</c:f>
+              <c:numCache>
+                <c:formatCode>General</c:formatCode>
+                <c:ptCount val="10"/>
+                <c:pt idx="0">
+                  <c:v>0.1</c:v>
+                </c:pt>
+                <c:pt idx="1">
+                  <c:v>0.1</c:v>
+                </c:pt>
+                <c:pt idx="2">
+                  <c:v>0.1</c:v>
+                </c:pt>
+                <c:pt idx="3">
+                  <c:v>0.1</c:v>
+                </c:pt>
+                <c:pt idx="4">
+                  <c:v>0.1</c:v>
+                </c:pt>
+                <c:pt idx="5">
+                  <c:v>0.1</c:v>
+                </c:pt>
+                <c:pt idx="6">
+                  <c:v>0.1</c:v>
+                </c:pt>
+                <c:pt idx="7">
+                  <c:v>0.1</c:v>
+                </c:pt>
+                <c:pt idx="8">
+                  <c:v>0.1</c:v>
+                </c:pt>
+                <c:pt idx="9">
+                  <c:v>0.1</c:v>
+                </c:pt>
+              </c:numCache>
+            </c:numRef>
+          </c:val>
+          <c:extLst>
+            <c:ext xmlns:c16="http://schemas.microsoft.com/office/drawing/2014/chart" uri="{C3380CC4-5D6E-409C-BE32-E72D297353CC}">
+              <c16:uniqueId val="{00000014-D530-495D-8D67-A056F5F8B5CA}"/>
+            </c:ext>
+          </c:extLst>
+        </c:ser>
+        <c:dLbls>
+          <c:showLegendKey val="0"/>
+          <c:showVal val="0"/>
+          <c:showCatName val="0"/>
+          <c:showSerName val="0"/>
+          <c:showPercent val="0"/>
+          <c:showBubbleSize val="0"/>
+          <c:showLeaderLines val="1"/>
+        </c:dLbls>
+        <c:firstSliceAng val="0"/>
+      </c:pieChart>
+      <c:spPr>
+        <a:noFill/>
+        <a:ln>
+          <a:noFill/>
+        </a:ln>
+        <a:effectLst/>
+      </c:spPr>
+    </c:plotArea>
+    <c:plotVisOnly val="1"/>
+    <c:dispBlanksAs val="gap"/>
+    <c:extLst>
+      <c:ext xmlns:c16r3="http://schemas.microsoft.com/office/drawing/2017/03/chart" uri="{56B9EC1D-385E-4148-901F-78D8002777C0}">
+        <c16r3:dataDisplayOptions16>
+          <c16r3:dispNaAsBlank val="1"/>
+        </c16r3:dataDisplayOptions16>
+      </c:ext>
+    </c:extLst>
+    <c:showDLblsOverMax val="0"/>
+  </c:chart>
+  <c:spPr>
+    <a:noFill/>
+    <a:ln>
+      <a:noFill/>
+    </a:ln>
+    <a:effectLst/>
+  </c:spPr>
+  <c:txPr>
+    <a:bodyPr/>
+    <a:lstStyle/>
+    <a:p>
+      <a:pPr>
+        <a:defRPr/>
+      </a:pPr>
+      <a:endParaRPr lang="en-US"/>
+    </a:p>
+  </c:txPr>
+  <c:externalData r:id="rId3">
+    <c:autoUpdate val="0"/>
+  </c:externalData>
+</c:chartSpace>
+</file>
+
+<file path=ppt/charts/chart12.xml><?xml version="1.0" encoding="utf-8"?>
+<c:chartSpace xmlns:c="http://schemas.openxmlformats.org/drawingml/2006/chart" xmlns:a="http://schemas.openxmlformats.org/drawingml/2006/main" xmlns:r="http://schemas.openxmlformats.org/officeDocument/2006/relationships" xmlns:c16r2="http://schemas.microsoft.com/office/drawing/2015/06/chart">
+  <c:date1904 val="0"/>
+  <c:lang val="fr-FR"/>
+  <c:roundedCorners val="0"/>
+  <mc:AlternateContent xmlns:mc="http://schemas.openxmlformats.org/markup-compatibility/2006">
+    <mc:Choice xmlns:c14="http://schemas.microsoft.com/office/drawing/2007/8/2/chart" Requires="c14">
+      <c14:style val="104"/>
+    </mc:Choice>
+    <mc:Fallback>
+      <c:style val="4"/>
+    </mc:Fallback>
+  </mc:AlternateContent>
+  <c:chart>
+    <c:autoTitleDeleted val="1"/>
+    <c:plotArea>
+      <c:layout/>
+      <c:pieChart>
+        <c:varyColors val="1"/>
+        <c:ser>
+          <c:idx val="0"/>
+          <c:order val="0"/>
+          <c:tx>
+            <c:strRef>
+              <c:f>Feuil1!$B$1</c:f>
+              <c:strCache>
+                <c:ptCount val="1"/>
+                <c:pt idx="0">
+                  <c:v>Ventes</c:v>
+                </c:pt>
+              </c:strCache>
+            </c:strRef>
+          </c:tx>
+          <c:spPr>
+            <a:solidFill>
+              <a:schemeClr val="bg1"/>
+            </a:solidFill>
+            <a:ln w="57150">
+              <a:solidFill>
+                <a:schemeClr val="tx1"/>
+              </a:solidFill>
+            </a:ln>
+          </c:spPr>
+          <c:dPt>
+            <c:idx val="0"/>
+            <c:bubble3D val="0"/>
+            <c:spPr>
+              <a:solidFill>
+                <a:schemeClr val="accent2">
+                  <a:lumMod val="60000"/>
+                  <a:lumOff val="40000"/>
+                </a:schemeClr>
+              </a:solidFill>
+              <a:ln w="57150">
+                <a:solidFill>
+                  <a:schemeClr val="tx1"/>
+                </a:solidFill>
+              </a:ln>
+              <a:effectLst/>
+            </c:spPr>
+            <c:extLst>
+              <c:ext xmlns:c16="http://schemas.microsoft.com/office/drawing/2014/chart" uri="{C3380CC4-5D6E-409C-BE32-E72D297353CC}">
+                <c16:uniqueId val="{00000001-ABFF-4B29-AD73-42449E690970}"/>
+              </c:ext>
+            </c:extLst>
+          </c:dPt>
+          <c:dPt>
+            <c:idx val="1"/>
+            <c:bubble3D val="0"/>
+            <c:spPr>
+              <a:solidFill>
+                <a:schemeClr val="accent2">
+                  <a:lumMod val="60000"/>
+                  <a:lumOff val="40000"/>
+                </a:schemeClr>
+              </a:solidFill>
+              <a:ln w="57150">
+                <a:solidFill>
+                  <a:schemeClr val="tx1"/>
+                </a:solidFill>
+              </a:ln>
+              <a:effectLst/>
+            </c:spPr>
+            <c:extLst>
+              <c:ext xmlns:c16="http://schemas.microsoft.com/office/drawing/2014/chart" uri="{C3380CC4-5D6E-409C-BE32-E72D297353CC}">
+                <c16:uniqueId val="{00000003-ABFF-4B29-AD73-42449E690970}"/>
+              </c:ext>
+            </c:extLst>
+          </c:dPt>
+          <c:dPt>
+            <c:idx val="2"/>
+            <c:bubble3D val="0"/>
+            <c:spPr>
+              <a:solidFill>
+                <a:schemeClr val="accent2">
+                  <a:lumMod val="60000"/>
+                  <a:lumOff val="40000"/>
+                </a:schemeClr>
+              </a:solidFill>
+              <a:ln w="57150">
+                <a:solidFill>
+                  <a:schemeClr val="tx1"/>
+                </a:solidFill>
+              </a:ln>
+              <a:effectLst/>
+            </c:spPr>
+            <c:extLst>
+              <c:ext xmlns:c16="http://schemas.microsoft.com/office/drawing/2014/chart" uri="{C3380CC4-5D6E-409C-BE32-E72D297353CC}">
+                <c16:uniqueId val="{00000005-ABFF-4B29-AD73-42449E690970}"/>
+              </c:ext>
+            </c:extLst>
+          </c:dPt>
+          <c:dPt>
+            <c:idx val="3"/>
+            <c:bubble3D val="0"/>
+            <c:spPr>
+              <a:solidFill>
+                <a:schemeClr val="accent2">
+                  <a:lumMod val="60000"/>
+                  <a:lumOff val="40000"/>
+                </a:schemeClr>
+              </a:solidFill>
+              <a:ln w="57150">
+                <a:solidFill>
+                  <a:schemeClr val="tx1"/>
+                </a:solidFill>
+              </a:ln>
+              <a:effectLst/>
+            </c:spPr>
+            <c:extLst>
+              <c:ext xmlns:c16="http://schemas.microsoft.com/office/drawing/2014/chart" uri="{C3380CC4-5D6E-409C-BE32-E72D297353CC}">
+                <c16:uniqueId val="{00000007-ABFF-4B29-AD73-42449E690970}"/>
+              </c:ext>
+            </c:extLst>
+          </c:dPt>
+          <c:dPt>
+            <c:idx val="4"/>
+            <c:bubble3D val="0"/>
+            <c:spPr>
+              <a:solidFill>
+                <a:schemeClr val="bg1"/>
+              </a:solidFill>
+              <a:ln w="57150">
+                <a:solidFill>
+                  <a:schemeClr val="tx1"/>
+                </a:solidFill>
+              </a:ln>
+              <a:effectLst/>
+            </c:spPr>
+            <c:extLst>
+              <c:ext xmlns:c16="http://schemas.microsoft.com/office/drawing/2014/chart" uri="{C3380CC4-5D6E-409C-BE32-E72D297353CC}">
+                <c16:uniqueId val="{00000009-ABFF-4B29-AD73-42449E690970}"/>
+              </c:ext>
+            </c:extLst>
+          </c:dPt>
+          <c:dPt>
+            <c:idx val="5"/>
+            <c:bubble3D val="0"/>
+            <c:spPr>
+              <a:solidFill>
+                <a:schemeClr val="bg1"/>
+              </a:solidFill>
+              <a:ln w="57150">
+                <a:solidFill>
+                  <a:schemeClr val="tx1"/>
+                </a:solidFill>
+              </a:ln>
+              <a:effectLst/>
+            </c:spPr>
+            <c:extLst>
+              <c:ext xmlns:c16="http://schemas.microsoft.com/office/drawing/2014/chart" uri="{C3380CC4-5D6E-409C-BE32-E72D297353CC}">
+                <c16:uniqueId val="{0000000B-ABFF-4B29-AD73-42449E690970}"/>
+              </c:ext>
+            </c:extLst>
+          </c:dPt>
+          <c:dPt>
+            <c:idx val="6"/>
+            <c:bubble3D val="0"/>
+            <c:spPr>
+              <a:solidFill>
+                <a:schemeClr val="bg1"/>
+              </a:solidFill>
+              <a:ln w="57150">
+                <a:solidFill>
+                  <a:schemeClr val="tx1"/>
+                </a:solidFill>
+              </a:ln>
+              <a:effectLst/>
+            </c:spPr>
+            <c:extLst>
+              <c:ext xmlns:c16="http://schemas.microsoft.com/office/drawing/2014/chart" uri="{C3380CC4-5D6E-409C-BE32-E72D297353CC}">
+                <c16:uniqueId val="{0000000D-ABFF-4B29-AD73-42449E690970}"/>
+              </c:ext>
+            </c:extLst>
+          </c:dPt>
+          <c:dPt>
+            <c:idx val="7"/>
+            <c:bubble3D val="0"/>
+            <c:spPr>
+              <a:solidFill>
+                <a:schemeClr val="bg1"/>
+              </a:solidFill>
+              <a:ln w="57150">
+                <a:solidFill>
+                  <a:schemeClr val="tx1"/>
+                </a:solidFill>
+              </a:ln>
+              <a:effectLst/>
+            </c:spPr>
+            <c:extLst>
+              <c:ext xmlns:c16="http://schemas.microsoft.com/office/drawing/2014/chart" uri="{C3380CC4-5D6E-409C-BE32-E72D297353CC}">
+                <c16:uniqueId val="{0000000F-ABFF-4B29-AD73-42449E690970}"/>
+              </c:ext>
+            </c:extLst>
+          </c:dPt>
+          <c:dPt>
+            <c:idx val="8"/>
+            <c:bubble3D val="0"/>
+            <c:spPr>
+              <a:solidFill>
+                <a:schemeClr val="bg1"/>
+              </a:solidFill>
+              <a:ln w="57150">
+                <a:solidFill>
+                  <a:schemeClr val="tx1"/>
+                </a:solidFill>
+              </a:ln>
+              <a:effectLst/>
+            </c:spPr>
+            <c:extLst>
+              <c:ext xmlns:c16="http://schemas.microsoft.com/office/drawing/2014/chart" uri="{C3380CC4-5D6E-409C-BE32-E72D297353CC}">
+                <c16:uniqueId val="{00000011-ABFF-4B29-AD73-42449E690970}"/>
+              </c:ext>
+            </c:extLst>
+          </c:dPt>
+          <c:dPt>
+            <c:idx val="9"/>
+            <c:bubble3D val="0"/>
+            <c:spPr>
+              <a:solidFill>
+                <a:schemeClr val="bg1"/>
+              </a:solidFill>
+              <a:ln w="57150">
+                <a:solidFill>
+                  <a:schemeClr val="tx1"/>
+                </a:solidFill>
+              </a:ln>
+              <a:effectLst/>
+            </c:spPr>
+            <c:extLst>
+              <c:ext xmlns:c16="http://schemas.microsoft.com/office/drawing/2014/chart" uri="{C3380CC4-5D6E-409C-BE32-E72D297353CC}">
+                <c16:uniqueId val="{00000013-ABFF-4B29-AD73-42449E690970}"/>
+              </c:ext>
+            </c:extLst>
+          </c:dPt>
+          <c:cat>
+            <c:strRef>
+              <c:f>Feuil1!$A$2:$A$11</c:f>
+              <c:strCache>
+                <c:ptCount val="4"/>
+                <c:pt idx="0">
+                  <c:v>1er trim.</c:v>
+                </c:pt>
+                <c:pt idx="1">
+                  <c:v>2e trim.</c:v>
+                </c:pt>
+                <c:pt idx="2">
+                  <c:v>3e trim.</c:v>
+                </c:pt>
+                <c:pt idx="3">
+                  <c:v>4e trim.</c:v>
+                </c:pt>
+              </c:strCache>
+            </c:strRef>
+          </c:cat>
+          <c:val>
+            <c:numRef>
+              <c:f>Feuil1!$B$2:$B$11</c:f>
+              <c:numCache>
+                <c:formatCode>General</c:formatCode>
+                <c:ptCount val="10"/>
+                <c:pt idx="0">
+                  <c:v>0.1</c:v>
+                </c:pt>
+                <c:pt idx="1">
+                  <c:v>0.1</c:v>
+                </c:pt>
+                <c:pt idx="2">
+                  <c:v>0.1</c:v>
+                </c:pt>
+                <c:pt idx="3">
+                  <c:v>0.1</c:v>
+                </c:pt>
+                <c:pt idx="4">
+                  <c:v>0.1</c:v>
+                </c:pt>
+                <c:pt idx="5">
+                  <c:v>0.1</c:v>
+                </c:pt>
+                <c:pt idx="6">
+                  <c:v>0.1</c:v>
+                </c:pt>
+                <c:pt idx="7">
+                  <c:v>0.1</c:v>
+                </c:pt>
+                <c:pt idx="8">
+                  <c:v>0.1</c:v>
+                </c:pt>
+                <c:pt idx="9">
+                  <c:v>0.1</c:v>
+                </c:pt>
+              </c:numCache>
+            </c:numRef>
+          </c:val>
+          <c:extLst>
+            <c:ext xmlns:c16="http://schemas.microsoft.com/office/drawing/2014/chart" uri="{C3380CC4-5D6E-409C-BE32-E72D297353CC}">
+              <c16:uniqueId val="{00000014-ABFF-4B29-AD73-42449E690970}"/>
+            </c:ext>
+          </c:extLst>
+        </c:ser>
+        <c:dLbls>
+          <c:showLegendKey val="0"/>
+          <c:showVal val="0"/>
+          <c:showCatName val="0"/>
+          <c:showSerName val="0"/>
+          <c:showPercent val="0"/>
+          <c:showBubbleSize val="0"/>
+          <c:showLeaderLines val="1"/>
+        </c:dLbls>
+        <c:firstSliceAng val="0"/>
+      </c:pieChart>
+      <c:spPr>
+        <a:noFill/>
+        <a:ln>
+          <a:noFill/>
+        </a:ln>
+        <a:effectLst/>
+      </c:spPr>
+    </c:plotArea>
+    <c:plotVisOnly val="1"/>
+    <c:dispBlanksAs val="gap"/>
+    <c:extLst>
+      <c:ext xmlns:c16r3="http://schemas.microsoft.com/office/drawing/2017/03/chart" uri="{56B9EC1D-385E-4148-901F-78D8002777C0}">
+        <c16r3:dataDisplayOptions16>
+          <c16r3:dispNaAsBlank val="1"/>
+        </c16r3:dataDisplayOptions16>
+      </c:ext>
+    </c:extLst>
+    <c:showDLblsOverMax val="0"/>
+  </c:chart>
+  <c:spPr>
+    <a:noFill/>
+    <a:ln>
+      <a:noFill/>
+    </a:ln>
+    <a:effectLst/>
+  </c:spPr>
+  <c:txPr>
+    <a:bodyPr/>
+    <a:lstStyle/>
+    <a:p>
+      <a:pPr>
+        <a:defRPr/>
+      </a:pPr>
+      <a:endParaRPr lang="en-US"/>
+    </a:p>
+  </c:txPr>
+  <c:externalData r:id="rId3">
+    <c:autoUpdate val="0"/>
+  </c:externalData>
+</c:chartSpace>
+</file>
+
+<file path=ppt/charts/chart13.xml><?xml version="1.0" encoding="utf-8"?>
+<c:chartSpace xmlns:c="http://schemas.openxmlformats.org/drawingml/2006/chart" xmlns:a="http://schemas.openxmlformats.org/drawingml/2006/main" xmlns:r="http://schemas.openxmlformats.org/officeDocument/2006/relationships" xmlns:c16r2="http://schemas.microsoft.com/office/drawing/2015/06/chart">
+  <c:date1904 val="0"/>
+  <c:lang val="fr-FR"/>
+  <c:roundedCorners val="0"/>
+  <mc:AlternateContent xmlns:mc="http://schemas.openxmlformats.org/markup-compatibility/2006">
+    <mc:Choice xmlns:c14="http://schemas.microsoft.com/office/drawing/2007/8/2/chart" Requires="c14">
+      <c14:style val="104"/>
+    </mc:Choice>
+    <mc:Fallback>
+      <c:style val="4"/>
+    </mc:Fallback>
+  </mc:AlternateContent>
+  <c:chart>
+    <c:autoTitleDeleted val="1"/>
+    <c:plotArea>
+      <c:layout>
+        <c:manualLayout>
+          <c:layoutTarget val="inner"/>
+          <c:xMode val="edge"/>
+          <c:yMode val="edge"/>
+          <c:x val="6.5625564625195781E-2"/>
+          <c:y val="3.417033115135671E-2"/>
+          <c:w val="0.81443772685237159"/>
+          <c:h val="0.93165933769728659"/>
+        </c:manualLayout>
+      </c:layout>
+      <c:pieChart>
+        <c:varyColors val="1"/>
+        <c:ser>
+          <c:idx val="0"/>
+          <c:order val="0"/>
+          <c:tx>
+            <c:strRef>
+              <c:f>Feuil1!$B$1</c:f>
+              <c:strCache>
+                <c:ptCount val="1"/>
+                <c:pt idx="0">
+                  <c:v>Ventes</c:v>
+                </c:pt>
+              </c:strCache>
+            </c:strRef>
+          </c:tx>
+          <c:spPr>
+            <a:solidFill>
+              <a:schemeClr val="bg1"/>
+            </a:solidFill>
+            <a:ln w="57150">
+              <a:solidFill>
+                <a:schemeClr val="tx1"/>
+              </a:solidFill>
+            </a:ln>
+          </c:spPr>
+          <c:dPt>
+            <c:idx val="0"/>
+            <c:bubble3D val="0"/>
+            <c:spPr>
+              <a:solidFill>
+                <a:schemeClr val="bg1"/>
+              </a:solidFill>
+              <a:ln w="57150">
+                <a:solidFill>
+                  <a:schemeClr val="tx1"/>
+                </a:solidFill>
+              </a:ln>
+              <a:effectLst/>
+            </c:spPr>
+            <c:extLst>
+              <c:ext xmlns:c16="http://schemas.microsoft.com/office/drawing/2014/chart" uri="{C3380CC4-5D6E-409C-BE32-E72D297353CC}">
+                <c16:uniqueId val="{00000001-DCA3-4872-BBBC-433C37B4C0A5}"/>
+              </c:ext>
+            </c:extLst>
+          </c:dPt>
+          <c:dPt>
+            <c:idx val="1"/>
+            <c:bubble3D val="0"/>
+            <c:spPr>
+              <a:solidFill>
+                <a:schemeClr val="bg1"/>
+              </a:solidFill>
+              <a:ln w="57150">
+                <a:solidFill>
+                  <a:schemeClr val="tx1"/>
+                </a:solidFill>
+              </a:ln>
+              <a:effectLst/>
+            </c:spPr>
+            <c:extLst>
+              <c:ext xmlns:c16="http://schemas.microsoft.com/office/drawing/2014/chart" uri="{C3380CC4-5D6E-409C-BE32-E72D297353CC}">
+                <c16:uniqueId val="{00000003-DCA3-4872-BBBC-433C37B4C0A5}"/>
+              </c:ext>
+            </c:extLst>
+          </c:dPt>
+          <c:dPt>
+            <c:idx val="2"/>
+            <c:bubble3D val="0"/>
+            <c:spPr>
+              <a:solidFill>
+                <a:schemeClr val="bg1"/>
+              </a:solidFill>
+              <a:ln w="57150">
+                <a:solidFill>
+                  <a:schemeClr val="tx1"/>
+                </a:solidFill>
+              </a:ln>
+              <a:effectLst/>
+            </c:spPr>
+            <c:extLst>
+              <c:ext xmlns:c16="http://schemas.microsoft.com/office/drawing/2014/chart" uri="{C3380CC4-5D6E-409C-BE32-E72D297353CC}">
+                <c16:uniqueId val="{00000005-DCA3-4872-BBBC-433C37B4C0A5}"/>
+              </c:ext>
+            </c:extLst>
+          </c:dPt>
+          <c:dPt>
+            <c:idx val="3"/>
+            <c:bubble3D val="0"/>
+            <c:spPr>
+              <a:solidFill>
+                <a:schemeClr val="bg1"/>
+              </a:solidFill>
+              <a:ln w="57150">
+                <a:solidFill>
+                  <a:schemeClr val="tx1"/>
+                </a:solidFill>
+              </a:ln>
+              <a:effectLst/>
+            </c:spPr>
+            <c:extLst>
+              <c:ext xmlns:c16="http://schemas.microsoft.com/office/drawing/2014/chart" uri="{C3380CC4-5D6E-409C-BE32-E72D297353CC}">
+                <c16:uniqueId val="{00000007-DCA3-4872-BBBC-433C37B4C0A5}"/>
+              </c:ext>
+            </c:extLst>
+          </c:dPt>
+          <c:dPt>
+            <c:idx val="4"/>
+            <c:bubble3D val="0"/>
+            <c:spPr>
+              <a:solidFill>
+                <a:schemeClr val="bg1"/>
+              </a:solidFill>
+              <a:ln w="57150">
+                <a:solidFill>
+                  <a:schemeClr val="tx1"/>
+                </a:solidFill>
+              </a:ln>
+              <a:effectLst/>
+            </c:spPr>
+            <c:extLst>
+              <c:ext xmlns:c16="http://schemas.microsoft.com/office/drawing/2014/chart" uri="{C3380CC4-5D6E-409C-BE32-E72D297353CC}">
+                <c16:uniqueId val="{00000009-DCA3-4872-BBBC-433C37B4C0A5}"/>
+              </c:ext>
+            </c:extLst>
+          </c:dPt>
+          <c:dPt>
+            <c:idx val="5"/>
+            <c:bubble3D val="0"/>
+            <c:spPr>
+              <a:solidFill>
+                <a:schemeClr val="bg1"/>
+              </a:solidFill>
+              <a:ln w="57150">
+                <a:solidFill>
+                  <a:schemeClr val="tx1"/>
+                </a:solidFill>
+              </a:ln>
+              <a:effectLst/>
+            </c:spPr>
+            <c:extLst>
+              <c:ext xmlns:c16="http://schemas.microsoft.com/office/drawing/2014/chart" uri="{C3380CC4-5D6E-409C-BE32-E72D297353CC}">
+                <c16:uniqueId val="{0000000B-DCA3-4872-BBBC-433C37B4C0A5}"/>
+              </c:ext>
+            </c:extLst>
+          </c:dPt>
+          <c:dPt>
+            <c:idx val="6"/>
+            <c:bubble3D val="0"/>
+            <c:spPr>
+              <a:solidFill>
+                <a:schemeClr val="bg1"/>
+              </a:solidFill>
+              <a:ln w="57150">
+                <a:solidFill>
+                  <a:schemeClr val="tx1"/>
+                </a:solidFill>
+              </a:ln>
+              <a:effectLst/>
+            </c:spPr>
+            <c:extLst>
+              <c:ext xmlns:c16="http://schemas.microsoft.com/office/drawing/2014/chart" uri="{C3380CC4-5D6E-409C-BE32-E72D297353CC}">
+                <c16:uniqueId val="{0000000D-DCA3-4872-BBBC-433C37B4C0A5}"/>
+              </c:ext>
+            </c:extLst>
+          </c:dPt>
+          <c:dPt>
+            <c:idx val="7"/>
+            <c:bubble3D val="0"/>
+            <c:spPr>
+              <a:solidFill>
+                <a:schemeClr val="bg1"/>
+              </a:solidFill>
+              <a:ln w="57150">
+                <a:solidFill>
+                  <a:schemeClr val="tx1"/>
+                </a:solidFill>
+              </a:ln>
+              <a:effectLst/>
+            </c:spPr>
+            <c:extLst>
+              <c:ext xmlns:c16="http://schemas.microsoft.com/office/drawing/2014/chart" uri="{C3380CC4-5D6E-409C-BE32-E72D297353CC}">
+                <c16:uniqueId val="{0000000F-DCA3-4872-BBBC-433C37B4C0A5}"/>
+              </c:ext>
+            </c:extLst>
+          </c:dPt>
+          <c:dPt>
+            <c:idx val="8"/>
+            <c:bubble3D val="0"/>
+            <c:spPr>
+              <a:solidFill>
+                <a:schemeClr val="bg1"/>
+              </a:solidFill>
+              <a:ln w="57150">
+                <a:solidFill>
+                  <a:schemeClr val="tx1"/>
+                </a:solidFill>
+              </a:ln>
+              <a:effectLst/>
+            </c:spPr>
+            <c:extLst>
+              <c:ext xmlns:c16="http://schemas.microsoft.com/office/drawing/2014/chart" uri="{C3380CC4-5D6E-409C-BE32-E72D297353CC}">
+                <c16:uniqueId val="{00000011-DCA3-4872-BBBC-433C37B4C0A5}"/>
+              </c:ext>
+            </c:extLst>
+          </c:dPt>
+          <c:dPt>
+            <c:idx val="9"/>
+            <c:bubble3D val="0"/>
+            <c:spPr>
+              <a:solidFill>
+                <a:schemeClr val="bg1"/>
+              </a:solidFill>
+              <a:ln w="57150">
+                <a:solidFill>
+                  <a:schemeClr val="tx1"/>
+                </a:solidFill>
+              </a:ln>
+              <a:effectLst/>
+            </c:spPr>
+            <c:extLst>
+              <c:ext xmlns:c16="http://schemas.microsoft.com/office/drawing/2014/chart" uri="{C3380CC4-5D6E-409C-BE32-E72D297353CC}">
+                <c16:uniqueId val="{00000013-DCA3-4872-BBBC-433C37B4C0A5}"/>
+              </c:ext>
+            </c:extLst>
+          </c:dPt>
+          <c:cat>
+            <c:strRef>
+              <c:f>Feuil1!$A$2:$A$11</c:f>
+              <c:strCache>
+                <c:ptCount val="4"/>
+                <c:pt idx="0">
+                  <c:v>1er trim.</c:v>
+                </c:pt>
+                <c:pt idx="1">
+                  <c:v>2e trim.</c:v>
+                </c:pt>
+                <c:pt idx="2">
+                  <c:v>3e trim.</c:v>
+                </c:pt>
+                <c:pt idx="3">
+                  <c:v>4e trim.</c:v>
+                </c:pt>
+              </c:strCache>
+            </c:strRef>
+          </c:cat>
+          <c:val>
+            <c:numRef>
+              <c:f>Feuil1!$B$2:$B$11</c:f>
+              <c:numCache>
+                <c:formatCode>General</c:formatCode>
+                <c:ptCount val="10"/>
+                <c:pt idx="0">
+                  <c:v>0.1</c:v>
+                </c:pt>
+                <c:pt idx="1">
+                  <c:v>0.1</c:v>
+                </c:pt>
+                <c:pt idx="2">
+                  <c:v>0.1</c:v>
+                </c:pt>
+                <c:pt idx="3">
+                  <c:v>0.1</c:v>
+                </c:pt>
+                <c:pt idx="4">
+                  <c:v>0.1</c:v>
+                </c:pt>
+                <c:pt idx="5">
+                  <c:v>0.1</c:v>
+                </c:pt>
+                <c:pt idx="6">
+                  <c:v>0.1</c:v>
+                </c:pt>
+                <c:pt idx="7">
+                  <c:v>0.1</c:v>
+                </c:pt>
+                <c:pt idx="8">
+                  <c:v>0.1</c:v>
+                </c:pt>
+                <c:pt idx="9">
+                  <c:v>0.1</c:v>
+                </c:pt>
+              </c:numCache>
+            </c:numRef>
+          </c:val>
+          <c:extLst>
+            <c:ext xmlns:c16="http://schemas.microsoft.com/office/drawing/2014/chart" uri="{C3380CC4-5D6E-409C-BE32-E72D297353CC}">
+              <c16:uniqueId val="{00000014-DCA3-4872-BBBC-433C37B4C0A5}"/>
+            </c:ext>
+          </c:extLst>
+        </c:ser>
+        <c:dLbls>
+          <c:showLegendKey val="0"/>
+          <c:showVal val="0"/>
+          <c:showCatName val="0"/>
+          <c:showSerName val="0"/>
+          <c:showPercent val="0"/>
+          <c:showBubbleSize val="0"/>
+          <c:showLeaderLines val="1"/>
+        </c:dLbls>
+        <c:firstSliceAng val="0"/>
+      </c:pieChart>
+      <c:spPr>
+        <a:noFill/>
+        <a:ln>
+          <a:noFill/>
+        </a:ln>
+        <a:effectLst/>
+      </c:spPr>
+    </c:plotArea>
+    <c:plotVisOnly val="1"/>
+    <c:dispBlanksAs val="gap"/>
+    <c:extLst>
+      <c:ext xmlns:c16r3="http://schemas.microsoft.com/office/drawing/2017/03/chart" uri="{56B9EC1D-385E-4148-901F-78D8002777C0}">
+        <c16r3:dataDisplayOptions16>
+          <c16r3:dispNaAsBlank val="1"/>
+        </c16r3:dataDisplayOptions16>
+      </c:ext>
+    </c:extLst>
+    <c:showDLblsOverMax val="0"/>
+  </c:chart>
+  <c:spPr>
+    <a:noFill/>
+    <a:ln>
+      <a:noFill/>
+    </a:ln>
+    <a:effectLst/>
+  </c:spPr>
+  <c:txPr>
+    <a:bodyPr/>
+    <a:lstStyle/>
+    <a:p>
+      <a:pPr>
+        <a:defRPr/>
+      </a:pPr>
+      <a:endParaRPr lang="en-US"/>
+    </a:p>
+  </c:txPr>
+  <c:externalData r:id="rId3">
+    <c:autoUpdate val="0"/>
+  </c:externalData>
+</c:chartSpace>
+</file>
+
+<file path=ppt/charts/chart14.xml><?xml version="1.0" encoding="utf-8"?>
 <c:chartSpace xmlns:c="http://schemas.openxmlformats.org/drawingml/2006/chart" xmlns:a="http://schemas.openxmlformats.org/drawingml/2006/main" xmlns:r="http://schemas.openxmlformats.org/officeDocument/2006/relationships" xmlns:c16r2="http://schemas.microsoft.com/office/drawing/2015/06/chart">
   <c:date1904 val="0"/>
   <c:lang val="fr-FR"/>
@@ -739,7 +2096,378 @@
 </c:chartSpace>
 </file>
 
-<file path=ppt/charts/chart11.xml><?xml version="1.0" encoding="utf-8"?>
+<file path=ppt/charts/chart15.xml><?xml version="1.0" encoding="utf-8"?>
+<c:chartSpace xmlns:c="http://schemas.openxmlformats.org/drawingml/2006/chart" xmlns:a="http://schemas.openxmlformats.org/drawingml/2006/main" xmlns:r="http://schemas.openxmlformats.org/officeDocument/2006/relationships" xmlns:c16r2="http://schemas.microsoft.com/office/drawing/2015/06/chart">
+  <c:date1904 val="0"/>
+  <c:lang val="fr-FR"/>
+  <c:roundedCorners val="0"/>
+  <mc:AlternateContent xmlns:mc="http://schemas.openxmlformats.org/markup-compatibility/2006">
+    <mc:Choice xmlns:c14="http://schemas.microsoft.com/office/drawing/2007/8/2/chart" Requires="c14">
+      <c14:style val="104"/>
+    </mc:Choice>
+    <mc:Fallback>
+      <c:style val="4"/>
+    </mc:Fallback>
+  </mc:AlternateContent>
+  <c:chart>
+    <c:autoTitleDeleted val="1"/>
+    <c:plotArea>
+      <c:layout>
+        <c:manualLayout>
+          <c:layoutTarget val="inner"/>
+          <c:xMode val="edge"/>
+          <c:yMode val="edge"/>
+          <c:x val="6.5625564625195781E-2"/>
+          <c:y val="3.417033115135671E-2"/>
+          <c:w val="0.81443772685237159"/>
+          <c:h val="0.93165933769728659"/>
+        </c:manualLayout>
+      </c:layout>
+      <c:pieChart>
+        <c:varyColors val="1"/>
+        <c:ser>
+          <c:idx val="0"/>
+          <c:order val="0"/>
+          <c:tx>
+            <c:strRef>
+              <c:f>Feuil1!$B$1</c:f>
+              <c:strCache>
+                <c:ptCount val="1"/>
+                <c:pt idx="0">
+                  <c:v>Ventes</c:v>
+                </c:pt>
+              </c:strCache>
+            </c:strRef>
+          </c:tx>
+          <c:spPr>
+            <a:solidFill>
+              <a:schemeClr val="bg1"/>
+            </a:solidFill>
+            <a:ln w="57150">
+              <a:solidFill>
+                <a:schemeClr val="tx1"/>
+              </a:solidFill>
+            </a:ln>
+          </c:spPr>
+          <c:dPt>
+            <c:idx val="0"/>
+            <c:bubble3D val="0"/>
+            <c:spPr>
+              <a:solidFill>
+                <a:schemeClr val="bg1"/>
+              </a:solidFill>
+              <a:ln w="57150">
+                <a:solidFill>
+                  <a:schemeClr val="tx1"/>
+                </a:solidFill>
+              </a:ln>
+              <a:effectLst/>
+            </c:spPr>
+            <c:extLst>
+              <c:ext xmlns:c16="http://schemas.microsoft.com/office/drawing/2014/chart" uri="{C3380CC4-5D6E-409C-BE32-E72D297353CC}">
+                <c16:uniqueId val="{00000001-3483-43F9-8EF9-91E6F1134493}"/>
+              </c:ext>
+            </c:extLst>
+          </c:dPt>
+          <c:dPt>
+            <c:idx val="1"/>
+            <c:bubble3D val="0"/>
+            <c:spPr>
+              <a:solidFill>
+                <a:schemeClr val="bg1"/>
+              </a:solidFill>
+              <a:ln w="57150">
+                <a:solidFill>
+                  <a:schemeClr val="tx1"/>
+                </a:solidFill>
+              </a:ln>
+              <a:effectLst/>
+            </c:spPr>
+            <c:extLst>
+              <c:ext xmlns:c16="http://schemas.microsoft.com/office/drawing/2014/chart" uri="{C3380CC4-5D6E-409C-BE32-E72D297353CC}">
+                <c16:uniqueId val="{00000003-3483-43F9-8EF9-91E6F1134493}"/>
+              </c:ext>
+            </c:extLst>
+          </c:dPt>
+          <c:dPt>
+            <c:idx val="2"/>
+            <c:bubble3D val="0"/>
+            <c:spPr>
+              <a:solidFill>
+                <a:schemeClr val="bg1"/>
+              </a:solidFill>
+              <a:ln w="57150">
+                <a:solidFill>
+                  <a:schemeClr val="tx1"/>
+                </a:solidFill>
+              </a:ln>
+              <a:effectLst/>
+            </c:spPr>
+            <c:extLst>
+              <c:ext xmlns:c16="http://schemas.microsoft.com/office/drawing/2014/chart" uri="{C3380CC4-5D6E-409C-BE32-E72D297353CC}">
+                <c16:uniqueId val="{00000005-3483-43F9-8EF9-91E6F1134493}"/>
+              </c:ext>
+            </c:extLst>
+          </c:dPt>
+          <c:dPt>
+            <c:idx val="3"/>
+            <c:bubble3D val="0"/>
+            <c:spPr>
+              <a:solidFill>
+                <a:schemeClr val="bg1"/>
+              </a:solidFill>
+              <a:ln w="57150">
+                <a:solidFill>
+                  <a:schemeClr val="tx1"/>
+                </a:solidFill>
+              </a:ln>
+              <a:effectLst/>
+            </c:spPr>
+            <c:extLst>
+              <c:ext xmlns:c16="http://schemas.microsoft.com/office/drawing/2014/chart" uri="{C3380CC4-5D6E-409C-BE32-E72D297353CC}">
+                <c16:uniqueId val="{00000007-3483-43F9-8EF9-91E6F1134493}"/>
+              </c:ext>
+            </c:extLst>
+          </c:dPt>
+          <c:dPt>
+            <c:idx val="4"/>
+            <c:bubble3D val="0"/>
+            <c:spPr>
+              <a:solidFill>
+                <a:schemeClr val="bg1"/>
+              </a:solidFill>
+              <a:ln w="57150">
+                <a:solidFill>
+                  <a:schemeClr val="tx1"/>
+                </a:solidFill>
+              </a:ln>
+              <a:effectLst/>
+            </c:spPr>
+            <c:extLst>
+              <c:ext xmlns:c16="http://schemas.microsoft.com/office/drawing/2014/chart" uri="{C3380CC4-5D6E-409C-BE32-E72D297353CC}">
+                <c16:uniqueId val="{00000009-3483-43F9-8EF9-91E6F1134493}"/>
+              </c:ext>
+            </c:extLst>
+          </c:dPt>
+          <c:dPt>
+            <c:idx val="5"/>
+            <c:bubble3D val="0"/>
+            <c:spPr>
+              <a:solidFill>
+                <a:schemeClr val="bg1"/>
+              </a:solidFill>
+              <a:ln w="57150">
+                <a:solidFill>
+                  <a:schemeClr val="tx1"/>
+                </a:solidFill>
+              </a:ln>
+              <a:effectLst/>
+            </c:spPr>
+            <c:extLst>
+              <c:ext xmlns:c16="http://schemas.microsoft.com/office/drawing/2014/chart" uri="{C3380CC4-5D6E-409C-BE32-E72D297353CC}">
+                <c16:uniqueId val="{0000000B-3483-43F9-8EF9-91E6F1134493}"/>
+              </c:ext>
+            </c:extLst>
+          </c:dPt>
+          <c:dPt>
+            <c:idx val="6"/>
+            <c:bubble3D val="0"/>
+            <c:spPr>
+              <a:solidFill>
+                <a:schemeClr val="bg1"/>
+              </a:solidFill>
+              <a:ln w="57150">
+                <a:solidFill>
+                  <a:schemeClr val="tx1"/>
+                </a:solidFill>
+              </a:ln>
+              <a:effectLst/>
+            </c:spPr>
+            <c:extLst>
+              <c:ext xmlns:c16="http://schemas.microsoft.com/office/drawing/2014/chart" uri="{C3380CC4-5D6E-409C-BE32-E72D297353CC}">
+                <c16:uniqueId val="{0000000D-3483-43F9-8EF9-91E6F1134493}"/>
+              </c:ext>
+            </c:extLst>
+          </c:dPt>
+          <c:dPt>
+            <c:idx val="7"/>
+            <c:bubble3D val="0"/>
+            <c:spPr>
+              <a:solidFill>
+                <a:schemeClr val="bg1"/>
+              </a:solidFill>
+              <a:ln w="57150">
+                <a:solidFill>
+                  <a:schemeClr val="tx1"/>
+                </a:solidFill>
+              </a:ln>
+              <a:effectLst/>
+            </c:spPr>
+            <c:extLst>
+              <c:ext xmlns:c16="http://schemas.microsoft.com/office/drawing/2014/chart" uri="{C3380CC4-5D6E-409C-BE32-E72D297353CC}">
+                <c16:uniqueId val="{0000000F-3483-43F9-8EF9-91E6F1134493}"/>
+              </c:ext>
+            </c:extLst>
+          </c:dPt>
+          <c:dPt>
+            <c:idx val="8"/>
+            <c:bubble3D val="0"/>
+            <c:spPr>
+              <a:solidFill>
+                <a:schemeClr val="bg1"/>
+              </a:solidFill>
+              <a:ln w="57150">
+                <a:solidFill>
+                  <a:schemeClr val="tx1"/>
+                </a:solidFill>
+              </a:ln>
+              <a:effectLst/>
+            </c:spPr>
+            <c:extLst>
+              <c:ext xmlns:c16="http://schemas.microsoft.com/office/drawing/2014/chart" uri="{C3380CC4-5D6E-409C-BE32-E72D297353CC}">
+                <c16:uniqueId val="{00000011-3483-43F9-8EF9-91E6F1134493}"/>
+              </c:ext>
+            </c:extLst>
+          </c:dPt>
+          <c:dPt>
+            <c:idx val="9"/>
+            <c:bubble3D val="0"/>
+            <c:spPr>
+              <a:solidFill>
+                <a:schemeClr val="bg1"/>
+              </a:solidFill>
+              <a:ln w="57150">
+                <a:solidFill>
+                  <a:schemeClr val="tx1"/>
+                </a:solidFill>
+              </a:ln>
+              <a:effectLst/>
+            </c:spPr>
+            <c:extLst>
+              <c:ext xmlns:c16="http://schemas.microsoft.com/office/drawing/2014/chart" uri="{C3380CC4-5D6E-409C-BE32-E72D297353CC}">
+                <c16:uniqueId val="{00000013-3483-43F9-8EF9-91E6F1134493}"/>
+              </c:ext>
+            </c:extLst>
+          </c:dPt>
+          <c:cat>
+            <c:strRef>
+              <c:f>Feuil1!$A$2:$A$11</c:f>
+              <c:strCache>
+                <c:ptCount val="4"/>
+                <c:pt idx="0">
+                  <c:v>1er trim.</c:v>
+                </c:pt>
+                <c:pt idx="1">
+                  <c:v>2e trim.</c:v>
+                </c:pt>
+                <c:pt idx="2">
+                  <c:v>3e trim.</c:v>
+                </c:pt>
+                <c:pt idx="3">
+                  <c:v>4e trim.</c:v>
+                </c:pt>
+              </c:strCache>
+            </c:strRef>
+          </c:cat>
+          <c:val>
+            <c:numRef>
+              <c:f>Feuil1!$B$2:$B$11</c:f>
+              <c:numCache>
+                <c:formatCode>General</c:formatCode>
+                <c:ptCount val="10"/>
+                <c:pt idx="0">
+                  <c:v>0.1</c:v>
+                </c:pt>
+                <c:pt idx="1">
+                  <c:v>0.1</c:v>
+                </c:pt>
+                <c:pt idx="2">
+                  <c:v>0.1</c:v>
+                </c:pt>
+                <c:pt idx="3">
+                  <c:v>0.1</c:v>
+                </c:pt>
+                <c:pt idx="4">
+                  <c:v>0.1</c:v>
+                </c:pt>
+                <c:pt idx="5">
+                  <c:v>0.1</c:v>
+                </c:pt>
+                <c:pt idx="6">
+                  <c:v>0.1</c:v>
+                </c:pt>
+                <c:pt idx="7">
+                  <c:v>0.1</c:v>
+                </c:pt>
+                <c:pt idx="8">
+                  <c:v>0.1</c:v>
+                </c:pt>
+                <c:pt idx="9">
+                  <c:v>0.1</c:v>
+                </c:pt>
+              </c:numCache>
+            </c:numRef>
+          </c:val>
+          <c:extLst>
+            <c:ext xmlns:c16="http://schemas.microsoft.com/office/drawing/2014/chart" uri="{C3380CC4-5D6E-409C-BE32-E72D297353CC}">
+              <c16:uniqueId val="{00000014-3483-43F9-8EF9-91E6F1134493}"/>
+            </c:ext>
+          </c:extLst>
+        </c:ser>
+        <c:dLbls>
+          <c:showLegendKey val="0"/>
+          <c:showVal val="0"/>
+          <c:showCatName val="0"/>
+          <c:showSerName val="0"/>
+          <c:showPercent val="0"/>
+          <c:showBubbleSize val="0"/>
+          <c:showLeaderLines val="1"/>
+        </c:dLbls>
+        <c:firstSliceAng val="0"/>
+      </c:pieChart>
+      <c:spPr>
+        <a:noFill/>
+        <a:ln>
+          <a:noFill/>
+        </a:ln>
+        <a:effectLst/>
+      </c:spPr>
+    </c:plotArea>
+    <c:plotVisOnly val="1"/>
+    <c:dispBlanksAs val="gap"/>
+    <c:extLst>
+      <c:ext xmlns:c16r3="http://schemas.microsoft.com/office/drawing/2017/03/chart" uri="{56B9EC1D-385E-4148-901F-78D8002777C0}">
+        <c16r3:dataDisplayOptions16>
+          <c16r3:dispNaAsBlank val="1"/>
+        </c16r3:dataDisplayOptions16>
+      </c:ext>
+    </c:extLst>
+    <c:showDLblsOverMax val="0"/>
+  </c:chart>
+  <c:spPr>
+    <a:noFill/>
+    <a:ln>
+      <a:noFill/>
+    </a:ln>
+    <a:effectLst/>
+  </c:spPr>
+  <c:txPr>
+    <a:bodyPr/>
+    <a:lstStyle/>
+    <a:p>
+      <a:pPr>
+        <a:defRPr/>
+      </a:pPr>
+      <a:endParaRPr lang="en-US"/>
+    </a:p>
+  </c:txPr>
+  <c:externalData r:id="rId3">
+    <c:autoUpdate val="0"/>
+  </c:externalData>
+</c:chartSpace>
+</file>
+
+<file path=ppt/charts/chart16.xml><?xml version="1.0" encoding="utf-8"?>
 <c:chartSpace xmlns:c="http://schemas.openxmlformats.org/drawingml/2006/chart" xmlns:a="http://schemas.openxmlformats.org/drawingml/2006/main" xmlns:r="http://schemas.openxmlformats.org/officeDocument/2006/relationships" xmlns:c16r2="http://schemas.microsoft.com/office/drawing/2015/06/chart">
   <c:date1904 val="0"/>
   <c:lang val="fr-FR"/>
@@ -2781,10 +4509,7 @@
           </c:tx>
           <c:spPr>
             <a:solidFill>
-              <a:schemeClr val="accent1">
-                <a:lumMod val="40000"/>
-                <a:lumOff val="60000"/>
-              </a:schemeClr>
+              <a:schemeClr val="bg1"/>
             </a:solidFill>
             <a:ln w="57150"/>
           </c:spPr>
@@ -2804,7 +4529,7 @@
             </c:spPr>
             <c:extLst>
               <c:ext xmlns:c16="http://schemas.microsoft.com/office/drawing/2014/chart" uri="{C3380CC4-5D6E-409C-BE32-E72D297353CC}">
-                <c16:uniqueId val="{00000001-17CD-4DAD-8388-92939F6214A5}"/>
+                <c16:uniqueId val="{00000001-B903-40D2-9715-40130548254F}"/>
               </c:ext>
             </c:extLst>
           </c:dPt>
@@ -2824,7 +4549,7 @@
             </c:spPr>
             <c:extLst>
               <c:ext xmlns:c16="http://schemas.microsoft.com/office/drawing/2014/chart" uri="{C3380CC4-5D6E-409C-BE32-E72D297353CC}">
-                <c16:uniqueId val="{00000003-17CD-4DAD-8388-92939F6214A5}"/>
+                <c16:uniqueId val="{00000003-B903-40D2-9715-40130548254F}"/>
               </c:ext>
             </c:extLst>
           </c:dPt>
@@ -2832,29 +4557,8 @@
             <c:idx val="2"/>
             <c:bubble3D val="0"/>
             <c:spPr>
-              <a:noFill/>
-              <a:ln w="57150">
-                <a:solidFill>
-                  <a:schemeClr val="tx1"/>
-                </a:solidFill>
-              </a:ln>
-              <a:effectLst/>
-            </c:spPr>
-            <c:extLst>
-              <c:ext xmlns:c16="http://schemas.microsoft.com/office/drawing/2014/chart" uri="{C3380CC4-5D6E-409C-BE32-E72D297353CC}">
-                <c16:uniqueId val="{00000005-17CD-4DAD-8388-92939F6214A5}"/>
-              </c:ext>
-            </c:extLst>
-          </c:dPt>
-          <c:dPt>
-            <c:idx val="3"/>
-            <c:bubble3D val="0"/>
-            <c:spPr>
               <a:solidFill>
-                <a:schemeClr val="accent1">
-                  <a:lumMod val="40000"/>
-                  <a:lumOff val="60000"/>
-                </a:schemeClr>
+                <a:schemeClr val="bg1"/>
               </a:solidFill>
               <a:ln w="57150">
                 <a:solidFill>
@@ -2865,7 +4569,27 @@
             </c:spPr>
             <c:extLst>
               <c:ext xmlns:c16="http://schemas.microsoft.com/office/drawing/2014/chart" uri="{C3380CC4-5D6E-409C-BE32-E72D297353CC}">
-                <c16:uniqueId val="{00000007-17CD-4DAD-8388-92939F6214A5}"/>
+                <c16:uniqueId val="{00000005-B903-40D2-9715-40130548254F}"/>
+              </c:ext>
+            </c:extLst>
+          </c:dPt>
+          <c:dPt>
+            <c:idx val="3"/>
+            <c:bubble3D val="0"/>
+            <c:spPr>
+              <a:solidFill>
+                <a:schemeClr val="bg1"/>
+              </a:solidFill>
+              <a:ln w="57150">
+                <a:solidFill>
+                  <a:schemeClr val="tx1"/>
+                </a:solidFill>
+              </a:ln>
+              <a:effectLst/>
+            </c:spPr>
+            <c:extLst>
+              <c:ext xmlns:c16="http://schemas.microsoft.com/office/drawing/2014/chart" uri="{C3380CC4-5D6E-409C-BE32-E72D297353CC}">
+                <c16:uniqueId val="{00000007-B903-40D2-9715-40130548254F}"/>
               </c:ext>
             </c:extLst>
           </c:dPt>
@@ -2912,7 +4636,7 @@
           </c:val>
           <c:extLst>
             <c:ext xmlns:c16="http://schemas.microsoft.com/office/drawing/2014/chart" uri="{C3380CC4-5D6E-409C-BE32-E72D297353CC}">
-              <c16:uniqueId val="{00000008-17CD-4DAD-8388-92939F6214A5}"/>
+              <c16:uniqueId val="{00000008-B903-40D2-9715-40130548254F}"/>
             </c:ext>
           </c:extLst>
         </c:ser>
@@ -3028,10 +4752,7 @@
             <c:bubble3D val="0"/>
             <c:spPr>
               <a:solidFill>
-                <a:schemeClr val="accent1">
-                  <a:lumMod val="40000"/>
-                  <a:lumOff val="60000"/>
-                </a:schemeClr>
+                <a:schemeClr val="bg1"/>
               </a:solidFill>
               <a:ln w="57150">
                 <a:solidFill>
@@ -3051,10 +4772,7 @@
             <c:bubble3D val="0"/>
             <c:spPr>
               <a:solidFill>
-                <a:schemeClr val="accent1">
-                  <a:lumMod val="40000"/>
-                  <a:lumOff val="60000"/>
-                </a:schemeClr>
+                <a:schemeClr val="bg1"/>
               </a:solidFill>
               <a:ln w="57150">
                 <a:solidFill>
@@ -3219,16 +4937,26 @@
   <c:roundedCorners val="0"/>
   <mc:AlternateContent xmlns:mc="http://schemas.openxmlformats.org/markup-compatibility/2006">
     <mc:Choice xmlns:c14="http://schemas.microsoft.com/office/drawing/2007/8/2/chart" Requires="c14">
-      <c14:style val="104"/>
+      <c14:style val="102"/>
     </mc:Choice>
     <mc:Fallback>
-      <c:style val="4"/>
+      <c:style val="2"/>
     </mc:Fallback>
   </mc:AlternateContent>
   <c:chart>
     <c:autoTitleDeleted val="1"/>
     <c:plotArea>
-      <c:layout/>
+      <c:layout>
+        <c:manualLayout>
+          <c:layoutTarget val="inner"/>
+          <c:xMode val="edge"/>
+          <c:yMode val="edge"/>
+          <c:x val="1.2177651803538999E-2"/>
+          <c:y val="0.1152803564309261"/>
+          <c:w val="0.93302291508053548"/>
+          <c:h val="0.73126206894219425"/>
+        </c:manualLayout>
+      </c:layout>
       <c:pieChart>
         <c:varyColors val="1"/>
         <c:ser>
@@ -3249,106 +4977,10 @@
             <a:solidFill>
               <a:schemeClr val="bg1"/>
             </a:solidFill>
-            <a:ln w="57150">
-              <a:solidFill>
-                <a:schemeClr val="tx1"/>
-              </a:solidFill>
-            </a:ln>
+            <a:ln w="57150"/>
           </c:spPr>
           <c:dPt>
             <c:idx val="0"/>
-            <c:bubble3D val="0"/>
-            <c:spPr>
-              <a:solidFill>
-                <a:schemeClr val="accent2">
-                  <a:lumMod val="60000"/>
-                  <a:lumOff val="40000"/>
-                </a:schemeClr>
-              </a:solidFill>
-              <a:ln w="57150">
-                <a:solidFill>
-                  <a:schemeClr val="tx1"/>
-                </a:solidFill>
-              </a:ln>
-              <a:effectLst/>
-            </c:spPr>
-            <c:extLst>
-              <c:ext xmlns:c16="http://schemas.microsoft.com/office/drawing/2014/chart" uri="{C3380CC4-5D6E-409C-BE32-E72D297353CC}">
-                <c16:uniqueId val="{00000001-ABFF-4B29-AD73-42449E690970}"/>
-              </c:ext>
-            </c:extLst>
-          </c:dPt>
-          <c:dPt>
-            <c:idx val="1"/>
-            <c:bubble3D val="0"/>
-            <c:spPr>
-              <a:solidFill>
-                <a:schemeClr val="accent2">
-                  <a:lumMod val="60000"/>
-                  <a:lumOff val="40000"/>
-                </a:schemeClr>
-              </a:solidFill>
-              <a:ln w="57150">
-                <a:solidFill>
-                  <a:schemeClr val="tx1"/>
-                </a:solidFill>
-              </a:ln>
-              <a:effectLst/>
-            </c:spPr>
-            <c:extLst>
-              <c:ext xmlns:c16="http://schemas.microsoft.com/office/drawing/2014/chart" uri="{C3380CC4-5D6E-409C-BE32-E72D297353CC}">
-                <c16:uniqueId val="{00000003-ABFF-4B29-AD73-42449E690970}"/>
-              </c:ext>
-            </c:extLst>
-          </c:dPt>
-          <c:dPt>
-            <c:idx val="2"/>
-            <c:bubble3D val="0"/>
-            <c:spPr>
-              <a:solidFill>
-                <a:schemeClr val="accent2">
-                  <a:lumMod val="60000"/>
-                  <a:lumOff val="40000"/>
-                </a:schemeClr>
-              </a:solidFill>
-              <a:ln w="57150">
-                <a:solidFill>
-                  <a:schemeClr val="tx1"/>
-                </a:solidFill>
-              </a:ln>
-              <a:effectLst/>
-            </c:spPr>
-            <c:extLst>
-              <c:ext xmlns:c16="http://schemas.microsoft.com/office/drawing/2014/chart" uri="{C3380CC4-5D6E-409C-BE32-E72D297353CC}">
-                <c16:uniqueId val="{00000005-ABFF-4B29-AD73-42449E690970}"/>
-              </c:ext>
-            </c:extLst>
-          </c:dPt>
-          <c:dPt>
-            <c:idx val="3"/>
-            <c:bubble3D val="0"/>
-            <c:spPr>
-              <a:solidFill>
-                <a:schemeClr val="accent2">
-                  <a:lumMod val="60000"/>
-                  <a:lumOff val="40000"/>
-                </a:schemeClr>
-              </a:solidFill>
-              <a:ln w="57150">
-                <a:solidFill>
-                  <a:schemeClr val="tx1"/>
-                </a:solidFill>
-              </a:ln>
-              <a:effectLst/>
-            </c:spPr>
-            <c:extLst>
-              <c:ext xmlns:c16="http://schemas.microsoft.com/office/drawing/2014/chart" uri="{C3380CC4-5D6E-409C-BE32-E72D297353CC}">
-                <c16:uniqueId val="{00000007-ABFF-4B29-AD73-42449E690970}"/>
-              </c:ext>
-            </c:extLst>
-          </c:dPt>
-          <c:dPt>
-            <c:idx val="4"/>
             <c:bubble3D val="0"/>
             <c:spPr>
               <a:solidFill>
@@ -3363,12 +4995,12 @@
             </c:spPr>
             <c:extLst>
               <c:ext xmlns:c16="http://schemas.microsoft.com/office/drawing/2014/chart" uri="{C3380CC4-5D6E-409C-BE32-E72D297353CC}">
-                <c16:uniqueId val="{00000009-ABFF-4B29-AD73-42449E690970}"/>
+                <c16:uniqueId val="{00000001-3767-4D39-B799-E1AA070A60ED}"/>
               </c:ext>
             </c:extLst>
           </c:dPt>
           <c:dPt>
-            <c:idx val="5"/>
+            <c:idx val="1"/>
             <c:bubble3D val="0"/>
             <c:spPr>
               <a:solidFill>
@@ -3383,12 +5015,12 @@
             </c:spPr>
             <c:extLst>
               <c:ext xmlns:c16="http://schemas.microsoft.com/office/drawing/2014/chart" uri="{C3380CC4-5D6E-409C-BE32-E72D297353CC}">
-                <c16:uniqueId val="{0000000B-ABFF-4B29-AD73-42449E690970}"/>
+                <c16:uniqueId val="{00000003-3767-4D39-B799-E1AA070A60ED}"/>
               </c:ext>
             </c:extLst>
           </c:dPt>
           <c:dPt>
-            <c:idx val="6"/>
+            <c:idx val="2"/>
             <c:bubble3D val="0"/>
             <c:spPr>
               <a:solidFill>
@@ -3403,12 +5035,12 @@
             </c:spPr>
             <c:extLst>
               <c:ext xmlns:c16="http://schemas.microsoft.com/office/drawing/2014/chart" uri="{C3380CC4-5D6E-409C-BE32-E72D297353CC}">
-                <c16:uniqueId val="{0000000D-ABFF-4B29-AD73-42449E690970}"/>
+                <c16:uniqueId val="{00000005-3767-4D39-B799-E1AA070A60ED}"/>
               </c:ext>
             </c:extLst>
           </c:dPt>
           <c:dPt>
-            <c:idx val="7"/>
+            <c:idx val="3"/>
             <c:bubble3D val="0"/>
             <c:spPr>
               <a:solidFill>
@@ -3423,53 +5055,13 @@
             </c:spPr>
             <c:extLst>
               <c:ext xmlns:c16="http://schemas.microsoft.com/office/drawing/2014/chart" uri="{C3380CC4-5D6E-409C-BE32-E72D297353CC}">
-                <c16:uniqueId val="{0000000F-ABFF-4B29-AD73-42449E690970}"/>
-              </c:ext>
-            </c:extLst>
-          </c:dPt>
-          <c:dPt>
-            <c:idx val="8"/>
-            <c:bubble3D val="0"/>
-            <c:spPr>
-              <a:solidFill>
-                <a:schemeClr val="bg1"/>
-              </a:solidFill>
-              <a:ln w="57150">
-                <a:solidFill>
-                  <a:schemeClr val="tx1"/>
-                </a:solidFill>
-              </a:ln>
-              <a:effectLst/>
-            </c:spPr>
-            <c:extLst>
-              <c:ext xmlns:c16="http://schemas.microsoft.com/office/drawing/2014/chart" uri="{C3380CC4-5D6E-409C-BE32-E72D297353CC}">
-                <c16:uniqueId val="{00000011-ABFF-4B29-AD73-42449E690970}"/>
-              </c:ext>
-            </c:extLst>
-          </c:dPt>
-          <c:dPt>
-            <c:idx val="9"/>
-            <c:bubble3D val="0"/>
-            <c:spPr>
-              <a:solidFill>
-                <a:schemeClr val="bg1"/>
-              </a:solidFill>
-              <a:ln w="57150">
-                <a:solidFill>
-                  <a:schemeClr val="tx1"/>
-                </a:solidFill>
-              </a:ln>
-              <a:effectLst/>
-            </c:spPr>
-            <c:extLst>
-              <c:ext xmlns:c16="http://schemas.microsoft.com/office/drawing/2014/chart" uri="{C3380CC4-5D6E-409C-BE32-E72D297353CC}">
-                <c16:uniqueId val="{00000013-ABFF-4B29-AD73-42449E690970}"/>
+                <c16:uniqueId val="{00000007-3767-4D39-B799-E1AA070A60ED}"/>
               </c:ext>
             </c:extLst>
           </c:dPt>
           <c:cat>
             <c:strRef>
-              <c:f>Feuil1!$A$2:$A$11</c:f>
+              <c:f>Feuil1!$A$2:$A$5</c:f>
               <c:strCache>
                 <c:ptCount val="4"/>
                 <c:pt idx="0">
@@ -3489,46 +5081,28 @@
           </c:cat>
           <c:val>
             <c:numRef>
-              <c:f>Feuil1!$B$2:$B$11</c:f>
+              <c:f>Feuil1!$B$2:$B$5</c:f>
               <c:numCache>
                 <c:formatCode>General</c:formatCode>
-                <c:ptCount val="10"/>
+                <c:ptCount val="4"/>
                 <c:pt idx="0">
-                  <c:v>0.1</c:v>
+                  <c:v>0.25</c:v>
                 </c:pt>
                 <c:pt idx="1">
-                  <c:v>0.1</c:v>
+                  <c:v>0.25</c:v>
                 </c:pt>
                 <c:pt idx="2">
-                  <c:v>0.1</c:v>
+                  <c:v>0.25</c:v>
                 </c:pt>
                 <c:pt idx="3">
-                  <c:v>0.1</c:v>
-                </c:pt>
-                <c:pt idx="4">
-                  <c:v>0.1</c:v>
-                </c:pt>
-                <c:pt idx="5">
-                  <c:v>0.1</c:v>
-                </c:pt>
-                <c:pt idx="6">
-                  <c:v>0.1</c:v>
-                </c:pt>
-                <c:pt idx="7">
-                  <c:v>0.1</c:v>
-                </c:pt>
-                <c:pt idx="8">
-                  <c:v>0.1</c:v>
-                </c:pt>
-                <c:pt idx="9">
-                  <c:v>0.1</c:v>
+                  <c:v>0.25</c:v>
                 </c:pt>
               </c:numCache>
             </c:numRef>
           </c:val>
           <c:extLst>
             <c:ext xmlns:c16="http://schemas.microsoft.com/office/drawing/2014/chart" uri="{C3380CC4-5D6E-409C-BE32-E72D297353CC}">
-              <c16:uniqueId val="{00000014-ABFF-4B29-AD73-42449E690970}"/>
+              <c16:uniqueId val="{00000008-3767-4D39-B799-E1AA070A60ED}"/>
             </c:ext>
           </c:extLst>
         </c:ser>
@@ -3546,7 +5120,9 @@
       <c:spPr>
         <a:noFill/>
         <a:ln>
-          <a:noFill/>
+          <a:solidFill>
+            <a:schemeClr val="bg1"/>
+          </a:solidFill>
         </a:ln>
         <a:effectLst/>
       </c:spPr>
@@ -3626,12 +5202,76 @@
 </file>
 
 <file path=ppt/charts/colors10.xml><?xml version="1.0" encoding="utf-8"?>
+<cs:colorStyle xmlns:cs="http://schemas.microsoft.com/office/drawing/2012/chartStyle" xmlns:a="http://schemas.openxmlformats.org/drawingml/2006/main" meth="cycle" id="10">
+  <a:schemeClr val="accent1"/>
+  <a:schemeClr val="accent2"/>
+  <a:schemeClr val="accent3"/>
+  <a:schemeClr val="accent4"/>
+  <a:schemeClr val="accent5"/>
+  <a:schemeClr val="accent6"/>
+  <cs:variation/>
+  <cs:variation>
+    <a:lumMod val="60000"/>
+  </cs:variation>
+  <cs:variation>
+    <a:lumMod val="80000"/>
+    <a:lumOff val="20000"/>
+  </cs:variation>
+  <cs:variation>
+    <a:lumMod val="80000"/>
+  </cs:variation>
+  <cs:variation>
+    <a:lumMod val="60000"/>
+    <a:lumOff val="40000"/>
+  </cs:variation>
+  <cs:variation>
+    <a:lumMod val="50000"/>
+  </cs:variation>
+  <cs:variation>
+    <a:lumMod val="70000"/>
+    <a:lumOff val="30000"/>
+  </cs:variation>
+  <cs:variation>
+    <a:lumMod val="70000"/>
+  </cs:variation>
+  <cs:variation>
+    <a:lumMod val="50000"/>
+    <a:lumOff val="50000"/>
+  </cs:variation>
+</cs:colorStyle>
+</file>
+
+<file path=ppt/charts/colors11.xml><?xml version="1.0" encoding="utf-8"?>
 <cs:colorStyle xmlns:cs="http://schemas.microsoft.com/office/drawing/2012/chartStyle" xmlns:a="http://schemas.openxmlformats.org/drawingml/2006/main" meth="withinLinear" id="15">
   <a:schemeClr val="accent2"/>
 </cs:colorStyle>
 </file>
 
-<file path=ppt/charts/colors11.xml><?xml version="1.0" encoding="utf-8"?>
+<file path=ppt/charts/colors12.xml><?xml version="1.0" encoding="utf-8"?>
+<cs:colorStyle xmlns:cs="http://schemas.microsoft.com/office/drawing/2012/chartStyle" xmlns:a="http://schemas.openxmlformats.org/drawingml/2006/main" meth="withinLinear" id="15">
+  <a:schemeClr val="accent2"/>
+</cs:colorStyle>
+</file>
+
+<file path=ppt/charts/colors13.xml><?xml version="1.0" encoding="utf-8"?>
+<cs:colorStyle xmlns:cs="http://schemas.microsoft.com/office/drawing/2012/chartStyle" xmlns:a="http://schemas.openxmlformats.org/drawingml/2006/main" meth="withinLinear" id="15">
+  <a:schemeClr val="accent2"/>
+</cs:colorStyle>
+</file>
+
+<file path=ppt/charts/colors14.xml><?xml version="1.0" encoding="utf-8"?>
+<cs:colorStyle xmlns:cs="http://schemas.microsoft.com/office/drawing/2012/chartStyle" xmlns:a="http://schemas.openxmlformats.org/drawingml/2006/main" meth="withinLinear" id="15">
+  <a:schemeClr val="accent2"/>
+</cs:colorStyle>
+</file>
+
+<file path=ppt/charts/colors15.xml><?xml version="1.0" encoding="utf-8"?>
+<cs:colorStyle xmlns:cs="http://schemas.microsoft.com/office/drawing/2012/chartStyle" xmlns:a="http://schemas.openxmlformats.org/drawingml/2006/main" meth="withinLinear" id="15">
+  <a:schemeClr val="accent2"/>
+</cs:colorStyle>
+</file>
+
+<file path=ppt/charts/colors16.xml><?xml version="1.0" encoding="utf-8"?>
 <cs:colorStyle xmlns:cs="http://schemas.microsoft.com/office/drawing/2012/chartStyle" xmlns:a="http://schemas.openxmlformats.org/drawingml/2006/main" meth="withinLinear" id="15">
   <a:schemeClr val="accent2"/>
 </cs:colorStyle>
@@ -3816,8 +5456,42 @@
 </file>
 
 <file path=ppt/charts/colors9.xml><?xml version="1.0" encoding="utf-8"?>
-<cs:colorStyle xmlns:cs="http://schemas.microsoft.com/office/drawing/2012/chartStyle" xmlns:a="http://schemas.openxmlformats.org/drawingml/2006/main" meth="withinLinear" id="15">
+<cs:colorStyle xmlns:cs="http://schemas.microsoft.com/office/drawing/2012/chartStyle" xmlns:a="http://schemas.openxmlformats.org/drawingml/2006/main" meth="cycle" id="10">
+  <a:schemeClr val="accent1"/>
   <a:schemeClr val="accent2"/>
+  <a:schemeClr val="accent3"/>
+  <a:schemeClr val="accent4"/>
+  <a:schemeClr val="accent5"/>
+  <a:schemeClr val="accent6"/>
+  <cs:variation/>
+  <cs:variation>
+    <a:lumMod val="60000"/>
+  </cs:variation>
+  <cs:variation>
+    <a:lumMod val="80000"/>
+    <a:lumOff val="20000"/>
+  </cs:variation>
+  <cs:variation>
+    <a:lumMod val="80000"/>
+  </cs:variation>
+  <cs:variation>
+    <a:lumMod val="60000"/>
+    <a:lumOff val="40000"/>
+  </cs:variation>
+  <cs:variation>
+    <a:lumMod val="50000"/>
+  </cs:variation>
+  <cs:variation>
+    <a:lumMod val="70000"/>
+    <a:lumOff val="30000"/>
+  </cs:variation>
+  <cs:variation>
+    <a:lumMod val="70000"/>
+  </cs:variation>
+  <cs:variation>
+    <a:lumMod val="50000"/>
+    <a:lumOff val="50000"/>
+  </cs:variation>
 </cs:colorStyle>
 </file>
 
@@ -4860,6 +6534,2601 @@
 </file>
 
 <file path=ppt/charts/style11.xml><?xml version="1.0" encoding="utf-8"?>
+<cs:chartStyle xmlns:cs="http://schemas.microsoft.com/office/drawing/2012/chartStyle" xmlns:a="http://schemas.openxmlformats.org/drawingml/2006/main" id="251">
+  <cs:axisTitle>
+    <cs:lnRef idx="0"/>
+    <cs:fillRef idx="0"/>
+    <cs:effectRef idx="0"/>
+    <cs:fontRef idx="minor">
+      <a:schemeClr val="tx1">
+        <a:lumMod val="65000"/>
+        <a:lumOff val="35000"/>
+      </a:schemeClr>
+    </cs:fontRef>
+    <cs:defRPr sz="1330" kern="1200"/>
+  </cs:axisTitle>
+  <cs:categoryAxis>
+    <cs:lnRef idx="0"/>
+    <cs:fillRef idx="0"/>
+    <cs:effectRef idx="0"/>
+    <cs:fontRef idx="minor">
+      <a:schemeClr val="tx1">
+        <a:lumMod val="65000"/>
+        <a:lumOff val="35000"/>
+      </a:schemeClr>
+    </cs:fontRef>
+    <cs:spPr>
+      <a:ln w="9525" cap="flat" cmpd="sng" algn="ctr">
+        <a:solidFill>
+          <a:schemeClr val="tx1">
+            <a:lumMod val="15000"/>
+            <a:lumOff val="85000"/>
+          </a:schemeClr>
+        </a:solidFill>
+        <a:round/>
+      </a:ln>
+    </cs:spPr>
+    <cs:defRPr sz="1197" kern="1200"/>
+  </cs:categoryAxis>
+  <cs:chartArea mods="allowNoFillOverride allowNoLineOverride">
+    <cs:lnRef idx="0"/>
+    <cs:fillRef idx="0"/>
+    <cs:effectRef idx="0"/>
+    <cs:fontRef idx="minor">
+      <a:schemeClr val="tx1"/>
+    </cs:fontRef>
+    <cs:spPr>
+      <a:solidFill>
+        <a:schemeClr val="bg1"/>
+      </a:solidFill>
+      <a:ln w="9525" cap="flat" cmpd="sng" algn="ctr">
+        <a:solidFill>
+          <a:schemeClr val="tx1">
+            <a:lumMod val="15000"/>
+            <a:lumOff val="85000"/>
+          </a:schemeClr>
+        </a:solidFill>
+        <a:round/>
+      </a:ln>
+    </cs:spPr>
+    <cs:defRPr sz="1197" kern="1200"/>
+  </cs:chartArea>
+  <cs:dataLabel>
+    <cs:lnRef idx="0"/>
+    <cs:fillRef idx="0"/>
+    <cs:effectRef idx="0"/>
+    <cs:fontRef idx="minor">
+      <a:schemeClr val="tx1">
+        <a:lumMod val="75000"/>
+        <a:lumOff val="25000"/>
+      </a:schemeClr>
+    </cs:fontRef>
+    <cs:defRPr sz="1197" kern="1200"/>
+  </cs:dataLabel>
+  <cs:dataLabelCallout>
+    <cs:lnRef idx="0"/>
+    <cs:fillRef idx="0"/>
+    <cs:effectRef idx="0"/>
+    <cs:fontRef idx="minor">
+      <a:schemeClr val="dk1">
+        <a:lumMod val="65000"/>
+        <a:lumOff val="35000"/>
+      </a:schemeClr>
+    </cs:fontRef>
+    <cs:spPr>
+      <a:solidFill>
+        <a:schemeClr val="lt1"/>
+      </a:solidFill>
+      <a:ln>
+        <a:solidFill>
+          <a:schemeClr val="dk1">
+            <a:lumMod val="25000"/>
+            <a:lumOff val="75000"/>
+          </a:schemeClr>
+        </a:solidFill>
+      </a:ln>
+    </cs:spPr>
+    <cs:defRPr sz="1197" kern="1200"/>
+    <cs:bodyPr rot="0" spcFirstLastPara="1" vertOverflow="clip" horzOverflow="clip" vert="horz" wrap="square" lIns="36576" tIns="18288" rIns="36576" bIns="18288" anchor="ctr" anchorCtr="1">
+      <a:spAutoFit/>
+    </cs:bodyPr>
+  </cs:dataLabelCallout>
+  <cs:dataPoint>
+    <cs:lnRef idx="0"/>
+    <cs:fillRef idx="1">
+      <cs:styleClr val="auto"/>
+    </cs:fillRef>
+    <cs:effectRef idx="0"/>
+    <cs:fontRef idx="minor">
+      <a:schemeClr val="tx1"/>
+    </cs:fontRef>
+    <cs:spPr>
+      <a:ln w="19050">
+        <a:solidFill>
+          <a:schemeClr val="lt1"/>
+        </a:solidFill>
+      </a:ln>
+    </cs:spPr>
+  </cs:dataPoint>
+  <cs:dataPoint3D>
+    <cs:lnRef idx="0"/>
+    <cs:fillRef idx="1">
+      <cs:styleClr val="auto"/>
+    </cs:fillRef>
+    <cs:effectRef idx="0"/>
+    <cs:fontRef idx="minor">
+      <a:schemeClr val="tx1"/>
+    </cs:fontRef>
+    <cs:spPr>
+      <a:ln w="25400">
+        <a:solidFill>
+          <a:schemeClr val="lt1"/>
+        </a:solidFill>
+      </a:ln>
+    </cs:spPr>
+  </cs:dataPoint3D>
+  <cs:dataPointLine>
+    <cs:lnRef idx="0">
+      <cs:styleClr val="auto"/>
+    </cs:lnRef>
+    <cs:fillRef idx="0"/>
+    <cs:effectRef idx="0"/>
+    <cs:fontRef idx="minor">
+      <a:schemeClr val="tx1"/>
+    </cs:fontRef>
+    <cs:spPr>
+      <a:ln w="28575" cap="rnd">
+        <a:solidFill>
+          <a:schemeClr val="phClr"/>
+        </a:solidFill>
+        <a:round/>
+      </a:ln>
+    </cs:spPr>
+  </cs:dataPointLine>
+  <cs:dataPointMarker>
+    <cs:lnRef idx="0">
+      <cs:styleClr val="auto"/>
+    </cs:lnRef>
+    <cs:fillRef idx="1">
+      <cs:styleClr val="auto"/>
+    </cs:fillRef>
+    <cs:effectRef idx="0"/>
+    <cs:fontRef idx="minor">
+      <a:schemeClr val="tx1"/>
+    </cs:fontRef>
+    <cs:spPr>
+      <a:ln w="9525">
+        <a:solidFill>
+          <a:schemeClr val="phClr"/>
+        </a:solidFill>
+      </a:ln>
+    </cs:spPr>
+  </cs:dataPointMarker>
+  <cs:dataPointMarkerLayout symbol="circle" size="5"/>
+  <cs:dataPointWireframe>
+    <cs:lnRef idx="0">
+      <cs:styleClr val="auto"/>
+    </cs:lnRef>
+    <cs:fillRef idx="0"/>
+    <cs:effectRef idx="0"/>
+    <cs:fontRef idx="minor">
+      <a:schemeClr val="tx1"/>
+    </cs:fontRef>
+    <cs:spPr>
+      <a:ln w="9525" cap="rnd">
+        <a:solidFill>
+          <a:schemeClr val="phClr"/>
+        </a:solidFill>
+        <a:round/>
+      </a:ln>
+    </cs:spPr>
+  </cs:dataPointWireframe>
+  <cs:dataTable>
+    <cs:lnRef idx="0"/>
+    <cs:fillRef idx="0"/>
+    <cs:effectRef idx="0"/>
+    <cs:fontRef idx="minor">
+      <a:schemeClr val="tx1">
+        <a:lumMod val="65000"/>
+        <a:lumOff val="35000"/>
+      </a:schemeClr>
+    </cs:fontRef>
+    <cs:spPr>
+      <a:noFill/>
+      <a:ln w="9525" cap="flat" cmpd="sng" algn="ctr">
+        <a:solidFill>
+          <a:schemeClr val="tx1">
+            <a:lumMod val="15000"/>
+            <a:lumOff val="85000"/>
+          </a:schemeClr>
+        </a:solidFill>
+        <a:round/>
+      </a:ln>
+    </cs:spPr>
+    <cs:defRPr sz="1197" kern="1200"/>
+  </cs:dataTable>
+  <cs:downBar>
+    <cs:lnRef idx="0"/>
+    <cs:fillRef idx="0"/>
+    <cs:effectRef idx="0"/>
+    <cs:fontRef idx="minor">
+      <a:schemeClr val="tx1"/>
+    </cs:fontRef>
+    <cs:spPr>
+      <a:solidFill>
+        <a:schemeClr val="dk1">
+          <a:lumMod val="75000"/>
+          <a:lumOff val="25000"/>
+        </a:schemeClr>
+      </a:solidFill>
+      <a:ln w="9525" cap="flat" cmpd="sng" algn="ctr">
+        <a:solidFill>
+          <a:schemeClr val="tx1">
+            <a:lumMod val="65000"/>
+            <a:lumOff val="35000"/>
+          </a:schemeClr>
+        </a:solidFill>
+        <a:round/>
+      </a:ln>
+    </cs:spPr>
+  </cs:downBar>
+  <cs:dropLine>
+    <cs:lnRef idx="0"/>
+    <cs:fillRef idx="0"/>
+    <cs:effectRef idx="0"/>
+    <cs:fontRef idx="minor">
+      <a:schemeClr val="tx1"/>
+    </cs:fontRef>
+    <cs:spPr>
+      <a:ln w="9525" cap="flat" cmpd="sng" algn="ctr">
+        <a:solidFill>
+          <a:schemeClr val="tx1">
+            <a:lumMod val="35000"/>
+            <a:lumOff val="65000"/>
+          </a:schemeClr>
+        </a:solidFill>
+        <a:round/>
+      </a:ln>
+    </cs:spPr>
+  </cs:dropLine>
+  <cs:errorBar>
+    <cs:lnRef idx="0"/>
+    <cs:fillRef idx="0"/>
+    <cs:effectRef idx="0"/>
+    <cs:fontRef idx="minor">
+      <a:schemeClr val="tx1"/>
+    </cs:fontRef>
+    <cs:spPr>
+      <a:ln w="9525" cap="flat" cmpd="sng" algn="ctr">
+        <a:solidFill>
+          <a:schemeClr val="tx1">
+            <a:lumMod val="65000"/>
+            <a:lumOff val="35000"/>
+          </a:schemeClr>
+        </a:solidFill>
+        <a:round/>
+      </a:ln>
+    </cs:spPr>
+  </cs:errorBar>
+  <cs:floor>
+    <cs:lnRef idx="0"/>
+    <cs:fillRef idx="0"/>
+    <cs:effectRef idx="0"/>
+    <cs:fontRef idx="minor">
+      <a:schemeClr val="tx1"/>
+    </cs:fontRef>
+    <cs:spPr>
+      <a:noFill/>
+      <a:ln>
+        <a:noFill/>
+      </a:ln>
+    </cs:spPr>
+  </cs:floor>
+  <cs:gridlineMajor>
+    <cs:lnRef idx="0"/>
+    <cs:fillRef idx="0"/>
+    <cs:effectRef idx="0"/>
+    <cs:fontRef idx="minor">
+      <a:schemeClr val="tx1"/>
+    </cs:fontRef>
+    <cs:spPr>
+      <a:ln w="9525" cap="flat" cmpd="sng" algn="ctr">
+        <a:solidFill>
+          <a:schemeClr val="tx1">
+            <a:lumMod val="15000"/>
+            <a:lumOff val="85000"/>
+          </a:schemeClr>
+        </a:solidFill>
+        <a:round/>
+      </a:ln>
+    </cs:spPr>
+  </cs:gridlineMajor>
+  <cs:gridlineMinor>
+    <cs:lnRef idx="0"/>
+    <cs:fillRef idx="0"/>
+    <cs:effectRef idx="0"/>
+    <cs:fontRef idx="minor">
+      <a:schemeClr val="tx1"/>
+    </cs:fontRef>
+    <cs:spPr>
+      <a:ln w="9525" cap="flat" cmpd="sng" algn="ctr">
+        <a:solidFill>
+          <a:schemeClr val="tx1">
+            <a:lumMod val="5000"/>
+            <a:lumOff val="95000"/>
+          </a:schemeClr>
+        </a:solidFill>
+        <a:round/>
+      </a:ln>
+    </cs:spPr>
+  </cs:gridlineMinor>
+  <cs:hiLoLine>
+    <cs:lnRef idx="0"/>
+    <cs:fillRef idx="0"/>
+    <cs:effectRef idx="0"/>
+    <cs:fontRef idx="minor">
+      <a:schemeClr val="tx1"/>
+    </cs:fontRef>
+    <cs:spPr>
+      <a:ln w="9525" cap="flat" cmpd="sng" algn="ctr">
+        <a:solidFill>
+          <a:schemeClr val="tx1">
+            <a:lumMod val="50000"/>
+            <a:lumOff val="50000"/>
+          </a:schemeClr>
+        </a:solidFill>
+        <a:round/>
+      </a:ln>
+    </cs:spPr>
+  </cs:hiLoLine>
+  <cs:leaderLine>
+    <cs:lnRef idx="0"/>
+    <cs:fillRef idx="0"/>
+    <cs:effectRef idx="0"/>
+    <cs:fontRef idx="minor">
+      <a:schemeClr val="tx1"/>
+    </cs:fontRef>
+    <cs:spPr>
+      <a:ln w="9525" cap="flat" cmpd="sng" algn="ctr">
+        <a:solidFill>
+          <a:schemeClr val="tx1">
+            <a:lumMod val="35000"/>
+            <a:lumOff val="65000"/>
+          </a:schemeClr>
+        </a:solidFill>
+        <a:round/>
+      </a:ln>
+    </cs:spPr>
+  </cs:leaderLine>
+  <cs:legend>
+    <cs:lnRef idx="0"/>
+    <cs:fillRef idx="0"/>
+    <cs:effectRef idx="0"/>
+    <cs:fontRef idx="minor">
+      <a:schemeClr val="tx1">
+        <a:lumMod val="65000"/>
+        <a:lumOff val="35000"/>
+      </a:schemeClr>
+    </cs:fontRef>
+    <cs:defRPr sz="1197" kern="1200"/>
+  </cs:legend>
+  <cs:plotArea mods="allowNoFillOverride allowNoLineOverride">
+    <cs:lnRef idx="0"/>
+    <cs:fillRef idx="0"/>
+    <cs:effectRef idx="0"/>
+    <cs:fontRef idx="minor">
+      <a:schemeClr val="tx1"/>
+    </cs:fontRef>
+  </cs:plotArea>
+  <cs:plotArea3D mods="allowNoFillOverride allowNoLineOverride">
+    <cs:lnRef idx="0"/>
+    <cs:fillRef idx="0"/>
+    <cs:effectRef idx="0"/>
+    <cs:fontRef idx="minor">
+      <a:schemeClr val="tx1"/>
+    </cs:fontRef>
+  </cs:plotArea3D>
+  <cs:seriesAxis>
+    <cs:lnRef idx="0"/>
+    <cs:fillRef idx="0"/>
+    <cs:effectRef idx="0"/>
+    <cs:fontRef idx="minor">
+      <a:schemeClr val="tx1">
+        <a:lumMod val="65000"/>
+        <a:lumOff val="35000"/>
+      </a:schemeClr>
+    </cs:fontRef>
+    <cs:defRPr sz="1197" kern="1200"/>
+  </cs:seriesAxis>
+  <cs:seriesLine>
+    <cs:lnRef idx="0"/>
+    <cs:fillRef idx="0"/>
+    <cs:effectRef idx="0"/>
+    <cs:fontRef idx="minor">
+      <a:schemeClr val="tx1"/>
+    </cs:fontRef>
+    <cs:spPr>
+      <a:ln w="9525" cap="flat" cmpd="sng" algn="ctr">
+        <a:solidFill>
+          <a:schemeClr val="tx1">
+            <a:lumMod val="35000"/>
+            <a:lumOff val="65000"/>
+          </a:schemeClr>
+        </a:solidFill>
+        <a:round/>
+      </a:ln>
+    </cs:spPr>
+  </cs:seriesLine>
+  <cs:title>
+    <cs:lnRef idx="0"/>
+    <cs:fillRef idx="0"/>
+    <cs:effectRef idx="0"/>
+    <cs:fontRef idx="minor">
+      <a:schemeClr val="tx1">
+        <a:lumMod val="65000"/>
+        <a:lumOff val="35000"/>
+      </a:schemeClr>
+    </cs:fontRef>
+    <cs:defRPr sz="1862" b="0" kern="1200" spc="0" baseline="0"/>
+  </cs:title>
+  <cs:trendline>
+    <cs:lnRef idx="0">
+      <cs:styleClr val="auto"/>
+    </cs:lnRef>
+    <cs:fillRef idx="0"/>
+    <cs:effectRef idx="0"/>
+    <cs:fontRef idx="minor">
+      <a:schemeClr val="tx1"/>
+    </cs:fontRef>
+    <cs:spPr>
+      <a:ln w="19050" cap="rnd">
+        <a:solidFill>
+          <a:schemeClr val="phClr"/>
+        </a:solidFill>
+        <a:prstDash val="sysDot"/>
+      </a:ln>
+    </cs:spPr>
+  </cs:trendline>
+  <cs:trendlineLabel>
+    <cs:lnRef idx="0"/>
+    <cs:fillRef idx="0"/>
+    <cs:effectRef idx="0"/>
+    <cs:fontRef idx="minor">
+      <a:schemeClr val="tx1">
+        <a:lumMod val="65000"/>
+        <a:lumOff val="35000"/>
+      </a:schemeClr>
+    </cs:fontRef>
+    <cs:defRPr sz="1197" kern="1200"/>
+  </cs:trendlineLabel>
+  <cs:upBar>
+    <cs:lnRef idx="0"/>
+    <cs:fillRef idx="0"/>
+    <cs:effectRef idx="0"/>
+    <cs:fontRef idx="minor">
+      <a:schemeClr val="tx1"/>
+    </cs:fontRef>
+    <cs:spPr>
+      <a:solidFill>
+        <a:schemeClr val="lt1"/>
+      </a:solidFill>
+      <a:ln w="9525" cap="flat" cmpd="sng" algn="ctr">
+        <a:solidFill>
+          <a:schemeClr val="tx1">
+            <a:lumMod val="65000"/>
+            <a:lumOff val="35000"/>
+          </a:schemeClr>
+        </a:solidFill>
+        <a:round/>
+      </a:ln>
+    </cs:spPr>
+  </cs:upBar>
+  <cs:valueAxis>
+    <cs:lnRef idx="0"/>
+    <cs:fillRef idx="0"/>
+    <cs:effectRef idx="0"/>
+    <cs:fontRef idx="minor">
+      <a:schemeClr val="tx1">
+        <a:lumMod val="65000"/>
+        <a:lumOff val="35000"/>
+      </a:schemeClr>
+    </cs:fontRef>
+    <cs:defRPr sz="1197" kern="1200"/>
+  </cs:valueAxis>
+  <cs:wall>
+    <cs:lnRef idx="0"/>
+    <cs:fillRef idx="0"/>
+    <cs:effectRef idx="0"/>
+    <cs:fontRef idx="minor">
+      <a:schemeClr val="tx1"/>
+    </cs:fontRef>
+    <cs:spPr>
+      <a:noFill/>
+      <a:ln>
+        <a:noFill/>
+      </a:ln>
+    </cs:spPr>
+  </cs:wall>
+</cs:chartStyle>
+</file>
+
+<file path=ppt/charts/style12.xml><?xml version="1.0" encoding="utf-8"?>
+<cs:chartStyle xmlns:cs="http://schemas.microsoft.com/office/drawing/2012/chartStyle" xmlns:a="http://schemas.openxmlformats.org/drawingml/2006/main" id="251">
+  <cs:axisTitle>
+    <cs:lnRef idx="0"/>
+    <cs:fillRef idx="0"/>
+    <cs:effectRef idx="0"/>
+    <cs:fontRef idx="minor">
+      <a:schemeClr val="tx1">
+        <a:lumMod val="65000"/>
+        <a:lumOff val="35000"/>
+      </a:schemeClr>
+    </cs:fontRef>
+    <cs:defRPr sz="1330" kern="1200"/>
+  </cs:axisTitle>
+  <cs:categoryAxis>
+    <cs:lnRef idx="0"/>
+    <cs:fillRef idx="0"/>
+    <cs:effectRef idx="0"/>
+    <cs:fontRef idx="minor">
+      <a:schemeClr val="tx1">
+        <a:lumMod val="65000"/>
+        <a:lumOff val="35000"/>
+      </a:schemeClr>
+    </cs:fontRef>
+    <cs:spPr>
+      <a:ln w="9525" cap="flat" cmpd="sng" algn="ctr">
+        <a:solidFill>
+          <a:schemeClr val="tx1">
+            <a:lumMod val="15000"/>
+            <a:lumOff val="85000"/>
+          </a:schemeClr>
+        </a:solidFill>
+        <a:round/>
+      </a:ln>
+    </cs:spPr>
+    <cs:defRPr sz="1197" kern="1200"/>
+  </cs:categoryAxis>
+  <cs:chartArea mods="allowNoFillOverride allowNoLineOverride">
+    <cs:lnRef idx="0"/>
+    <cs:fillRef idx="0"/>
+    <cs:effectRef idx="0"/>
+    <cs:fontRef idx="minor">
+      <a:schemeClr val="tx1"/>
+    </cs:fontRef>
+    <cs:spPr>
+      <a:solidFill>
+        <a:schemeClr val="bg1"/>
+      </a:solidFill>
+      <a:ln w="9525" cap="flat" cmpd="sng" algn="ctr">
+        <a:solidFill>
+          <a:schemeClr val="tx1">
+            <a:lumMod val="15000"/>
+            <a:lumOff val="85000"/>
+          </a:schemeClr>
+        </a:solidFill>
+        <a:round/>
+      </a:ln>
+    </cs:spPr>
+    <cs:defRPr sz="1197" kern="1200"/>
+  </cs:chartArea>
+  <cs:dataLabel>
+    <cs:lnRef idx="0"/>
+    <cs:fillRef idx="0"/>
+    <cs:effectRef idx="0"/>
+    <cs:fontRef idx="minor">
+      <a:schemeClr val="tx1">
+        <a:lumMod val="75000"/>
+        <a:lumOff val="25000"/>
+      </a:schemeClr>
+    </cs:fontRef>
+    <cs:defRPr sz="1197" kern="1200"/>
+  </cs:dataLabel>
+  <cs:dataLabelCallout>
+    <cs:lnRef idx="0"/>
+    <cs:fillRef idx="0"/>
+    <cs:effectRef idx="0"/>
+    <cs:fontRef idx="minor">
+      <a:schemeClr val="dk1">
+        <a:lumMod val="65000"/>
+        <a:lumOff val="35000"/>
+      </a:schemeClr>
+    </cs:fontRef>
+    <cs:spPr>
+      <a:solidFill>
+        <a:schemeClr val="lt1"/>
+      </a:solidFill>
+      <a:ln>
+        <a:solidFill>
+          <a:schemeClr val="dk1">
+            <a:lumMod val="25000"/>
+            <a:lumOff val="75000"/>
+          </a:schemeClr>
+        </a:solidFill>
+      </a:ln>
+    </cs:spPr>
+    <cs:defRPr sz="1197" kern="1200"/>
+    <cs:bodyPr rot="0" spcFirstLastPara="1" vertOverflow="clip" horzOverflow="clip" vert="horz" wrap="square" lIns="36576" tIns="18288" rIns="36576" bIns="18288" anchor="ctr" anchorCtr="1">
+      <a:spAutoFit/>
+    </cs:bodyPr>
+  </cs:dataLabelCallout>
+  <cs:dataPoint>
+    <cs:lnRef idx="0"/>
+    <cs:fillRef idx="1">
+      <cs:styleClr val="auto"/>
+    </cs:fillRef>
+    <cs:effectRef idx="0"/>
+    <cs:fontRef idx="minor">
+      <a:schemeClr val="tx1"/>
+    </cs:fontRef>
+    <cs:spPr>
+      <a:ln w="19050">
+        <a:solidFill>
+          <a:schemeClr val="lt1"/>
+        </a:solidFill>
+      </a:ln>
+    </cs:spPr>
+  </cs:dataPoint>
+  <cs:dataPoint3D>
+    <cs:lnRef idx="0"/>
+    <cs:fillRef idx="1">
+      <cs:styleClr val="auto"/>
+    </cs:fillRef>
+    <cs:effectRef idx="0"/>
+    <cs:fontRef idx="minor">
+      <a:schemeClr val="tx1"/>
+    </cs:fontRef>
+    <cs:spPr>
+      <a:ln w="25400">
+        <a:solidFill>
+          <a:schemeClr val="lt1"/>
+        </a:solidFill>
+      </a:ln>
+    </cs:spPr>
+  </cs:dataPoint3D>
+  <cs:dataPointLine>
+    <cs:lnRef idx="0">
+      <cs:styleClr val="auto"/>
+    </cs:lnRef>
+    <cs:fillRef idx="0"/>
+    <cs:effectRef idx="0"/>
+    <cs:fontRef idx="minor">
+      <a:schemeClr val="tx1"/>
+    </cs:fontRef>
+    <cs:spPr>
+      <a:ln w="28575" cap="rnd">
+        <a:solidFill>
+          <a:schemeClr val="phClr"/>
+        </a:solidFill>
+        <a:round/>
+      </a:ln>
+    </cs:spPr>
+  </cs:dataPointLine>
+  <cs:dataPointMarker>
+    <cs:lnRef idx="0">
+      <cs:styleClr val="auto"/>
+    </cs:lnRef>
+    <cs:fillRef idx="1">
+      <cs:styleClr val="auto"/>
+    </cs:fillRef>
+    <cs:effectRef idx="0"/>
+    <cs:fontRef idx="minor">
+      <a:schemeClr val="tx1"/>
+    </cs:fontRef>
+    <cs:spPr>
+      <a:ln w="9525">
+        <a:solidFill>
+          <a:schemeClr val="phClr"/>
+        </a:solidFill>
+      </a:ln>
+    </cs:spPr>
+  </cs:dataPointMarker>
+  <cs:dataPointMarkerLayout symbol="circle" size="5"/>
+  <cs:dataPointWireframe>
+    <cs:lnRef idx="0">
+      <cs:styleClr val="auto"/>
+    </cs:lnRef>
+    <cs:fillRef idx="0"/>
+    <cs:effectRef idx="0"/>
+    <cs:fontRef idx="minor">
+      <a:schemeClr val="tx1"/>
+    </cs:fontRef>
+    <cs:spPr>
+      <a:ln w="9525" cap="rnd">
+        <a:solidFill>
+          <a:schemeClr val="phClr"/>
+        </a:solidFill>
+        <a:round/>
+      </a:ln>
+    </cs:spPr>
+  </cs:dataPointWireframe>
+  <cs:dataTable>
+    <cs:lnRef idx="0"/>
+    <cs:fillRef idx="0"/>
+    <cs:effectRef idx="0"/>
+    <cs:fontRef idx="minor">
+      <a:schemeClr val="tx1">
+        <a:lumMod val="65000"/>
+        <a:lumOff val="35000"/>
+      </a:schemeClr>
+    </cs:fontRef>
+    <cs:spPr>
+      <a:noFill/>
+      <a:ln w="9525" cap="flat" cmpd="sng" algn="ctr">
+        <a:solidFill>
+          <a:schemeClr val="tx1">
+            <a:lumMod val="15000"/>
+            <a:lumOff val="85000"/>
+          </a:schemeClr>
+        </a:solidFill>
+        <a:round/>
+      </a:ln>
+    </cs:spPr>
+    <cs:defRPr sz="1197" kern="1200"/>
+  </cs:dataTable>
+  <cs:downBar>
+    <cs:lnRef idx="0"/>
+    <cs:fillRef idx="0"/>
+    <cs:effectRef idx="0"/>
+    <cs:fontRef idx="minor">
+      <a:schemeClr val="tx1"/>
+    </cs:fontRef>
+    <cs:spPr>
+      <a:solidFill>
+        <a:schemeClr val="dk1">
+          <a:lumMod val="75000"/>
+          <a:lumOff val="25000"/>
+        </a:schemeClr>
+      </a:solidFill>
+      <a:ln w="9525" cap="flat" cmpd="sng" algn="ctr">
+        <a:solidFill>
+          <a:schemeClr val="tx1">
+            <a:lumMod val="65000"/>
+            <a:lumOff val="35000"/>
+          </a:schemeClr>
+        </a:solidFill>
+        <a:round/>
+      </a:ln>
+    </cs:spPr>
+  </cs:downBar>
+  <cs:dropLine>
+    <cs:lnRef idx="0"/>
+    <cs:fillRef idx="0"/>
+    <cs:effectRef idx="0"/>
+    <cs:fontRef idx="minor">
+      <a:schemeClr val="tx1"/>
+    </cs:fontRef>
+    <cs:spPr>
+      <a:ln w="9525" cap="flat" cmpd="sng" algn="ctr">
+        <a:solidFill>
+          <a:schemeClr val="tx1">
+            <a:lumMod val="35000"/>
+            <a:lumOff val="65000"/>
+          </a:schemeClr>
+        </a:solidFill>
+        <a:round/>
+      </a:ln>
+    </cs:spPr>
+  </cs:dropLine>
+  <cs:errorBar>
+    <cs:lnRef idx="0"/>
+    <cs:fillRef idx="0"/>
+    <cs:effectRef idx="0"/>
+    <cs:fontRef idx="minor">
+      <a:schemeClr val="tx1"/>
+    </cs:fontRef>
+    <cs:spPr>
+      <a:ln w="9525" cap="flat" cmpd="sng" algn="ctr">
+        <a:solidFill>
+          <a:schemeClr val="tx1">
+            <a:lumMod val="65000"/>
+            <a:lumOff val="35000"/>
+          </a:schemeClr>
+        </a:solidFill>
+        <a:round/>
+      </a:ln>
+    </cs:spPr>
+  </cs:errorBar>
+  <cs:floor>
+    <cs:lnRef idx="0"/>
+    <cs:fillRef idx="0"/>
+    <cs:effectRef idx="0"/>
+    <cs:fontRef idx="minor">
+      <a:schemeClr val="tx1"/>
+    </cs:fontRef>
+    <cs:spPr>
+      <a:noFill/>
+      <a:ln>
+        <a:noFill/>
+      </a:ln>
+    </cs:spPr>
+  </cs:floor>
+  <cs:gridlineMajor>
+    <cs:lnRef idx="0"/>
+    <cs:fillRef idx="0"/>
+    <cs:effectRef idx="0"/>
+    <cs:fontRef idx="minor">
+      <a:schemeClr val="tx1"/>
+    </cs:fontRef>
+    <cs:spPr>
+      <a:ln w="9525" cap="flat" cmpd="sng" algn="ctr">
+        <a:solidFill>
+          <a:schemeClr val="tx1">
+            <a:lumMod val="15000"/>
+            <a:lumOff val="85000"/>
+          </a:schemeClr>
+        </a:solidFill>
+        <a:round/>
+      </a:ln>
+    </cs:spPr>
+  </cs:gridlineMajor>
+  <cs:gridlineMinor>
+    <cs:lnRef idx="0"/>
+    <cs:fillRef idx="0"/>
+    <cs:effectRef idx="0"/>
+    <cs:fontRef idx="minor">
+      <a:schemeClr val="tx1"/>
+    </cs:fontRef>
+    <cs:spPr>
+      <a:ln w="9525" cap="flat" cmpd="sng" algn="ctr">
+        <a:solidFill>
+          <a:schemeClr val="tx1">
+            <a:lumMod val="5000"/>
+            <a:lumOff val="95000"/>
+          </a:schemeClr>
+        </a:solidFill>
+        <a:round/>
+      </a:ln>
+    </cs:spPr>
+  </cs:gridlineMinor>
+  <cs:hiLoLine>
+    <cs:lnRef idx="0"/>
+    <cs:fillRef idx="0"/>
+    <cs:effectRef idx="0"/>
+    <cs:fontRef idx="minor">
+      <a:schemeClr val="tx1"/>
+    </cs:fontRef>
+    <cs:spPr>
+      <a:ln w="9525" cap="flat" cmpd="sng" algn="ctr">
+        <a:solidFill>
+          <a:schemeClr val="tx1">
+            <a:lumMod val="50000"/>
+            <a:lumOff val="50000"/>
+          </a:schemeClr>
+        </a:solidFill>
+        <a:round/>
+      </a:ln>
+    </cs:spPr>
+  </cs:hiLoLine>
+  <cs:leaderLine>
+    <cs:lnRef idx="0"/>
+    <cs:fillRef idx="0"/>
+    <cs:effectRef idx="0"/>
+    <cs:fontRef idx="minor">
+      <a:schemeClr val="tx1"/>
+    </cs:fontRef>
+    <cs:spPr>
+      <a:ln w="9525" cap="flat" cmpd="sng" algn="ctr">
+        <a:solidFill>
+          <a:schemeClr val="tx1">
+            <a:lumMod val="35000"/>
+            <a:lumOff val="65000"/>
+          </a:schemeClr>
+        </a:solidFill>
+        <a:round/>
+      </a:ln>
+    </cs:spPr>
+  </cs:leaderLine>
+  <cs:legend>
+    <cs:lnRef idx="0"/>
+    <cs:fillRef idx="0"/>
+    <cs:effectRef idx="0"/>
+    <cs:fontRef idx="minor">
+      <a:schemeClr val="tx1">
+        <a:lumMod val="65000"/>
+        <a:lumOff val="35000"/>
+      </a:schemeClr>
+    </cs:fontRef>
+    <cs:defRPr sz="1197" kern="1200"/>
+  </cs:legend>
+  <cs:plotArea mods="allowNoFillOverride allowNoLineOverride">
+    <cs:lnRef idx="0"/>
+    <cs:fillRef idx="0"/>
+    <cs:effectRef idx="0"/>
+    <cs:fontRef idx="minor">
+      <a:schemeClr val="tx1"/>
+    </cs:fontRef>
+  </cs:plotArea>
+  <cs:plotArea3D mods="allowNoFillOverride allowNoLineOverride">
+    <cs:lnRef idx="0"/>
+    <cs:fillRef idx="0"/>
+    <cs:effectRef idx="0"/>
+    <cs:fontRef idx="minor">
+      <a:schemeClr val="tx1"/>
+    </cs:fontRef>
+  </cs:plotArea3D>
+  <cs:seriesAxis>
+    <cs:lnRef idx="0"/>
+    <cs:fillRef idx="0"/>
+    <cs:effectRef idx="0"/>
+    <cs:fontRef idx="minor">
+      <a:schemeClr val="tx1">
+        <a:lumMod val="65000"/>
+        <a:lumOff val="35000"/>
+      </a:schemeClr>
+    </cs:fontRef>
+    <cs:defRPr sz="1197" kern="1200"/>
+  </cs:seriesAxis>
+  <cs:seriesLine>
+    <cs:lnRef idx="0"/>
+    <cs:fillRef idx="0"/>
+    <cs:effectRef idx="0"/>
+    <cs:fontRef idx="minor">
+      <a:schemeClr val="tx1"/>
+    </cs:fontRef>
+    <cs:spPr>
+      <a:ln w="9525" cap="flat" cmpd="sng" algn="ctr">
+        <a:solidFill>
+          <a:schemeClr val="tx1">
+            <a:lumMod val="35000"/>
+            <a:lumOff val="65000"/>
+          </a:schemeClr>
+        </a:solidFill>
+        <a:round/>
+      </a:ln>
+    </cs:spPr>
+  </cs:seriesLine>
+  <cs:title>
+    <cs:lnRef idx="0"/>
+    <cs:fillRef idx="0"/>
+    <cs:effectRef idx="0"/>
+    <cs:fontRef idx="minor">
+      <a:schemeClr val="tx1">
+        <a:lumMod val="65000"/>
+        <a:lumOff val="35000"/>
+      </a:schemeClr>
+    </cs:fontRef>
+    <cs:defRPr sz="1862" b="0" kern="1200" spc="0" baseline="0"/>
+  </cs:title>
+  <cs:trendline>
+    <cs:lnRef idx="0">
+      <cs:styleClr val="auto"/>
+    </cs:lnRef>
+    <cs:fillRef idx="0"/>
+    <cs:effectRef idx="0"/>
+    <cs:fontRef idx="minor">
+      <a:schemeClr val="tx1"/>
+    </cs:fontRef>
+    <cs:spPr>
+      <a:ln w="19050" cap="rnd">
+        <a:solidFill>
+          <a:schemeClr val="phClr"/>
+        </a:solidFill>
+        <a:prstDash val="sysDot"/>
+      </a:ln>
+    </cs:spPr>
+  </cs:trendline>
+  <cs:trendlineLabel>
+    <cs:lnRef idx="0"/>
+    <cs:fillRef idx="0"/>
+    <cs:effectRef idx="0"/>
+    <cs:fontRef idx="minor">
+      <a:schemeClr val="tx1">
+        <a:lumMod val="65000"/>
+        <a:lumOff val="35000"/>
+      </a:schemeClr>
+    </cs:fontRef>
+    <cs:defRPr sz="1197" kern="1200"/>
+  </cs:trendlineLabel>
+  <cs:upBar>
+    <cs:lnRef idx="0"/>
+    <cs:fillRef idx="0"/>
+    <cs:effectRef idx="0"/>
+    <cs:fontRef idx="minor">
+      <a:schemeClr val="tx1"/>
+    </cs:fontRef>
+    <cs:spPr>
+      <a:solidFill>
+        <a:schemeClr val="lt1"/>
+      </a:solidFill>
+      <a:ln w="9525" cap="flat" cmpd="sng" algn="ctr">
+        <a:solidFill>
+          <a:schemeClr val="tx1">
+            <a:lumMod val="65000"/>
+            <a:lumOff val="35000"/>
+          </a:schemeClr>
+        </a:solidFill>
+        <a:round/>
+      </a:ln>
+    </cs:spPr>
+  </cs:upBar>
+  <cs:valueAxis>
+    <cs:lnRef idx="0"/>
+    <cs:fillRef idx="0"/>
+    <cs:effectRef idx="0"/>
+    <cs:fontRef idx="minor">
+      <a:schemeClr val="tx1">
+        <a:lumMod val="65000"/>
+        <a:lumOff val="35000"/>
+      </a:schemeClr>
+    </cs:fontRef>
+    <cs:defRPr sz="1197" kern="1200"/>
+  </cs:valueAxis>
+  <cs:wall>
+    <cs:lnRef idx="0"/>
+    <cs:fillRef idx="0"/>
+    <cs:effectRef idx="0"/>
+    <cs:fontRef idx="minor">
+      <a:schemeClr val="tx1"/>
+    </cs:fontRef>
+    <cs:spPr>
+      <a:noFill/>
+      <a:ln>
+        <a:noFill/>
+      </a:ln>
+    </cs:spPr>
+  </cs:wall>
+</cs:chartStyle>
+</file>
+
+<file path=ppt/charts/style13.xml><?xml version="1.0" encoding="utf-8"?>
+<cs:chartStyle xmlns:cs="http://schemas.microsoft.com/office/drawing/2012/chartStyle" xmlns:a="http://schemas.openxmlformats.org/drawingml/2006/main" id="251">
+  <cs:axisTitle>
+    <cs:lnRef idx="0"/>
+    <cs:fillRef idx="0"/>
+    <cs:effectRef idx="0"/>
+    <cs:fontRef idx="minor">
+      <a:schemeClr val="tx1">
+        <a:lumMod val="65000"/>
+        <a:lumOff val="35000"/>
+      </a:schemeClr>
+    </cs:fontRef>
+    <cs:defRPr sz="1330" kern="1200"/>
+  </cs:axisTitle>
+  <cs:categoryAxis>
+    <cs:lnRef idx="0"/>
+    <cs:fillRef idx="0"/>
+    <cs:effectRef idx="0"/>
+    <cs:fontRef idx="minor">
+      <a:schemeClr val="tx1">
+        <a:lumMod val="65000"/>
+        <a:lumOff val="35000"/>
+      </a:schemeClr>
+    </cs:fontRef>
+    <cs:spPr>
+      <a:ln w="9525" cap="flat" cmpd="sng" algn="ctr">
+        <a:solidFill>
+          <a:schemeClr val="tx1">
+            <a:lumMod val="15000"/>
+            <a:lumOff val="85000"/>
+          </a:schemeClr>
+        </a:solidFill>
+        <a:round/>
+      </a:ln>
+    </cs:spPr>
+    <cs:defRPr sz="1197" kern="1200"/>
+  </cs:categoryAxis>
+  <cs:chartArea mods="allowNoFillOverride allowNoLineOverride">
+    <cs:lnRef idx="0"/>
+    <cs:fillRef idx="0"/>
+    <cs:effectRef idx="0"/>
+    <cs:fontRef idx="minor">
+      <a:schemeClr val="tx1"/>
+    </cs:fontRef>
+    <cs:spPr>
+      <a:solidFill>
+        <a:schemeClr val="bg1"/>
+      </a:solidFill>
+      <a:ln w="9525" cap="flat" cmpd="sng" algn="ctr">
+        <a:solidFill>
+          <a:schemeClr val="tx1">
+            <a:lumMod val="15000"/>
+            <a:lumOff val="85000"/>
+          </a:schemeClr>
+        </a:solidFill>
+        <a:round/>
+      </a:ln>
+    </cs:spPr>
+    <cs:defRPr sz="1197" kern="1200"/>
+  </cs:chartArea>
+  <cs:dataLabel>
+    <cs:lnRef idx="0"/>
+    <cs:fillRef idx="0"/>
+    <cs:effectRef idx="0"/>
+    <cs:fontRef idx="minor">
+      <a:schemeClr val="tx1">
+        <a:lumMod val="75000"/>
+        <a:lumOff val="25000"/>
+      </a:schemeClr>
+    </cs:fontRef>
+    <cs:defRPr sz="1197" kern="1200"/>
+  </cs:dataLabel>
+  <cs:dataLabelCallout>
+    <cs:lnRef idx="0"/>
+    <cs:fillRef idx="0"/>
+    <cs:effectRef idx="0"/>
+    <cs:fontRef idx="minor">
+      <a:schemeClr val="dk1">
+        <a:lumMod val="65000"/>
+        <a:lumOff val="35000"/>
+      </a:schemeClr>
+    </cs:fontRef>
+    <cs:spPr>
+      <a:solidFill>
+        <a:schemeClr val="lt1"/>
+      </a:solidFill>
+      <a:ln>
+        <a:solidFill>
+          <a:schemeClr val="dk1">
+            <a:lumMod val="25000"/>
+            <a:lumOff val="75000"/>
+          </a:schemeClr>
+        </a:solidFill>
+      </a:ln>
+    </cs:spPr>
+    <cs:defRPr sz="1197" kern="1200"/>
+    <cs:bodyPr rot="0" spcFirstLastPara="1" vertOverflow="clip" horzOverflow="clip" vert="horz" wrap="square" lIns="36576" tIns="18288" rIns="36576" bIns="18288" anchor="ctr" anchorCtr="1">
+      <a:spAutoFit/>
+    </cs:bodyPr>
+  </cs:dataLabelCallout>
+  <cs:dataPoint>
+    <cs:lnRef idx="0"/>
+    <cs:fillRef idx="1">
+      <cs:styleClr val="auto"/>
+    </cs:fillRef>
+    <cs:effectRef idx="0"/>
+    <cs:fontRef idx="minor">
+      <a:schemeClr val="tx1"/>
+    </cs:fontRef>
+    <cs:spPr>
+      <a:ln w="19050">
+        <a:solidFill>
+          <a:schemeClr val="lt1"/>
+        </a:solidFill>
+      </a:ln>
+    </cs:spPr>
+  </cs:dataPoint>
+  <cs:dataPoint3D>
+    <cs:lnRef idx="0"/>
+    <cs:fillRef idx="1">
+      <cs:styleClr val="auto"/>
+    </cs:fillRef>
+    <cs:effectRef idx="0"/>
+    <cs:fontRef idx="minor">
+      <a:schemeClr val="tx1"/>
+    </cs:fontRef>
+    <cs:spPr>
+      <a:ln w="25400">
+        <a:solidFill>
+          <a:schemeClr val="lt1"/>
+        </a:solidFill>
+      </a:ln>
+    </cs:spPr>
+  </cs:dataPoint3D>
+  <cs:dataPointLine>
+    <cs:lnRef idx="0">
+      <cs:styleClr val="auto"/>
+    </cs:lnRef>
+    <cs:fillRef idx="0"/>
+    <cs:effectRef idx="0"/>
+    <cs:fontRef idx="minor">
+      <a:schemeClr val="tx1"/>
+    </cs:fontRef>
+    <cs:spPr>
+      <a:ln w="28575" cap="rnd">
+        <a:solidFill>
+          <a:schemeClr val="phClr"/>
+        </a:solidFill>
+        <a:round/>
+      </a:ln>
+    </cs:spPr>
+  </cs:dataPointLine>
+  <cs:dataPointMarker>
+    <cs:lnRef idx="0">
+      <cs:styleClr val="auto"/>
+    </cs:lnRef>
+    <cs:fillRef idx="1">
+      <cs:styleClr val="auto"/>
+    </cs:fillRef>
+    <cs:effectRef idx="0"/>
+    <cs:fontRef idx="minor">
+      <a:schemeClr val="tx1"/>
+    </cs:fontRef>
+    <cs:spPr>
+      <a:ln w="9525">
+        <a:solidFill>
+          <a:schemeClr val="phClr"/>
+        </a:solidFill>
+      </a:ln>
+    </cs:spPr>
+  </cs:dataPointMarker>
+  <cs:dataPointMarkerLayout symbol="circle" size="5"/>
+  <cs:dataPointWireframe>
+    <cs:lnRef idx="0">
+      <cs:styleClr val="auto"/>
+    </cs:lnRef>
+    <cs:fillRef idx="0"/>
+    <cs:effectRef idx="0"/>
+    <cs:fontRef idx="minor">
+      <a:schemeClr val="tx1"/>
+    </cs:fontRef>
+    <cs:spPr>
+      <a:ln w="9525" cap="rnd">
+        <a:solidFill>
+          <a:schemeClr val="phClr"/>
+        </a:solidFill>
+        <a:round/>
+      </a:ln>
+    </cs:spPr>
+  </cs:dataPointWireframe>
+  <cs:dataTable>
+    <cs:lnRef idx="0"/>
+    <cs:fillRef idx="0"/>
+    <cs:effectRef idx="0"/>
+    <cs:fontRef idx="minor">
+      <a:schemeClr val="tx1">
+        <a:lumMod val="65000"/>
+        <a:lumOff val="35000"/>
+      </a:schemeClr>
+    </cs:fontRef>
+    <cs:spPr>
+      <a:noFill/>
+      <a:ln w="9525" cap="flat" cmpd="sng" algn="ctr">
+        <a:solidFill>
+          <a:schemeClr val="tx1">
+            <a:lumMod val="15000"/>
+            <a:lumOff val="85000"/>
+          </a:schemeClr>
+        </a:solidFill>
+        <a:round/>
+      </a:ln>
+    </cs:spPr>
+    <cs:defRPr sz="1197" kern="1200"/>
+  </cs:dataTable>
+  <cs:downBar>
+    <cs:lnRef idx="0"/>
+    <cs:fillRef idx="0"/>
+    <cs:effectRef idx="0"/>
+    <cs:fontRef idx="minor">
+      <a:schemeClr val="tx1"/>
+    </cs:fontRef>
+    <cs:spPr>
+      <a:solidFill>
+        <a:schemeClr val="dk1">
+          <a:lumMod val="75000"/>
+          <a:lumOff val="25000"/>
+        </a:schemeClr>
+      </a:solidFill>
+      <a:ln w="9525" cap="flat" cmpd="sng" algn="ctr">
+        <a:solidFill>
+          <a:schemeClr val="tx1">
+            <a:lumMod val="65000"/>
+            <a:lumOff val="35000"/>
+          </a:schemeClr>
+        </a:solidFill>
+        <a:round/>
+      </a:ln>
+    </cs:spPr>
+  </cs:downBar>
+  <cs:dropLine>
+    <cs:lnRef idx="0"/>
+    <cs:fillRef idx="0"/>
+    <cs:effectRef idx="0"/>
+    <cs:fontRef idx="minor">
+      <a:schemeClr val="tx1"/>
+    </cs:fontRef>
+    <cs:spPr>
+      <a:ln w="9525" cap="flat" cmpd="sng" algn="ctr">
+        <a:solidFill>
+          <a:schemeClr val="tx1">
+            <a:lumMod val="35000"/>
+            <a:lumOff val="65000"/>
+          </a:schemeClr>
+        </a:solidFill>
+        <a:round/>
+      </a:ln>
+    </cs:spPr>
+  </cs:dropLine>
+  <cs:errorBar>
+    <cs:lnRef idx="0"/>
+    <cs:fillRef idx="0"/>
+    <cs:effectRef idx="0"/>
+    <cs:fontRef idx="minor">
+      <a:schemeClr val="tx1"/>
+    </cs:fontRef>
+    <cs:spPr>
+      <a:ln w="9525" cap="flat" cmpd="sng" algn="ctr">
+        <a:solidFill>
+          <a:schemeClr val="tx1">
+            <a:lumMod val="65000"/>
+            <a:lumOff val="35000"/>
+          </a:schemeClr>
+        </a:solidFill>
+        <a:round/>
+      </a:ln>
+    </cs:spPr>
+  </cs:errorBar>
+  <cs:floor>
+    <cs:lnRef idx="0"/>
+    <cs:fillRef idx="0"/>
+    <cs:effectRef idx="0"/>
+    <cs:fontRef idx="minor">
+      <a:schemeClr val="tx1"/>
+    </cs:fontRef>
+    <cs:spPr>
+      <a:noFill/>
+      <a:ln>
+        <a:noFill/>
+      </a:ln>
+    </cs:spPr>
+  </cs:floor>
+  <cs:gridlineMajor>
+    <cs:lnRef idx="0"/>
+    <cs:fillRef idx="0"/>
+    <cs:effectRef idx="0"/>
+    <cs:fontRef idx="minor">
+      <a:schemeClr val="tx1"/>
+    </cs:fontRef>
+    <cs:spPr>
+      <a:ln w="9525" cap="flat" cmpd="sng" algn="ctr">
+        <a:solidFill>
+          <a:schemeClr val="tx1">
+            <a:lumMod val="15000"/>
+            <a:lumOff val="85000"/>
+          </a:schemeClr>
+        </a:solidFill>
+        <a:round/>
+      </a:ln>
+    </cs:spPr>
+  </cs:gridlineMajor>
+  <cs:gridlineMinor>
+    <cs:lnRef idx="0"/>
+    <cs:fillRef idx="0"/>
+    <cs:effectRef idx="0"/>
+    <cs:fontRef idx="minor">
+      <a:schemeClr val="tx1"/>
+    </cs:fontRef>
+    <cs:spPr>
+      <a:ln w="9525" cap="flat" cmpd="sng" algn="ctr">
+        <a:solidFill>
+          <a:schemeClr val="tx1">
+            <a:lumMod val="5000"/>
+            <a:lumOff val="95000"/>
+          </a:schemeClr>
+        </a:solidFill>
+        <a:round/>
+      </a:ln>
+    </cs:spPr>
+  </cs:gridlineMinor>
+  <cs:hiLoLine>
+    <cs:lnRef idx="0"/>
+    <cs:fillRef idx="0"/>
+    <cs:effectRef idx="0"/>
+    <cs:fontRef idx="minor">
+      <a:schemeClr val="tx1"/>
+    </cs:fontRef>
+    <cs:spPr>
+      <a:ln w="9525" cap="flat" cmpd="sng" algn="ctr">
+        <a:solidFill>
+          <a:schemeClr val="tx1">
+            <a:lumMod val="50000"/>
+            <a:lumOff val="50000"/>
+          </a:schemeClr>
+        </a:solidFill>
+        <a:round/>
+      </a:ln>
+    </cs:spPr>
+  </cs:hiLoLine>
+  <cs:leaderLine>
+    <cs:lnRef idx="0"/>
+    <cs:fillRef idx="0"/>
+    <cs:effectRef idx="0"/>
+    <cs:fontRef idx="minor">
+      <a:schemeClr val="tx1"/>
+    </cs:fontRef>
+    <cs:spPr>
+      <a:ln w="9525" cap="flat" cmpd="sng" algn="ctr">
+        <a:solidFill>
+          <a:schemeClr val="tx1">
+            <a:lumMod val="35000"/>
+            <a:lumOff val="65000"/>
+          </a:schemeClr>
+        </a:solidFill>
+        <a:round/>
+      </a:ln>
+    </cs:spPr>
+  </cs:leaderLine>
+  <cs:legend>
+    <cs:lnRef idx="0"/>
+    <cs:fillRef idx="0"/>
+    <cs:effectRef idx="0"/>
+    <cs:fontRef idx="minor">
+      <a:schemeClr val="tx1">
+        <a:lumMod val="65000"/>
+        <a:lumOff val="35000"/>
+      </a:schemeClr>
+    </cs:fontRef>
+    <cs:defRPr sz="1197" kern="1200"/>
+  </cs:legend>
+  <cs:plotArea mods="allowNoFillOverride allowNoLineOverride">
+    <cs:lnRef idx="0"/>
+    <cs:fillRef idx="0"/>
+    <cs:effectRef idx="0"/>
+    <cs:fontRef idx="minor">
+      <a:schemeClr val="tx1"/>
+    </cs:fontRef>
+  </cs:plotArea>
+  <cs:plotArea3D mods="allowNoFillOverride allowNoLineOverride">
+    <cs:lnRef idx="0"/>
+    <cs:fillRef idx="0"/>
+    <cs:effectRef idx="0"/>
+    <cs:fontRef idx="minor">
+      <a:schemeClr val="tx1"/>
+    </cs:fontRef>
+  </cs:plotArea3D>
+  <cs:seriesAxis>
+    <cs:lnRef idx="0"/>
+    <cs:fillRef idx="0"/>
+    <cs:effectRef idx="0"/>
+    <cs:fontRef idx="minor">
+      <a:schemeClr val="tx1">
+        <a:lumMod val="65000"/>
+        <a:lumOff val="35000"/>
+      </a:schemeClr>
+    </cs:fontRef>
+    <cs:defRPr sz="1197" kern="1200"/>
+  </cs:seriesAxis>
+  <cs:seriesLine>
+    <cs:lnRef idx="0"/>
+    <cs:fillRef idx="0"/>
+    <cs:effectRef idx="0"/>
+    <cs:fontRef idx="minor">
+      <a:schemeClr val="tx1"/>
+    </cs:fontRef>
+    <cs:spPr>
+      <a:ln w="9525" cap="flat" cmpd="sng" algn="ctr">
+        <a:solidFill>
+          <a:schemeClr val="tx1">
+            <a:lumMod val="35000"/>
+            <a:lumOff val="65000"/>
+          </a:schemeClr>
+        </a:solidFill>
+        <a:round/>
+      </a:ln>
+    </cs:spPr>
+  </cs:seriesLine>
+  <cs:title>
+    <cs:lnRef idx="0"/>
+    <cs:fillRef idx="0"/>
+    <cs:effectRef idx="0"/>
+    <cs:fontRef idx="minor">
+      <a:schemeClr val="tx1">
+        <a:lumMod val="65000"/>
+        <a:lumOff val="35000"/>
+      </a:schemeClr>
+    </cs:fontRef>
+    <cs:defRPr sz="1862" b="0" kern="1200" spc="0" baseline="0"/>
+  </cs:title>
+  <cs:trendline>
+    <cs:lnRef idx="0">
+      <cs:styleClr val="auto"/>
+    </cs:lnRef>
+    <cs:fillRef idx="0"/>
+    <cs:effectRef idx="0"/>
+    <cs:fontRef idx="minor">
+      <a:schemeClr val="tx1"/>
+    </cs:fontRef>
+    <cs:spPr>
+      <a:ln w="19050" cap="rnd">
+        <a:solidFill>
+          <a:schemeClr val="phClr"/>
+        </a:solidFill>
+        <a:prstDash val="sysDot"/>
+      </a:ln>
+    </cs:spPr>
+  </cs:trendline>
+  <cs:trendlineLabel>
+    <cs:lnRef idx="0"/>
+    <cs:fillRef idx="0"/>
+    <cs:effectRef idx="0"/>
+    <cs:fontRef idx="minor">
+      <a:schemeClr val="tx1">
+        <a:lumMod val="65000"/>
+        <a:lumOff val="35000"/>
+      </a:schemeClr>
+    </cs:fontRef>
+    <cs:defRPr sz="1197" kern="1200"/>
+  </cs:trendlineLabel>
+  <cs:upBar>
+    <cs:lnRef idx="0"/>
+    <cs:fillRef idx="0"/>
+    <cs:effectRef idx="0"/>
+    <cs:fontRef idx="minor">
+      <a:schemeClr val="tx1"/>
+    </cs:fontRef>
+    <cs:spPr>
+      <a:solidFill>
+        <a:schemeClr val="lt1"/>
+      </a:solidFill>
+      <a:ln w="9525" cap="flat" cmpd="sng" algn="ctr">
+        <a:solidFill>
+          <a:schemeClr val="tx1">
+            <a:lumMod val="65000"/>
+            <a:lumOff val="35000"/>
+          </a:schemeClr>
+        </a:solidFill>
+        <a:round/>
+      </a:ln>
+    </cs:spPr>
+  </cs:upBar>
+  <cs:valueAxis>
+    <cs:lnRef idx="0"/>
+    <cs:fillRef idx="0"/>
+    <cs:effectRef idx="0"/>
+    <cs:fontRef idx="minor">
+      <a:schemeClr val="tx1">
+        <a:lumMod val="65000"/>
+        <a:lumOff val="35000"/>
+      </a:schemeClr>
+    </cs:fontRef>
+    <cs:defRPr sz="1197" kern="1200"/>
+  </cs:valueAxis>
+  <cs:wall>
+    <cs:lnRef idx="0"/>
+    <cs:fillRef idx="0"/>
+    <cs:effectRef idx="0"/>
+    <cs:fontRef idx="minor">
+      <a:schemeClr val="tx1"/>
+    </cs:fontRef>
+    <cs:spPr>
+      <a:noFill/>
+      <a:ln>
+        <a:noFill/>
+      </a:ln>
+    </cs:spPr>
+  </cs:wall>
+</cs:chartStyle>
+</file>
+
+<file path=ppt/charts/style14.xml><?xml version="1.0" encoding="utf-8"?>
+<cs:chartStyle xmlns:cs="http://schemas.microsoft.com/office/drawing/2012/chartStyle" xmlns:a="http://schemas.openxmlformats.org/drawingml/2006/main" id="251">
+  <cs:axisTitle>
+    <cs:lnRef idx="0"/>
+    <cs:fillRef idx="0"/>
+    <cs:effectRef idx="0"/>
+    <cs:fontRef idx="minor">
+      <a:schemeClr val="tx1">
+        <a:lumMod val="65000"/>
+        <a:lumOff val="35000"/>
+      </a:schemeClr>
+    </cs:fontRef>
+    <cs:defRPr sz="1330" kern="1200"/>
+  </cs:axisTitle>
+  <cs:categoryAxis>
+    <cs:lnRef idx="0"/>
+    <cs:fillRef idx="0"/>
+    <cs:effectRef idx="0"/>
+    <cs:fontRef idx="minor">
+      <a:schemeClr val="tx1">
+        <a:lumMod val="65000"/>
+        <a:lumOff val="35000"/>
+      </a:schemeClr>
+    </cs:fontRef>
+    <cs:spPr>
+      <a:ln w="9525" cap="flat" cmpd="sng" algn="ctr">
+        <a:solidFill>
+          <a:schemeClr val="tx1">
+            <a:lumMod val="15000"/>
+            <a:lumOff val="85000"/>
+          </a:schemeClr>
+        </a:solidFill>
+        <a:round/>
+      </a:ln>
+    </cs:spPr>
+    <cs:defRPr sz="1197" kern="1200"/>
+  </cs:categoryAxis>
+  <cs:chartArea mods="allowNoFillOverride allowNoLineOverride">
+    <cs:lnRef idx="0"/>
+    <cs:fillRef idx="0"/>
+    <cs:effectRef idx="0"/>
+    <cs:fontRef idx="minor">
+      <a:schemeClr val="tx1"/>
+    </cs:fontRef>
+    <cs:spPr>
+      <a:solidFill>
+        <a:schemeClr val="bg1"/>
+      </a:solidFill>
+      <a:ln w="9525" cap="flat" cmpd="sng" algn="ctr">
+        <a:solidFill>
+          <a:schemeClr val="tx1">
+            <a:lumMod val="15000"/>
+            <a:lumOff val="85000"/>
+          </a:schemeClr>
+        </a:solidFill>
+        <a:round/>
+      </a:ln>
+    </cs:spPr>
+    <cs:defRPr sz="1197" kern="1200"/>
+  </cs:chartArea>
+  <cs:dataLabel>
+    <cs:lnRef idx="0"/>
+    <cs:fillRef idx="0"/>
+    <cs:effectRef idx="0"/>
+    <cs:fontRef idx="minor">
+      <a:schemeClr val="tx1">
+        <a:lumMod val="75000"/>
+        <a:lumOff val="25000"/>
+      </a:schemeClr>
+    </cs:fontRef>
+    <cs:defRPr sz="1197" kern="1200"/>
+  </cs:dataLabel>
+  <cs:dataLabelCallout>
+    <cs:lnRef idx="0"/>
+    <cs:fillRef idx="0"/>
+    <cs:effectRef idx="0"/>
+    <cs:fontRef idx="minor">
+      <a:schemeClr val="dk1">
+        <a:lumMod val="65000"/>
+        <a:lumOff val="35000"/>
+      </a:schemeClr>
+    </cs:fontRef>
+    <cs:spPr>
+      <a:solidFill>
+        <a:schemeClr val="lt1"/>
+      </a:solidFill>
+      <a:ln>
+        <a:solidFill>
+          <a:schemeClr val="dk1">
+            <a:lumMod val="25000"/>
+            <a:lumOff val="75000"/>
+          </a:schemeClr>
+        </a:solidFill>
+      </a:ln>
+    </cs:spPr>
+    <cs:defRPr sz="1197" kern="1200"/>
+    <cs:bodyPr rot="0" spcFirstLastPara="1" vertOverflow="clip" horzOverflow="clip" vert="horz" wrap="square" lIns="36576" tIns="18288" rIns="36576" bIns="18288" anchor="ctr" anchorCtr="1">
+      <a:spAutoFit/>
+    </cs:bodyPr>
+  </cs:dataLabelCallout>
+  <cs:dataPoint>
+    <cs:lnRef idx="0"/>
+    <cs:fillRef idx="1">
+      <cs:styleClr val="auto"/>
+    </cs:fillRef>
+    <cs:effectRef idx="0"/>
+    <cs:fontRef idx="minor">
+      <a:schemeClr val="tx1"/>
+    </cs:fontRef>
+    <cs:spPr>
+      <a:ln w="19050">
+        <a:solidFill>
+          <a:schemeClr val="lt1"/>
+        </a:solidFill>
+      </a:ln>
+    </cs:spPr>
+  </cs:dataPoint>
+  <cs:dataPoint3D>
+    <cs:lnRef idx="0"/>
+    <cs:fillRef idx="1">
+      <cs:styleClr val="auto"/>
+    </cs:fillRef>
+    <cs:effectRef idx="0"/>
+    <cs:fontRef idx="minor">
+      <a:schemeClr val="tx1"/>
+    </cs:fontRef>
+    <cs:spPr>
+      <a:ln w="25400">
+        <a:solidFill>
+          <a:schemeClr val="lt1"/>
+        </a:solidFill>
+      </a:ln>
+    </cs:spPr>
+  </cs:dataPoint3D>
+  <cs:dataPointLine>
+    <cs:lnRef idx="0">
+      <cs:styleClr val="auto"/>
+    </cs:lnRef>
+    <cs:fillRef idx="0"/>
+    <cs:effectRef idx="0"/>
+    <cs:fontRef idx="minor">
+      <a:schemeClr val="tx1"/>
+    </cs:fontRef>
+    <cs:spPr>
+      <a:ln w="28575" cap="rnd">
+        <a:solidFill>
+          <a:schemeClr val="phClr"/>
+        </a:solidFill>
+        <a:round/>
+      </a:ln>
+    </cs:spPr>
+  </cs:dataPointLine>
+  <cs:dataPointMarker>
+    <cs:lnRef idx="0">
+      <cs:styleClr val="auto"/>
+    </cs:lnRef>
+    <cs:fillRef idx="1">
+      <cs:styleClr val="auto"/>
+    </cs:fillRef>
+    <cs:effectRef idx="0"/>
+    <cs:fontRef idx="minor">
+      <a:schemeClr val="tx1"/>
+    </cs:fontRef>
+    <cs:spPr>
+      <a:ln w="9525">
+        <a:solidFill>
+          <a:schemeClr val="phClr"/>
+        </a:solidFill>
+      </a:ln>
+    </cs:spPr>
+  </cs:dataPointMarker>
+  <cs:dataPointMarkerLayout symbol="circle" size="5"/>
+  <cs:dataPointWireframe>
+    <cs:lnRef idx="0">
+      <cs:styleClr val="auto"/>
+    </cs:lnRef>
+    <cs:fillRef idx="0"/>
+    <cs:effectRef idx="0"/>
+    <cs:fontRef idx="minor">
+      <a:schemeClr val="tx1"/>
+    </cs:fontRef>
+    <cs:spPr>
+      <a:ln w="9525" cap="rnd">
+        <a:solidFill>
+          <a:schemeClr val="phClr"/>
+        </a:solidFill>
+        <a:round/>
+      </a:ln>
+    </cs:spPr>
+  </cs:dataPointWireframe>
+  <cs:dataTable>
+    <cs:lnRef idx="0"/>
+    <cs:fillRef idx="0"/>
+    <cs:effectRef idx="0"/>
+    <cs:fontRef idx="minor">
+      <a:schemeClr val="tx1">
+        <a:lumMod val="65000"/>
+        <a:lumOff val="35000"/>
+      </a:schemeClr>
+    </cs:fontRef>
+    <cs:spPr>
+      <a:noFill/>
+      <a:ln w="9525" cap="flat" cmpd="sng" algn="ctr">
+        <a:solidFill>
+          <a:schemeClr val="tx1">
+            <a:lumMod val="15000"/>
+            <a:lumOff val="85000"/>
+          </a:schemeClr>
+        </a:solidFill>
+        <a:round/>
+      </a:ln>
+    </cs:spPr>
+    <cs:defRPr sz="1197" kern="1200"/>
+  </cs:dataTable>
+  <cs:downBar>
+    <cs:lnRef idx="0"/>
+    <cs:fillRef idx="0"/>
+    <cs:effectRef idx="0"/>
+    <cs:fontRef idx="minor">
+      <a:schemeClr val="tx1"/>
+    </cs:fontRef>
+    <cs:spPr>
+      <a:solidFill>
+        <a:schemeClr val="dk1">
+          <a:lumMod val="75000"/>
+          <a:lumOff val="25000"/>
+        </a:schemeClr>
+      </a:solidFill>
+      <a:ln w="9525" cap="flat" cmpd="sng" algn="ctr">
+        <a:solidFill>
+          <a:schemeClr val="tx1">
+            <a:lumMod val="65000"/>
+            <a:lumOff val="35000"/>
+          </a:schemeClr>
+        </a:solidFill>
+        <a:round/>
+      </a:ln>
+    </cs:spPr>
+  </cs:downBar>
+  <cs:dropLine>
+    <cs:lnRef idx="0"/>
+    <cs:fillRef idx="0"/>
+    <cs:effectRef idx="0"/>
+    <cs:fontRef idx="minor">
+      <a:schemeClr val="tx1"/>
+    </cs:fontRef>
+    <cs:spPr>
+      <a:ln w="9525" cap="flat" cmpd="sng" algn="ctr">
+        <a:solidFill>
+          <a:schemeClr val="tx1">
+            <a:lumMod val="35000"/>
+            <a:lumOff val="65000"/>
+          </a:schemeClr>
+        </a:solidFill>
+        <a:round/>
+      </a:ln>
+    </cs:spPr>
+  </cs:dropLine>
+  <cs:errorBar>
+    <cs:lnRef idx="0"/>
+    <cs:fillRef idx="0"/>
+    <cs:effectRef idx="0"/>
+    <cs:fontRef idx="minor">
+      <a:schemeClr val="tx1"/>
+    </cs:fontRef>
+    <cs:spPr>
+      <a:ln w="9525" cap="flat" cmpd="sng" algn="ctr">
+        <a:solidFill>
+          <a:schemeClr val="tx1">
+            <a:lumMod val="65000"/>
+            <a:lumOff val="35000"/>
+          </a:schemeClr>
+        </a:solidFill>
+        <a:round/>
+      </a:ln>
+    </cs:spPr>
+  </cs:errorBar>
+  <cs:floor>
+    <cs:lnRef idx="0"/>
+    <cs:fillRef idx="0"/>
+    <cs:effectRef idx="0"/>
+    <cs:fontRef idx="minor">
+      <a:schemeClr val="tx1"/>
+    </cs:fontRef>
+    <cs:spPr>
+      <a:noFill/>
+      <a:ln>
+        <a:noFill/>
+      </a:ln>
+    </cs:spPr>
+  </cs:floor>
+  <cs:gridlineMajor>
+    <cs:lnRef idx="0"/>
+    <cs:fillRef idx="0"/>
+    <cs:effectRef idx="0"/>
+    <cs:fontRef idx="minor">
+      <a:schemeClr val="tx1"/>
+    </cs:fontRef>
+    <cs:spPr>
+      <a:ln w="9525" cap="flat" cmpd="sng" algn="ctr">
+        <a:solidFill>
+          <a:schemeClr val="tx1">
+            <a:lumMod val="15000"/>
+            <a:lumOff val="85000"/>
+          </a:schemeClr>
+        </a:solidFill>
+        <a:round/>
+      </a:ln>
+    </cs:spPr>
+  </cs:gridlineMajor>
+  <cs:gridlineMinor>
+    <cs:lnRef idx="0"/>
+    <cs:fillRef idx="0"/>
+    <cs:effectRef idx="0"/>
+    <cs:fontRef idx="minor">
+      <a:schemeClr val="tx1"/>
+    </cs:fontRef>
+    <cs:spPr>
+      <a:ln w="9525" cap="flat" cmpd="sng" algn="ctr">
+        <a:solidFill>
+          <a:schemeClr val="tx1">
+            <a:lumMod val="5000"/>
+            <a:lumOff val="95000"/>
+          </a:schemeClr>
+        </a:solidFill>
+        <a:round/>
+      </a:ln>
+    </cs:spPr>
+  </cs:gridlineMinor>
+  <cs:hiLoLine>
+    <cs:lnRef idx="0"/>
+    <cs:fillRef idx="0"/>
+    <cs:effectRef idx="0"/>
+    <cs:fontRef idx="minor">
+      <a:schemeClr val="tx1"/>
+    </cs:fontRef>
+    <cs:spPr>
+      <a:ln w="9525" cap="flat" cmpd="sng" algn="ctr">
+        <a:solidFill>
+          <a:schemeClr val="tx1">
+            <a:lumMod val="50000"/>
+            <a:lumOff val="50000"/>
+          </a:schemeClr>
+        </a:solidFill>
+        <a:round/>
+      </a:ln>
+    </cs:spPr>
+  </cs:hiLoLine>
+  <cs:leaderLine>
+    <cs:lnRef idx="0"/>
+    <cs:fillRef idx="0"/>
+    <cs:effectRef idx="0"/>
+    <cs:fontRef idx="minor">
+      <a:schemeClr val="tx1"/>
+    </cs:fontRef>
+    <cs:spPr>
+      <a:ln w="9525" cap="flat" cmpd="sng" algn="ctr">
+        <a:solidFill>
+          <a:schemeClr val="tx1">
+            <a:lumMod val="35000"/>
+            <a:lumOff val="65000"/>
+          </a:schemeClr>
+        </a:solidFill>
+        <a:round/>
+      </a:ln>
+    </cs:spPr>
+  </cs:leaderLine>
+  <cs:legend>
+    <cs:lnRef idx="0"/>
+    <cs:fillRef idx="0"/>
+    <cs:effectRef idx="0"/>
+    <cs:fontRef idx="minor">
+      <a:schemeClr val="tx1">
+        <a:lumMod val="65000"/>
+        <a:lumOff val="35000"/>
+      </a:schemeClr>
+    </cs:fontRef>
+    <cs:defRPr sz="1197" kern="1200"/>
+  </cs:legend>
+  <cs:plotArea mods="allowNoFillOverride allowNoLineOverride">
+    <cs:lnRef idx="0"/>
+    <cs:fillRef idx="0"/>
+    <cs:effectRef idx="0"/>
+    <cs:fontRef idx="minor">
+      <a:schemeClr val="tx1"/>
+    </cs:fontRef>
+  </cs:plotArea>
+  <cs:plotArea3D mods="allowNoFillOverride allowNoLineOverride">
+    <cs:lnRef idx="0"/>
+    <cs:fillRef idx="0"/>
+    <cs:effectRef idx="0"/>
+    <cs:fontRef idx="minor">
+      <a:schemeClr val="tx1"/>
+    </cs:fontRef>
+  </cs:plotArea3D>
+  <cs:seriesAxis>
+    <cs:lnRef idx="0"/>
+    <cs:fillRef idx="0"/>
+    <cs:effectRef idx="0"/>
+    <cs:fontRef idx="minor">
+      <a:schemeClr val="tx1">
+        <a:lumMod val="65000"/>
+        <a:lumOff val="35000"/>
+      </a:schemeClr>
+    </cs:fontRef>
+    <cs:defRPr sz="1197" kern="1200"/>
+  </cs:seriesAxis>
+  <cs:seriesLine>
+    <cs:lnRef idx="0"/>
+    <cs:fillRef idx="0"/>
+    <cs:effectRef idx="0"/>
+    <cs:fontRef idx="minor">
+      <a:schemeClr val="tx1"/>
+    </cs:fontRef>
+    <cs:spPr>
+      <a:ln w="9525" cap="flat" cmpd="sng" algn="ctr">
+        <a:solidFill>
+          <a:schemeClr val="tx1">
+            <a:lumMod val="35000"/>
+            <a:lumOff val="65000"/>
+          </a:schemeClr>
+        </a:solidFill>
+        <a:round/>
+      </a:ln>
+    </cs:spPr>
+  </cs:seriesLine>
+  <cs:title>
+    <cs:lnRef idx="0"/>
+    <cs:fillRef idx="0"/>
+    <cs:effectRef idx="0"/>
+    <cs:fontRef idx="minor">
+      <a:schemeClr val="tx1">
+        <a:lumMod val="65000"/>
+        <a:lumOff val="35000"/>
+      </a:schemeClr>
+    </cs:fontRef>
+    <cs:defRPr sz="1862" b="0" kern="1200" spc="0" baseline="0"/>
+  </cs:title>
+  <cs:trendline>
+    <cs:lnRef idx="0">
+      <cs:styleClr val="auto"/>
+    </cs:lnRef>
+    <cs:fillRef idx="0"/>
+    <cs:effectRef idx="0"/>
+    <cs:fontRef idx="minor">
+      <a:schemeClr val="tx1"/>
+    </cs:fontRef>
+    <cs:spPr>
+      <a:ln w="19050" cap="rnd">
+        <a:solidFill>
+          <a:schemeClr val="phClr"/>
+        </a:solidFill>
+        <a:prstDash val="sysDot"/>
+      </a:ln>
+    </cs:spPr>
+  </cs:trendline>
+  <cs:trendlineLabel>
+    <cs:lnRef idx="0"/>
+    <cs:fillRef idx="0"/>
+    <cs:effectRef idx="0"/>
+    <cs:fontRef idx="minor">
+      <a:schemeClr val="tx1">
+        <a:lumMod val="65000"/>
+        <a:lumOff val="35000"/>
+      </a:schemeClr>
+    </cs:fontRef>
+    <cs:defRPr sz="1197" kern="1200"/>
+  </cs:trendlineLabel>
+  <cs:upBar>
+    <cs:lnRef idx="0"/>
+    <cs:fillRef idx="0"/>
+    <cs:effectRef idx="0"/>
+    <cs:fontRef idx="minor">
+      <a:schemeClr val="tx1"/>
+    </cs:fontRef>
+    <cs:spPr>
+      <a:solidFill>
+        <a:schemeClr val="lt1"/>
+      </a:solidFill>
+      <a:ln w="9525" cap="flat" cmpd="sng" algn="ctr">
+        <a:solidFill>
+          <a:schemeClr val="tx1">
+            <a:lumMod val="65000"/>
+            <a:lumOff val="35000"/>
+          </a:schemeClr>
+        </a:solidFill>
+        <a:round/>
+      </a:ln>
+    </cs:spPr>
+  </cs:upBar>
+  <cs:valueAxis>
+    <cs:lnRef idx="0"/>
+    <cs:fillRef idx="0"/>
+    <cs:effectRef idx="0"/>
+    <cs:fontRef idx="minor">
+      <a:schemeClr val="tx1">
+        <a:lumMod val="65000"/>
+        <a:lumOff val="35000"/>
+      </a:schemeClr>
+    </cs:fontRef>
+    <cs:defRPr sz="1197" kern="1200"/>
+  </cs:valueAxis>
+  <cs:wall>
+    <cs:lnRef idx="0"/>
+    <cs:fillRef idx="0"/>
+    <cs:effectRef idx="0"/>
+    <cs:fontRef idx="minor">
+      <a:schemeClr val="tx1"/>
+    </cs:fontRef>
+    <cs:spPr>
+      <a:noFill/>
+      <a:ln>
+        <a:noFill/>
+      </a:ln>
+    </cs:spPr>
+  </cs:wall>
+</cs:chartStyle>
+</file>
+
+<file path=ppt/charts/style15.xml><?xml version="1.0" encoding="utf-8"?>
+<cs:chartStyle xmlns:cs="http://schemas.microsoft.com/office/drawing/2012/chartStyle" xmlns:a="http://schemas.openxmlformats.org/drawingml/2006/main" id="251">
+  <cs:axisTitle>
+    <cs:lnRef idx="0"/>
+    <cs:fillRef idx="0"/>
+    <cs:effectRef idx="0"/>
+    <cs:fontRef idx="minor">
+      <a:schemeClr val="tx1">
+        <a:lumMod val="65000"/>
+        <a:lumOff val="35000"/>
+      </a:schemeClr>
+    </cs:fontRef>
+    <cs:defRPr sz="1330" kern="1200"/>
+  </cs:axisTitle>
+  <cs:categoryAxis>
+    <cs:lnRef idx="0"/>
+    <cs:fillRef idx="0"/>
+    <cs:effectRef idx="0"/>
+    <cs:fontRef idx="minor">
+      <a:schemeClr val="tx1">
+        <a:lumMod val="65000"/>
+        <a:lumOff val="35000"/>
+      </a:schemeClr>
+    </cs:fontRef>
+    <cs:spPr>
+      <a:ln w="9525" cap="flat" cmpd="sng" algn="ctr">
+        <a:solidFill>
+          <a:schemeClr val="tx1">
+            <a:lumMod val="15000"/>
+            <a:lumOff val="85000"/>
+          </a:schemeClr>
+        </a:solidFill>
+        <a:round/>
+      </a:ln>
+    </cs:spPr>
+    <cs:defRPr sz="1197" kern="1200"/>
+  </cs:categoryAxis>
+  <cs:chartArea mods="allowNoFillOverride allowNoLineOverride">
+    <cs:lnRef idx="0"/>
+    <cs:fillRef idx="0"/>
+    <cs:effectRef idx="0"/>
+    <cs:fontRef idx="minor">
+      <a:schemeClr val="tx1"/>
+    </cs:fontRef>
+    <cs:spPr>
+      <a:solidFill>
+        <a:schemeClr val="bg1"/>
+      </a:solidFill>
+      <a:ln w="9525" cap="flat" cmpd="sng" algn="ctr">
+        <a:solidFill>
+          <a:schemeClr val="tx1">
+            <a:lumMod val="15000"/>
+            <a:lumOff val="85000"/>
+          </a:schemeClr>
+        </a:solidFill>
+        <a:round/>
+      </a:ln>
+    </cs:spPr>
+    <cs:defRPr sz="1197" kern="1200"/>
+  </cs:chartArea>
+  <cs:dataLabel>
+    <cs:lnRef idx="0"/>
+    <cs:fillRef idx="0"/>
+    <cs:effectRef idx="0"/>
+    <cs:fontRef idx="minor">
+      <a:schemeClr val="tx1">
+        <a:lumMod val="75000"/>
+        <a:lumOff val="25000"/>
+      </a:schemeClr>
+    </cs:fontRef>
+    <cs:defRPr sz="1197" kern="1200"/>
+  </cs:dataLabel>
+  <cs:dataLabelCallout>
+    <cs:lnRef idx="0"/>
+    <cs:fillRef idx="0"/>
+    <cs:effectRef idx="0"/>
+    <cs:fontRef idx="minor">
+      <a:schemeClr val="dk1">
+        <a:lumMod val="65000"/>
+        <a:lumOff val="35000"/>
+      </a:schemeClr>
+    </cs:fontRef>
+    <cs:spPr>
+      <a:solidFill>
+        <a:schemeClr val="lt1"/>
+      </a:solidFill>
+      <a:ln>
+        <a:solidFill>
+          <a:schemeClr val="dk1">
+            <a:lumMod val="25000"/>
+            <a:lumOff val="75000"/>
+          </a:schemeClr>
+        </a:solidFill>
+      </a:ln>
+    </cs:spPr>
+    <cs:defRPr sz="1197" kern="1200"/>
+    <cs:bodyPr rot="0" spcFirstLastPara="1" vertOverflow="clip" horzOverflow="clip" vert="horz" wrap="square" lIns="36576" tIns="18288" rIns="36576" bIns="18288" anchor="ctr" anchorCtr="1">
+      <a:spAutoFit/>
+    </cs:bodyPr>
+  </cs:dataLabelCallout>
+  <cs:dataPoint>
+    <cs:lnRef idx="0"/>
+    <cs:fillRef idx="1">
+      <cs:styleClr val="auto"/>
+    </cs:fillRef>
+    <cs:effectRef idx="0"/>
+    <cs:fontRef idx="minor">
+      <a:schemeClr val="tx1"/>
+    </cs:fontRef>
+    <cs:spPr>
+      <a:ln w="19050">
+        <a:solidFill>
+          <a:schemeClr val="lt1"/>
+        </a:solidFill>
+      </a:ln>
+    </cs:spPr>
+  </cs:dataPoint>
+  <cs:dataPoint3D>
+    <cs:lnRef idx="0"/>
+    <cs:fillRef idx="1">
+      <cs:styleClr val="auto"/>
+    </cs:fillRef>
+    <cs:effectRef idx="0"/>
+    <cs:fontRef idx="minor">
+      <a:schemeClr val="tx1"/>
+    </cs:fontRef>
+    <cs:spPr>
+      <a:ln w="25400">
+        <a:solidFill>
+          <a:schemeClr val="lt1"/>
+        </a:solidFill>
+      </a:ln>
+    </cs:spPr>
+  </cs:dataPoint3D>
+  <cs:dataPointLine>
+    <cs:lnRef idx="0">
+      <cs:styleClr val="auto"/>
+    </cs:lnRef>
+    <cs:fillRef idx="0"/>
+    <cs:effectRef idx="0"/>
+    <cs:fontRef idx="minor">
+      <a:schemeClr val="tx1"/>
+    </cs:fontRef>
+    <cs:spPr>
+      <a:ln w="28575" cap="rnd">
+        <a:solidFill>
+          <a:schemeClr val="phClr"/>
+        </a:solidFill>
+        <a:round/>
+      </a:ln>
+    </cs:spPr>
+  </cs:dataPointLine>
+  <cs:dataPointMarker>
+    <cs:lnRef idx="0">
+      <cs:styleClr val="auto"/>
+    </cs:lnRef>
+    <cs:fillRef idx="1">
+      <cs:styleClr val="auto"/>
+    </cs:fillRef>
+    <cs:effectRef idx="0"/>
+    <cs:fontRef idx="minor">
+      <a:schemeClr val="tx1"/>
+    </cs:fontRef>
+    <cs:spPr>
+      <a:ln w="9525">
+        <a:solidFill>
+          <a:schemeClr val="phClr"/>
+        </a:solidFill>
+      </a:ln>
+    </cs:spPr>
+  </cs:dataPointMarker>
+  <cs:dataPointMarkerLayout symbol="circle" size="5"/>
+  <cs:dataPointWireframe>
+    <cs:lnRef idx="0">
+      <cs:styleClr val="auto"/>
+    </cs:lnRef>
+    <cs:fillRef idx="0"/>
+    <cs:effectRef idx="0"/>
+    <cs:fontRef idx="minor">
+      <a:schemeClr val="tx1"/>
+    </cs:fontRef>
+    <cs:spPr>
+      <a:ln w="9525" cap="rnd">
+        <a:solidFill>
+          <a:schemeClr val="phClr"/>
+        </a:solidFill>
+        <a:round/>
+      </a:ln>
+    </cs:spPr>
+  </cs:dataPointWireframe>
+  <cs:dataTable>
+    <cs:lnRef idx="0"/>
+    <cs:fillRef idx="0"/>
+    <cs:effectRef idx="0"/>
+    <cs:fontRef idx="minor">
+      <a:schemeClr val="tx1">
+        <a:lumMod val="65000"/>
+        <a:lumOff val="35000"/>
+      </a:schemeClr>
+    </cs:fontRef>
+    <cs:spPr>
+      <a:noFill/>
+      <a:ln w="9525" cap="flat" cmpd="sng" algn="ctr">
+        <a:solidFill>
+          <a:schemeClr val="tx1">
+            <a:lumMod val="15000"/>
+            <a:lumOff val="85000"/>
+          </a:schemeClr>
+        </a:solidFill>
+        <a:round/>
+      </a:ln>
+    </cs:spPr>
+    <cs:defRPr sz="1197" kern="1200"/>
+  </cs:dataTable>
+  <cs:downBar>
+    <cs:lnRef idx="0"/>
+    <cs:fillRef idx="0"/>
+    <cs:effectRef idx="0"/>
+    <cs:fontRef idx="minor">
+      <a:schemeClr val="tx1"/>
+    </cs:fontRef>
+    <cs:spPr>
+      <a:solidFill>
+        <a:schemeClr val="dk1">
+          <a:lumMod val="75000"/>
+          <a:lumOff val="25000"/>
+        </a:schemeClr>
+      </a:solidFill>
+      <a:ln w="9525" cap="flat" cmpd="sng" algn="ctr">
+        <a:solidFill>
+          <a:schemeClr val="tx1">
+            <a:lumMod val="65000"/>
+            <a:lumOff val="35000"/>
+          </a:schemeClr>
+        </a:solidFill>
+        <a:round/>
+      </a:ln>
+    </cs:spPr>
+  </cs:downBar>
+  <cs:dropLine>
+    <cs:lnRef idx="0"/>
+    <cs:fillRef idx="0"/>
+    <cs:effectRef idx="0"/>
+    <cs:fontRef idx="minor">
+      <a:schemeClr val="tx1"/>
+    </cs:fontRef>
+    <cs:spPr>
+      <a:ln w="9525" cap="flat" cmpd="sng" algn="ctr">
+        <a:solidFill>
+          <a:schemeClr val="tx1">
+            <a:lumMod val="35000"/>
+            <a:lumOff val="65000"/>
+          </a:schemeClr>
+        </a:solidFill>
+        <a:round/>
+      </a:ln>
+    </cs:spPr>
+  </cs:dropLine>
+  <cs:errorBar>
+    <cs:lnRef idx="0"/>
+    <cs:fillRef idx="0"/>
+    <cs:effectRef idx="0"/>
+    <cs:fontRef idx="minor">
+      <a:schemeClr val="tx1"/>
+    </cs:fontRef>
+    <cs:spPr>
+      <a:ln w="9525" cap="flat" cmpd="sng" algn="ctr">
+        <a:solidFill>
+          <a:schemeClr val="tx1">
+            <a:lumMod val="65000"/>
+            <a:lumOff val="35000"/>
+          </a:schemeClr>
+        </a:solidFill>
+        <a:round/>
+      </a:ln>
+    </cs:spPr>
+  </cs:errorBar>
+  <cs:floor>
+    <cs:lnRef idx="0"/>
+    <cs:fillRef idx="0"/>
+    <cs:effectRef idx="0"/>
+    <cs:fontRef idx="minor">
+      <a:schemeClr val="tx1"/>
+    </cs:fontRef>
+    <cs:spPr>
+      <a:noFill/>
+      <a:ln>
+        <a:noFill/>
+      </a:ln>
+    </cs:spPr>
+  </cs:floor>
+  <cs:gridlineMajor>
+    <cs:lnRef idx="0"/>
+    <cs:fillRef idx="0"/>
+    <cs:effectRef idx="0"/>
+    <cs:fontRef idx="minor">
+      <a:schemeClr val="tx1"/>
+    </cs:fontRef>
+    <cs:spPr>
+      <a:ln w="9525" cap="flat" cmpd="sng" algn="ctr">
+        <a:solidFill>
+          <a:schemeClr val="tx1">
+            <a:lumMod val="15000"/>
+            <a:lumOff val="85000"/>
+          </a:schemeClr>
+        </a:solidFill>
+        <a:round/>
+      </a:ln>
+    </cs:spPr>
+  </cs:gridlineMajor>
+  <cs:gridlineMinor>
+    <cs:lnRef idx="0"/>
+    <cs:fillRef idx="0"/>
+    <cs:effectRef idx="0"/>
+    <cs:fontRef idx="minor">
+      <a:schemeClr val="tx1"/>
+    </cs:fontRef>
+    <cs:spPr>
+      <a:ln w="9525" cap="flat" cmpd="sng" algn="ctr">
+        <a:solidFill>
+          <a:schemeClr val="tx1">
+            <a:lumMod val="5000"/>
+            <a:lumOff val="95000"/>
+          </a:schemeClr>
+        </a:solidFill>
+        <a:round/>
+      </a:ln>
+    </cs:spPr>
+  </cs:gridlineMinor>
+  <cs:hiLoLine>
+    <cs:lnRef idx="0"/>
+    <cs:fillRef idx="0"/>
+    <cs:effectRef idx="0"/>
+    <cs:fontRef idx="minor">
+      <a:schemeClr val="tx1"/>
+    </cs:fontRef>
+    <cs:spPr>
+      <a:ln w="9525" cap="flat" cmpd="sng" algn="ctr">
+        <a:solidFill>
+          <a:schemeClr val="tx1">
+            <a:lumMod val="50000"/>
+            <a:lumOff val="50000"/>
+          </a:schemeClr>
+        </a:solidFill>
+        <a:round/>
+      </a:ln>
+    </cs:spPr>
+  </cs:hiLoLine>
+  <cs:leaderLine>
+    <cs:lnRef idx="0"/>
+    <cs:fillRef idx="0"/>
+    <cs:effectRef idx="0"/>
+    <cs:fontRef idx="minor">
+      <a:schemeClr val="tx1"/>
+    </cs:fontRef>
+    <cs:spPr>
+      <a:ln w="9525" cap="flat" cmpd="sng" algn="ctr">
+        <a:solidFill>
+          <a:schemeClr val="tx1">
+            <a:lumMod val="35000"/>
+            <a:lumOff val="65000"/>
+          </a:schemeClr>
+        </a:solidFill>
+        <a:round/>
+      </a:ln>
+    </cs:spPr>
+  </cs:leaderLine>
+  <cs:legend>
+    <cs:lnRef idx="0"/>
+    <cs:fillRef idx="0"/>
+    <cs:effectRef idx="0"/>
+    <cs:fontRef idx="minor">
+      <a:schemeClr val="tx1">
+        <a:lumMod val="65000"/>
+        <a:lumOff val="35000"/>
+      </a:schemeClr>
+    </cs:fontRef>
+    <cs:defRPr sz="1197" kern="1200"/>
+  </cs:legend>
+  <cs:plotArea mods="allowNoFillOverride allowNoLineOverride">
+    <cs:lnRef idx="0"/>
+    <cs:fillRef idx="0"/>
+    <cs:effectRef idx="0"/>
+    <cs:fontRef idx="minor">
+      <a:schemeClr val="tx1"/>
+    </cs:fontRef>
+  </cs:plotArea>
+  <cs:plotArea3D mods="allowNoFillOverride allowNoLineOverride">
+    <cs:lnRef idx="0"/>
+    <cs:fillRef idx="0"/>
+    <cs:effectRef idx="0"/>
+    <cs:fontRef idx="minor">
+      <a:schemeClr val="tx1"/>
+    </cs:fontRef>
+  </cs:plotArea3D>
+  <cs:seriesAxis>
+    <cs:lnRef idx="0"/>
+    <cs:fillRef idx="0"/>
+    <cs:effectRef idx="0"/>
+    <cs:fontRef idx="minor">
+      <a:schemeClr val="tx1">
+        <a:lumMod val="65000"/>
+        <a:lumOff val="35000"/>
+      </a:schemeClr>
+    </cs:fontRef>
+    <cs:defRPr sz="1197" kern="1200"/>
+  </cs:seriesAxis>
+  <cs:seriesLine>
+    <cs:lnRef idx="0"/>
+    <cs:fillRef idx="0"/>
+    <cs:effectRef idx="0"/>
+    <cs:fontRef idx="minor">
+      <a:schemeClr val="tx1"/>
+    </cs:fontRef>
+    <cs:spPr>
+      <a:ln w="9525" cap="flat" cmpd="sng" algn="ctr">
+        <a:solidFill>
+          <a:schemeClr val="tx1">
+            <a:lumMod val="35000"/>
+            <a:lumOff val="65000"/>
+          </a:schemeClr>
+        </a:solidFill>
+        <a:round/>
+      </a:ln>
+    </cs:spPr>
+  </cs:seriesLine>
+  <cs:title>
+    <cs:lnRef idx="0"/>
+    <cs:fillRef idx="0"/>
+    <cs:effectRef idx="0"/>
+    <cs:fontRef idx="minor">
+      <a:schemeClr val="tx1">
+        <a:lumMod val="65000"/>
+        <a:lumOff val="35000"/>
+      </a:schemeClr>
+    </cs:fontRef>
+    <cs:defRPr sz="1862" b="0" kern="1200" spc="0" baseline="0"/>
+  </cs:title>
+  <cs:trendline>
+    <cs:lnRef idx="0">
+      <cs:styleClr val="auto"/>
+    </cs:lnRef>
+    <cs:fillRef idx="0"/>
+    <cs:effectRef idx="0"/>
+    <cs:fontRef idx="minor">
+      <a:schemeClr val="tx1"/>
+    </cs:fontRef>
+    <cs:spPr>
+      <a:ln w="19050" cap="rnd">
+        <a:solidFill>
+          <a:schemeClr val="phClr"/>
+        </a:solidFill>
+        <a:prstDash val="sysDot"/>
+      </a:ln>
+    </cs:spPr>
+  </cs:trendline>
+  <cs:trendlineLabel>
+    <cs:lnRef idx="0"/>
+    <cs:fillRef idx="0"/>
+    <cs:effectRef idx="0"/>
+    <cs:fontRef idx="minor">
+      <a:schemeClr val="tx1">
+        <a:lumMod val="65000"/>
+        <a:lumOff val="35000"/>
+      </a:schemeClr>
+    </cs:fontRef>
+    <cs:defRPr sz="1197" kern="1200"/>
+  </cs:trendlineLabel>
+  <cs:upBar>
+    <cs:lnRef idx="0"/>
+    <cs:fillRef idx="0"/>
+    <cs:effectRef idx="0"/>
+    <cs:fontRef idx="minor">
+      <a:schemeClr val="tx1"/>
+    </cs:fontRef>
+    <cs:spPr>
+      <a:solidFill>
+        <a:schemeClr val="lt1"/>
+      </a:solidFill>
+      <a:ln w="9525" cap="flat" cmpd="sng" algn="ctr">
+        <a:solidFill>
+          <a:schemeClr val="tx1">
+            <a:lumMod val="65000"/>
+            <a:lumOff val="35000"/>
+          </a:schemeClr>
+        </a:solidFill>
+        <a:round/>
+      </a:ln>
+    </cs:spPr>
+  </cs:upBar>
+  <cs:valueAxis>
+    <cs:lnRef idx="0"/>
+    <cs:fillRef idx="0"/>
+    <cs:effectRef idx="0"/>
+    <cs:fontRef idx="minor">
+      <a:schemeClr val="tx1">
+        <a:lumMod val="65000"/>
+        <a:lumOff val="35000"/>
+      </a:schemeClr>
+    </cs:fontRef>
+    <cs:defRPr sz="1197" kern="1200"/>
+  </cs:valueAxis>
+  <cs:wall>
+    <cs:lnRef idx="0"/>
+    <cs:fillRef idx="0"/>
+    <cs:effectRef idx="0"/>
+    <cs:fontRef idx="minor">
+      <a:schemeClr val="tx1"/>
+    </cs:fontRef>
+    <cs:spPr>
+      <a:noFill/>
+      <a:ln>
+        <a:noFill/>
+      </a:ln>
+    </cs:spPr>
+  </cs:wall>
+</cs:chartStyle>
+</file>
+
+<file path=ppt/charts/style16.xml><?xml version="1.0" encoding="utf-8"?>
 <cs:chartStyle xmlns:cs="http://schemas.microsoft.com/office/drawing/2012/chartStyle" xmlns:a="http://schemas.openxmlformats.org/drawingml/2006/main" id="251">
   <cs:axisTitle>
     <cs:lnRef idx="0"/>
@@ -9679,7 +13948,7 @@
           <a:p>
             <a:fld id="{B2DD87D9-6052-4FA3-A0FA-3B4EE3B2912A}" type="datetimeFigureOut">
               <a:rPr lang="en-GB" smtClean="0"/>
-              <a:t>08/01/2023</a:t>
+              <a:t>07/01/2024</a:t>
             </a:fld>
             <a:endParaRPr lang="en-GB"/>
           </a:p>
@@ -9879,7 +14148,7 @@
           <a:p>
             <a:fld id="{B2DD87D9-6052-4FA3-A0FA-3B4EE3B2912A}" type="datetimeFigureOut">
               <a:rPr lang="en-GB" smtClean="0"/>
-              <a:t>08/01/2023</a:t>
+              <a:t>07/01/2024</a:t>
             </a:fld>
             <a:endParaRPr lang="en-GB"/>
           </a:p>
@@ -10089,7 +14358,7 @@
           <a:p>
             <a:fld id="{B2DD87D9-6052-4FA3-A0FA-3B4EE3B2912A}" type="datetimeFigureOut">
               <a:rPr lang="en-GB" smtClean="0"/>
-              <a:t>08/01/2023</a:t>
+              <a:t>07/01/2024</a:t>
             </a:fld>
             <a:endParaRPr lang="en-GB"/>
           </a:p>
@@ -10289,7 +14558,7 @@
           <a:p>
             <a:fld id="{B2DD87D9-6052-4FA3-A0FA-3B4EE3B2912A}" type="datetimeFigureOut">
               <a:rPr lang="en-GB" smtClean="0"/>
-              <a:t>08/01/2023</a:t>
+              <a:t>07/01/2024</a:t>
             </a:fld>
             <a:endParaRPr lang="en-GB"/>
           </a:p>
@@ -10565,7 +14834,7 @@
           <a:p>
             <a:fld id="{B2DD87D9-6052-4FA3-A0FA-3B4EE3B2912A}" type="datetimeFigureOut">
               <a:rPr lang="en-GB" smtClean="0"/>
-              <a:t>08/01/2023</a:t>
+              <a:t>07/01/2024</a:t>
             </a:fld>
             <a:endParaRPr lang="en-GB"/>
           </a:p>
@@ -10833,7 +15102,7 @@
           <a:p>
             <a:fld id="{B2DD87D9-6052-4FA3-A0FA-3B4EE3B2912A}" type="datetimeFigureOut">
               <a:rPr lang="en-GB" smtClean="0"/>
-              <a:t>08/01/2023</a:t>
+              <a:t>07/01/2024</a:t>
             </a:fld>
             <a:endParaRPr lang="en-GB"/>
           </a:p>
@@ -11248,7 +15517,7 @@
           <a:p>
             <a:fld id="{B2DD87D9-6052-4FA3-A0FA-3B4EE3B2912A}" type="datetimeFigureOut">
               <a:rPr lang="en-GB" smtClean="0"/>
-              <a:t>08/01/2023</a:t>
+              <a:t>07/01/2024</a:t>
             </a:fld>
             <a:endParaRPr lang="en-GB"/>
           </a:p>
@@ -11390,7 +15659,7 @@
           <a:p>
             <a:fld id="{B2DD87D9-6052-4FA3-A0FA-3B4EE3B2912A}" type="datetimeFigureOut">
               <a:rPr lang="en-GB" smtClean="0"/>
-              <a:t>08/01/2023</a:t>
+              <a:t>07/01/2024</a:t>
             </a:fld>
             <a:endParaRPr lang="en-GB"/>
           </a:p>
@@ -11503,7 +15772,7 @@
           <a:p>
             <a:fld id="{B2DD87D9-6052-4FA3-A0FA-3B4EE3B2912A}" type="datetimeFigureOut">
               <a:rPr lang="en-GB" smtClean="0"/>
-              <a:t>08/01/2023</a:t>
+              <a:t>07/01/2024</a:t>
             </a:fld>
             <a:endParaRPr lang="en-GB"/>
           </a:p>
@@ -11816,7 +16085,7 @@
           <a:p>
             <a:fld id="{B2DD87D9-6052-4FA3-A0FA-3B4EE3B2912A}" type="datetimeFigureOut">
               <a:rPr lang="en-GB" smtClean="0"/>
-              <a:t>08/01/2023</a:t>
+              <a:t>07/01/2024</a:t>
             </a:fld>
             <a:endParaRPr lang="en-GB"/>
           </a:p>
@@ -12105,7 +16374,7 @@
           <a:p>
             <a:fld id="{B2DD87D9-6052-4FA3-A0FA-3B4EE3B2912A}" type="datetimeFigureOut">
               <a:rPr lang="en-GB" smtClean="0"/>
-              <a:t>08/01/2023</a:t>
+              <a:t>07/01/2024</a:t>
             </a:fld>
             <a:endParaRPr lang="en-GB"/>
           </a:p>
@@ -12348,7 +16617,7 @@
           <a:p>
             <a:fld id="{B2DD87D9-6052-4FA3-A0FA-3B4EE3B2912A}" type="datetimeFigureOut">
               <a:rPr lang="en-GB" smtClean="0"/>
-              <a:t>08/01/2023</a:t>
+              <a:t>07/01/2024</a:t>
             </a:fld>
             <a:endParaRPr lang="en-GB"/>
           </a:p>
@@ -12765,6 +17034,548 @@
           <a:chExt cx="0" cy="0"/>
         </a:xfrm>
       </p:grpSpPr>
+      <p:sp>
+        <p:nvSpPr>
+          <p:cNvPr id="2" name="Titre 1">
+            <a:extLst>
+              <a:ext uri="{FF2B5EF4-FFF2-40B4-BE49-F238E27FC236}">
+                <a16:creationId xmlns:a16="http://schemas.microsoft.com/office/drawing/2014/main" id="{B917C91B-0703-9E08-BB90-76A8E6E95EF7}"/>
+              </a:ext>
+            </a:extLst>
+          </p:cNvPr>
+          <p:cNvSpPr>
+            <a:spLocks noGrp="1"/>
+          </p:cNvSpPr>
+          <p:nvPr>
+            <p:ph type="title"/>
+          </p:nvPr>
+        </p:nvSpPr>
+        <p:spPr/>
+        <p:txBody>
+          <a:bodyPr>
+            <a:normAutofit/>
+          </a:bodyPr>
+          <a:lstStyle/>
+          <a:p>
+            <a:pPr algn="ctr"/>
+            <a:r>
+              <a:rPr lang="en-GB" sz="6600" b="1" u="sng" dirty="0"/>
+              <a:t>LES FRACTIONS</a:t>
+            </a:r>
+          </a:p>
+        </p:txBody>
+      </p:sp>
+      <p:sp>
+        <p:nvSpPr>
+          <p:cNvPr id="3" name="Espace réservé du contenu 2">
+            <a:extLst>
+              <a:ext uri="{FF2B5EF4-FFF2-40B4-BE49-F238E27FC236}">
+                <a16:creationId xmlns:a16="http://schemas.microsoft.com/office/drawing/2014/main" id="{DD00ABE1-0C01-99E9-5AFF-EE7030ADA2D4}"/>
+              </a:ext>
+            </a:extLst>
+          </p:cNvPr>
+          <p:cNvSpPr>
+            <a:spLocks noGrp="1"/>
+          </p:cNvSpPr>
+          <p:nvPr>
+            <p:ph idx="1"/>
+          </p:nvPr>
+        </p:nvSpPr>
+        <p:spPr/>
+        <p:txBody>
+          <a:bodyPr/>
+          <a:lstStyle/>
+          <a:p>
+            <a:endParaRPr lang="en-GB" dirty="0"/>
+          </a:p>
+        </p:txBody>
+      </p:sp>
+    </p:spTree>
+    <p:extLst>
+      <p:ext uri="{BB962C8B-B14F-4D97-AF65-F5344CB8AC3E}">
+        <p14:creationId xmlns:p14="http://schemas.microsoft.com/office/powerpoint/2010/main" val="570675386"/>
+      </p:ext>
+    </p:extLst>
+  </p:cSld>
+  <p:clrMapOvr>
+    <a:masterClrMapping/>
+  </p:clrMapOvr>
+</p:sld>
+</file>
+
+<file path=ppt/slides/slide10.xml><?xml version="1.0" encoding="utf-8"?>
+<p:sld xmlns:a="http://schemas.openxmlformats.org/drawingml/2006/main" xmlns:r="http://schemas.openxmlformats.org/officeDocument/2006/relationships" xmlns:p="http://schemas.openxmlformats.org/presentationml/2006/main">
+  <p:cSld>
+    <p:spTree>
+      <p:nvGrpSpPr>
+        <p:cNvPr id="1" name=""/>
+        <p:cNvGrpSpPr/>
+        <p:nvPr/>
+      </p:nvGrpSpPr>
+      <p:grpSpPr>
+        <a:xfrm>
+          <a:off x="0" y="0"/>
+          <a:ext cx="0" cy="0"/>
+          <a:chOff x="0" y="0"/>
+          <a:chExt cx="0" cy="0"/>
+        </a:xfrm>
+      </p:grpSpPr>
+      <mc:AlternateContent xmlns:mc="http://schemas.openxmlformats.org/markup-compatibility/2006">
+        <mc:Choice xmlns:a14="http://schemas.microsoft.com/office/drawing/2010/main" Requires="a14">
+          <p:sp>
+            <p:nvSpPr>
+              <p:cNvPr id="2" name="Titre 1">
+                <a:extLst>
+                  <a:ext uri="{FF2B5EF4-FFF2-40B4-BE49-F238E27FC236}">
+                    <a16:creationId xmlns:a16="http://schemas.microsoft.com/office/drawing/2014/main" id="{3B99A66A-5ADE-2059-9390-A195C593D043}"/>
+                  </a:ext>
+                </a:extLst>
+              </p:cNvPr>
+              <p:cNvSpPr>
+                <a:spLocks noGrp="1"/>
+              </p:cNvSpPr>
+              <p:nvPr>
+                <p:ph type="ctrTitle"/>
+              </p:nvPr>
+            </p:nvSpPr>
+            <p:spPr>
+              <a:xfrm>
+                <a:off x="1142999" y="247416"/>
+                <a:ext cx="9906000" cy="1540156"/>
+              </a:xfrm>
+            </p:spPr>
+            <p:txBody>
+              <a:bodyPr>
+                <a:noAutofit/>
+              </a:bodyPr>
+              <a:lstStyle/>
+              <a:p>
+                <a:r>
+                  <a:rPr lang="en-GB" sz="7200" dirty="0"/>
+                  <a:t>Représenter la fraction  </a:t>
+                </a:r>
+                <a14:m>
+                  <m:oMath xmlns:m="http://schemas.openxmlformats.org/officeDocument/2006/math">
+                    <m:f>
+                      <m:fPr>
+                        <m:ctrlPr>
+                          <a:rPr lang="en-GB" sz="7200" i="1" smtClean="0">
+                            <a:latin typeface="Cambria Math" panose="02040503050406030204" pitchFamily="18" charset="0"/>
+                          </a:rPr>
+                        </m:ctrlPr>
+                      </m:fPr>
+                      <m:num>
+                        <m:r>
+                          <a:rPr lang="en-GB" sz="7200" b="0" i="1" smtClean="0">
+                            <a:latin typeface="Cambria Math" panose="02040503050406030204" pitchFamily="18" charset="0"/>
+                          </a:rPr>
+                          <m:t>8</m:t>
+                        </m:r>
+                      </m:num>
+                      <m:den>
+                        <m:r>
+                          <a:rPr lang="en-GB" sz="7200" b="0" i="1" smtClean="0">
+                            <a:latin typeface="Cambria Math" panose="02040503050406030204" pitchFamily="18" charset="0"/>
+                          </a:rPr>
+                          <m:t>10</m:t>
+                        </m:r>
+                      </m:den>
+                    </m:f>
+                  </m:oMath>
+                </a14:m>
+                <a:endParaRPr lang="en-GB" sz="7200" dirty="0"/>
+              </a:p>
+            </p:txBody>
+          </p:sp>
+        </mc:Choice>
+        <mc:Fallback>
+          <p:sp>
+            <p:nvSpPr>
+              <p:cNvPr id="2" name="Titre 1">
+                <a:extLst>
+                  <a:ext uri="{FF2B5EF4-FFF2-40B4-BE49-F238E27FC236}">
+                    <a16:creationId xmlns:a16="http://schemas.microsoft.com/office/drawing/2014/main" id="{3B99A66A-5ADE-2059-9390-A195C593D043}"/>
+                  </a:ext>
+                </a:extLst>
+              </p:cNvPr>
+              <p:cNvSpPr>
+                <a:spLocks noGrp="1" noRot="1" noChangeAspect="1" noMove="1" noResize="1" noEditPoints="1" noAdjustHandles="1" noChangeArrowheads="1" noChangeShapeType="1" noTextEdit="1"/>
+              </p:cNvSpPr>
+              <p:nvPr>
+                <p:ph type="ctrTitle"/>
+              </p:nvPr>
+            </p:nvSpPr>
+            <p:spPr>
+              <a:xfrm>
+                <a:off x="1142999" y="247416"/>
+                <a:ext cx="9906000" cy="1540156"/>
+              </a:xfrm>
+              <a:blipFill>
+                <a:blip r:embed="rId2"/>
+                <a:stretch>
+                  <a:fillRect l="-3815" t="-7143" b="-18254"/>
+                </a:stretch>
+              </a:blipFill>
+            </p:spPr>
+            <p:txBody>
+              <a:bodyPr/>
+              <a:lstStyle/>
+              <a:p>
+                <a:r>
+                  <a:rPr lang="en-GB">
+                    <a:noFill/>
+                  </a:rPr>
+                  <a:t> </a:t>
+                </a:r>
+              </a:p>
+            </p:txBody>
+          </p:sp>
+        </mc:Fallback>
+      </mc:AlternateContent>
+      <p:graphicFrame>
+        <p:nvGraphicFramePr>
+          <p:cNvPr id="3" name="Graphique 2">
+            <a:extLst>
+              <a:ext uri="{FF2B5EF4-FFF2-40B4-BE49-F238E27FC236}">
+                <a16:creationId xmlns:a16="http://schemas.microsoft.com/office/drawing/2014/main" id="{A7EFE453-7BEF-23D3-0852-6D9CF9F18358}"/>
+              </a:ext>
+            </a:extLst>
+          </p:cNvPr>
+          <p:cNvGraphicFramePr/>
+          <p:nvPr>
+            <p:extLst>
+              <p:ext uri="{D42A27DB-BD31-4B8C-83A1-F6EECF244321}">
+                <p14:modId xmlns:p14="http://schemas.microsoft.com/office/powerpoint/2010/main" val="2166905277"/>
+              </p:ext>
+            </p:extLst>
+          </p:nvPr>
+        </p:nvGraphicFramePr>
+        <p:xfrm>
+          <a:off x="3757612" y="1948937"/>
+          <a:ext cx="4676775" cy="4088342"/>
+        </p:xfrm>
+        <a:graphic>
+          <a:graphicData uri="http://schemas.openxmlformats.org/drawingml/2006/chart">
+            <c:chart xmlns:c="http://schemas.openxmlformats.org/drawingml/2006/chart" xmlns:r="http://schemas.openxmlformats.org/officeDocument/2006/relationships" r:id="rId3"/>
+          </a:graphicData>
+        </a:graphic>
+      </p:graphicFrame>
+    </p:spTree>
+    <p:extLst>
+      <p:ext uri="{BB962C8B-B14F-4D97-AF65-F5344CB8AC3E}">
+        <p14:creationId xmlns:p14="http://schemas.microsoft.com/office/powerpoint/2010/main" val="3611616308"/>
+      </p:ext>
+    </p:extLst>
+  </p:cSld>
+  <p:clrMapOvr>
+    <a:masterClrMapping/>
+  </p:clrMapOvr>
+</p:sld>
+</file>
+
+<file path=ppt/slides/slide11.xml><?xml version="1.0" encoding="utf-8"?>
+<p:sld xmlns:a="http://schemas.openxmlformats.org/drawingml/2006/main" xmlns:r="http://schemas.openxmlformats.org/officeDocument/2006/relationships" xmlns:p="http://schemas.openxmlformats.org/presentationml/2006/main">
+  <p:cSld>
+    <p:spTree>
+      <p:nvGrpSpPr>
+        <p:cNvPr id="1" name=""/>
+        <p:cNvGrpSpPr/>
+        <p:nvPr/>
+      </p:nvGrpSpPr>
+      <p:grpSpPr>
+        <a:xfrm>
+          <a:off x="0" y="0"/>
+          <a:ext cx="0" cy="0"/>
+          <a:chOff x="0" y="0"/>
+          <a:chExt cx="0" cy="0"/>
+        </a:xfrm>
+      </p:grpSpPr>
+      <p:graphicFrame>
+        <p:nvGraphicFramePr>
+          <p:cNvPr id="5" name="Graphique 4">
+            <a:extLst>
+              <a:ext uri="{FF2B5EF4-FFF2-40B4-BE49-F238E27FC236}">
+                <a16:creationId xmlns:a16="http://schemas.microsoft.com/office/drawing/2014/main" id="{D3D27D94-D57C-4C12-9FA5-29472E275DC4}"/>
+              </a:ext>
+            </a:extLst>
+          </p:cNvPr>
+          <p:cNvGraphicFramePr/>
+          <p:nvPr>
+            <p:extLst>
+              <p:ext uri="{D42A27DB-BD31-4B8C-83A1-F6EECF244321}">
+                <p14:modId xmlns:p14="http://schemas.microsoft.com/office/powerpoint/2010/main" val="57654715"/>
+              </p:ext>
+            </p:extLst>
+          </p:nvPr>
+        </p:nvGraphicFramePr>
+        <p:xfrm>
+          <a:off x="3270437" y="1103904"/>
+          <a:ext cx="5651126" cy="4983131"/>
+        </p:xfrm>
+        <a:graphic>
+          <a:graphicData uri="http://schemas.openxmlformats.org/drawingml/2006/chart">
+            <c:chart xmlns:c="http://schemas.openxmlformats.org/drawingml/2006/chart" xmlns:r="http://schemas.openxmlformats.org/officeDocument/2006/relationships" r:id="rId2"/>
+          </a:graphicData>
+        </a:graphic>
+      </p:graphicFrame>
+    </p:spTree>
+    <p:extLst>
+      <p:ext uri="{BB962C8B-B14F-4D97-AF65-F5344CB8AC3E}">
+        <p14:creationId xmlns:p14="http://schemas.microsoft.com/office/powerpoint/2010/main" val="3231068740"/>
+      </p:ext>
+    </p:extLst>
+  </p:cSld>
+  <p:clrMapOvr>
+    <a:masterClrMapping/>
+  </p:clrMapOvr>
+</p:sld>
+</file>
+
+<file path=ppt/slides/slide12.xml><?xml version="1.0" encoding="utf-8"?>
+<p:sld xmlns:a="http://schemas.openxmlformats.org/drawingml/2006/main" xmlns:r="http://schemas.openxmlformats.org/officeDocument/2006/relationships" xmlns:p="http://schemas.openxmlformats.org/presentationml/2006/main">
+  <p:cSld>
+    <p:spTree>
+      <p:nvGrpSpPr>
+        <p:cNvPr id="1" name=""/>
+        <p:cNvGrpSpPr/>
+        <p:nvPr/>
+      </p:nvGrpSpPr>
+      <p:grpSpPr>
+        <a:xfrm>
+          <a:off x="0" y="0"/>
+          <a:ext cx="0" cy="0"/>
+          <a:chOff x="0" y="0"/>
+          <a:chExt cx="0" cy="0"/>
+        </a:xfrm>
+      </p:grpSpPr>
+      <mc:AlternateContent xmlns:mc="http://schemas.openxmlformats.org/markup-compatibility/2006">
+        <mc:Choice xmlns:a14="http://schemas.microsoft.com/office/drawing/2010/main" Requires="a14">
+          <p:sp>
+            <p:nvSpPr>
+              <p:cNvPr id="2" name="Titre 1">
+                <a:extLst>
+                  <a:ext uri="{FF2B5EF4-FFF2-40B4-BE49-F238E27FC236}">
+                    <a16:creationId xmlns:a16="http://schemas.microsoft.com/office/drawing/2014/main" id="{3B99A66A-5ADE-2059-9390-A195C593D043}"/>
+                  </a:ext>
+                </a:extLst>
+              </p:cNvPr>
+              <p:cNvSpPr>
+                <a:spLocks noGrp="1"/>
+              </p:cNvSpPr>
+              <p:nvPr>
+                <p:ph type="ctrTitle"/>
+              </p:nvPr>
+            </p:nvSpPr>
+            <p:spPr>
+              <a:xfrm>
+                <a:off x="1142999" y="247416"/>
+                <a:ext cx="9906000" cy="1540156"/>
+              </a:xfrm>
+            </p:spPr>
+            <p:txBody>
+              <a:bodyPr>
+                <a:noAutofit/>
+              </a:bodyPr>
+              <a:lstStyle/>
+              <a:p>
+                <a:r>
+                  <a:rPr lang="en-GB" sz="7200" dirty="0"/>
+                  <a:t>Représenter la fraction  </a:t>
+                </a:r>
+                <a14:m>
+                  <m:oMath xmlns:m="http://schemas.openxmlformats.org/officeDocument/2006/math">
+                    <m:f>
+                      <m:fPr>
+                        <m:ctrlPr>
+                          <a:rPr lang="en-GB" sz="7200" i="1" smtClean="0">
+                            <a:latin typeface="Cambria Math" panose="02040503050406030204" pitchFamily="18" charset="0"/>
+                          </a:rPr>
+                        </m:ctrlPr>
+                      </m:fPr>
+                      <m:num>
+                        <m:r>
+                          <a:rPr lang="en-GB" sz="7200" b="0" i="1" smtClean="0">
+                            <a:latin typeface="Cambria Math" panose="02040503050406030204" pitchFamily="18" charset="0"/>
+                          </a:rPr>
+                          <m:t>2</m:t>
+                        </m:r>
+                      </m:num>
+                      <m:den>
+                        <m:r>
+                          <a:rPr lang="en-GB" sz="7200" b="0" i="1" smtClean="0">
+                            <a:latin typeface="Cambria Math" panose="02040503050406030204" pitchFamily="18" charset="0"/>
+                          </a:rPr>
+                          <m:t>10</m:t>
+                        </m:r>
+                      </m:den>
+                    </m:f>
+                  </m:oMath>
+                </a14:m>
+                <a:endParaRPr lang="en-GB" sz="7200" dirty="0"/>
+              </a:p>
+            </p:txBody>
+          </p:sp>
+        </mc:Choice>
+        <mc:Fallback>
+          <p:sp>
+            <p:nvSpPr>
+              <p:cNvPr id="2" name="Titre 1">
+                <a:extLst>
+                  <a:ext uri="{FF2B5EF4-FFF2-40B4-BE49-F238E27FC236}">
+                    <a16:creationId xmlns:a16="http://schemas.microsoft.com/office/drawing/2014/main" id="{3B99A66A-5ADE-2059-9390-A195C593D043}"/>
+                  </a:ext>
+                </a:extLst>
+              </p:cNvPr>
+              <p:cNvSpPr>
+                <a:spLocks noGrp="1" noRot="1" noChangeAspect="1" noMove="1" noResize="1" noEditPoints="1" noAdjustHandles="1" noChangeArrowheads="1" noChangeShapeType="1" noTextEdit="1"/>
+              </p:cNvSpPr>
+              <p:nvPr>
+                <p:ph type="ctrTitle"/>
+              </p:nvPr>
+            </p:nvSpPr>
+            <p:spPr>
+              <a:xfrm>
+                <a:off x="1142999" y="247416"/>
+                <a:ext cx="9906000" cy="1540156"/>
+              </a:xfrm>
+              <a:blipFill>
+                <a:blip r:embed="rId2"/>
+                <a:stretch>
+                  <a:fillRect l="-3815" t="-7143" b="-18254"/>
+                </a:stretch>
+              </a:blipFill>
+            </p:spPr>
+            <p:txBody>
+              <a:bodyPr/>
+              <a:lstStyle/>
+              <a:p>
+                <a:r>
+                  <a:rPr lang="en-GB">
+                    <a:noFill/>
+                  </a:rPr>
+                  <a:t> </a:t>
+                </a:r>
+              </a:p>
+            </p:txBody>
+          </p:sp>
+        </mc:Fallback>
+      </mc:AlternateContent>
+      <p:graphicFrame>
+        <p:nvGraphicFramePr>
+          <p:cNvPr id="3" name="Graphique 2">
+            <a:extLst>
+              <a:ext uri="{FF2B5EF4-FFF2-40B4-BE49-F238E27FC236}">
+                <a16:creationId xmlns:a16="http://schemas.microsoft.com/office/drawing/2014/main" id="{E6A9BF49-534D-6F66-3059-76DBCAF8C4AC}"/>
+              </a:ext>
+            </a:extLst>
+          </p:cNvPr>
+          <p:cNvGraphicFramePr/>
+          <p:nvPr>
+            <p:extLst>
+              <p:ext uri="{D42A27DB-BD31-4B8C-83A1-F6EECF244321}">
+                <p14:modId xmlns:p14="http://schemas.microsoft.com/office/powerpoint/2010/main" val="2166905277"/>
+              </p:ext>
+            </p:extLst>
+          </p:nvPr>
+        </p:nvGraphicFramePr>
+        <p:xfrm>
+          <a:off x="3757612" y="1948937"/>
+          <a:ext cx="4676775" cy="4088342"/>
+        </p:xfrm>
+        <a:graphic>
+          <a:graphicData uri="http://schemas.openxmlformats.org/drawingml/2006/chart">
+            <c:chart xmlns:c="http://schemas.openxmlformats.org/drawingml/2006/chart" xmlns:r="http://schemas.openxmlformats.org/officeDocument/2006/relationships" r:id="rId3"/>
+          </a:graphicData>
+        </a:graphic>
+      </p:graphicFrame>
+    </p:spTree>
+    <p:extLst>
+      <p:ext uri="{BB962C8B-B14F-4D97-AF65-F5344CB8AC3E}">
+        <p14:creationId xmlns:p14="http://schemas.microsoft.com/office/powerpoint/2010/main" val="39524259"/>
+      </p:ext>
+    </p:extLst>
+  </p:cSld>
+  <p:clrMapOvr>
+    <a:masterClrMapping/>
+  </p:clrMapOvr>
+</p:sld>
+</file>
+
+<file path=ppt/slides/slide13.xml><?xml version="1.0" encoding="utf-8"?>
+<p:sld xmlns:a="http://schemas.openxmlformats.org/drawingml/2006/main" xmlns:r="http://schemas.openxmlformats.org/officeDocument/2006/relationships" xmlns:p="http://schemas.openxmlformats.org/presentationml/2006/main">
+  <p:cSld>
+    <p:spTree>
+      <p:nvGrpSpPr>
+        <p:cNvPr id="1" name=""/>
+        <p:cNvGrpSpPr/>
+        <p:nvPr/>
+      </p:nvGrpSpPr>
+      <p:grpSpPr>
+        <a:xfrm>
+          <a:off x="0" y="0"/>
+          <a:ext cx="0" cy="0"/>
+          <a:chOff x="0" y="0"/>
+          <a:chExt cx="0" cy="0"/>
+        </a:xfrm>
+      </p:grpSpPr>
+      <p:graphicFrame>
+        <p:nvGraphicFramePr>
+          <p:cNvPr id="2" name="Graphique 1">
+            <a:extLst>
+              <a:ext uri="{FF2B5EF4-FFF2-40B4-BE49-F238E27FC236}">
+                <a16:creationId xmlns:a16="http://schemas.microsoft.com/office/drawing/2014/main" id="{6D05ADC8-5B28-F387-9FAC-6CCA1E1359EF}"/>
+              </a:ext>
+            </a:extLst>
+          </p:cNvPr>
+          <p:cNvGraphicFramePr/>
+          <p:nvPr>
+            <p:extLst>
+              <p:ext uri="{D42A27DB-BD31-4B8C-83A1-F6EECF244321}">
+                <p14:modId xmlns:p14="http://schemas.microsoft.com/office/powerpoint/2010/main" val="1110418871"/>
+              </p:ext>
+            </p:extLst>
+          </p:nvPr>
+        </p:nvGraphicFramePr>
+        <p:xfrm>
+          <a:off x="3270437" y="1103904"/>
+          <a:ext cx="5651126" cy="4983131"/>
+        </p:xfrm>
+        <a:graphic>
+          <a:graphicData uri="http://schemas.openxmlformats.org/drawingml/2006/chart">
+            <c:chart xmlns:c="http://schemas.openxmlformats.org/drawingml/2006/chart" xmlns:r="http://schemas.openxmlformats.org/officeDocument/2006/relationships" r:id="rId2"/>
+          </a:graphicData>
+        </a:graphic>
+      </p:graphicFrame>
+    </p:spTree>
+    <p:extLst>
+      <p:ext uri="{BB962C8B-B14F-4D97-AF65-F5344CB8AC3E}">
+        <p14:creationId xmlns:p14="http://schemas.microsoft.com/office/powerpoint/2010/main" val="3233127351"/>
+      </p:ext>
+    </p:extLst>
+  </p:cSld>
+  <p:clrMapOvr>
+    <a:masterClrMapping/>
+  </p:clrMapOvr>
+</p:sld>
+</file>
+
+<file path=ppt/slides/slide2.xml><?xml version="1.0" encoding="utf-8"?>
+<p:sld xmlns:a="http://schemas.openxmlformats.org/drawingml/2006/main" xmlns:r="http://schemas.openxmlformats.org/officeDocument/2006/relationships" xmlns:p="http://schemas.openxmlformats.org/presentationml/2006/main">
+  <p:cSld>
+    <p:spTree>
+      <p:nvGrpSpPr>
+        <p:cNvPr id="1" name=""/>
+        <p:cNvGrpSpPr/>
+        <p:nvPr/>
+      </p:nvGrpSpPr>
+      <p:grpSpPr>
+        <a:xfrm>
+          <a:off x="0" y="0"/>
+          <a:ext cx="0" cy="0"/>
+          <a:chOff x="0" y="0"/>
+          <a:chExt cx="0" cy="0"/>
+        </a:xfrm>
+      </p:grpSpPr>
       <p:graphicFrame>
         <p:nvGraphicFramePr>
           <p:cNvPr id="8" name="Graphique 7">
@@ -12862,265 +17673,7 @@
 </p:sld>
 </file>
 
-<file path=ppt/slides/slide10.xml><?xml version="1.0" encoding="utf-8"?>
-<p:sld xmlns:a="http://schemas.openxmlformats.org/drawingml/2006/main" xmlns:r="http://schemas.openxmlformats.org/officeDocument/2006/relationships" xmlns:p="http://schemas.openxmlformats.org/presentationml/2006/main">
-  <p:cSld>
-    <p:spTree>
-      <p:nvGrpSpPr>
-        <p:cNvPr id="1" name=""/>
-        <p:cNvGrpSpPr/>
-        <p:nvPr/>
-      </p:nvGrpSpPr>
-      <p:grpSpPr>
-        <a:xfrm>
-          <a:off x="0" y="0"/>
-          <a:ext cx="0" cy="0"/>
-          <a:chOff x="0" y="0"/>
-          <a:chExt cx="0" cy="0"/>
-        </a:xfrm>
-      </p:grpSpPr>
-      <p:graphicFrame>
-        <p:nvGraphicFramePr>
-          <p:cNvPr id="5" name="Graphique 4">
-            <a:extLst>
-              <a:ext uri="{FF2B5EF4-FFF2-40B4-BE49-F238E27FC236}">
-                <a16:creationId xmlns:a16="http://schemas.microsoft.com/office/drawing/2014/main" id="{D3D27D94-D57C-4C12-9FA5-29472E275DC4}"/>
-              </a:ext>
-            </a:extLst>
-          </p:cNvPr>
-          <p:cNvGraphicFramePr/>
-          <p:nvPr>
-            <p:extLst>
-              <p:ext uri="{D42A27DB-BD31-4B8C-83A1-F6EECF244321}">
-                <p14:modId xmlns:p14="http://schemas.microsoft.com/office/powerpoint/2010/main" val="57654715"/>
-              </p:ext>
-            </p:extLst>
-          </p:nvPr>
-        </p:nvGraphicFramePr>
-        <p:xfrm>
-          <a:off x="3270437" y="1103904"/>
-          <a:ext cx="5651126" cy="4983131"/>
-        </p:xfrm>
-        <a:graphic>
-          <a:graphicData uri="http://schemas.openxmlformats.org/drawingml/2006/chart">
-            <c:chart xmlns:c="http://schemas.openxmlformats.org/drawingml/2006/chart" xmlns:r="http://schemas.openxmlformats.org/officeDocument/2006/relationships" r:id="rId2"/>
-          </a:graphicData>
-        </a:graphic>
-      </p:graphicFrame>
-    </p:spTree>
-    <p:extLst>
-      <p:ext uri="{BB962C8B-B14F-4D97-AF65-F5344CB8AC3E}">
-        <p14:creationId xmlns:p14="http://schemas.microsoft.com/office/powerpoint/2010/main" val="3231068740"/>
-      </p:ext>
-    </p:extLst>
-  </p:cSld>
-  <p:clrMapOvr>
-    <a:masterClrMapping/>
-  </p:clrMapOvr>
-</p:sld>
-</file>
-
-<file path=ppt/slides/slide11.xml><?xml version="1.0" encoding="utf-8"?>
-<p:sld xmlns:a="http://schemas.openxmlformats.org/drawingml/2006/main" xmlns:r="http://schemas.openxmlformats.org/officeDocument/2006/relationships" xmlns:p="http://schemas.openxmlformats.org/presentationml/2006/main">
-  <p:cSld>
-    <p:spTree>
-      <p:nvGrpSpPr>
-        <p:cNvPr id="1" name=""/>
-        <p:cNvGrpSpPr/>
-        <p:nvPr/>
-      </p:nvGrpSpPr>
-      <p:grpSpPr>
-        <a:xfrm>
-          <a:off x="0" y="0"/>
-          <a:ext cx="0" cy="0"/>
-          <a:chOff x="0" y="0"/>
-          <a:chExt cx="0" cy="0"/>
-        </a:xfrm>
-      </p:grpSpPr>
-      <mc:AlternateContent xmlns:mc="http://schemas.openxmlformats.org/markup-compatibility/2006" xmlns:a14="http://schemas.microsoft.com/office/drawing/2010/main">
-        <mc:Choice Requires="a14">
-          <p:sp>
-            <p:nvSpPr>
-              <p:cNvPr id="2" name="Titre 1">
-                <a:extLst>
-                  <a:ext uri="{FF2B5EF4-FFF2-40B4-BE49-F238E27FC236}">
-                    <a16:creationId xmlns:a16="http://schemas.microsoft.com/office/drawing/2014/main" id="{3B99A66A-5ADE-2059-9390-A195C593D043}"/>
-                  </a:ext>
-                </a:extLst>
-              </p:cNvPr>
-              <p:cNvSpPr>
-                <a:spLocks noGrp="1"/>
-              </p:cNvSpPr>
-              <p:nvPr>
-                <p:ph type="ctrTitle"/>
-              </p:nvPr>
-            </p:nvSpPr>
-            <p:spPr>
-              <a:xfrm>
-                <a:off x="1143000" y="2658922"/>
-                <a:ext cx="9906000" cy="1540156"/>
-              </a:xfrm>
-            </p:spPr>
-            <p:txBody>
-              <a:bodyPr>
-                <a:noAutofit/>
-              </a:bodyPr>
-              <a:lstStyle/>
-              <a:p>
-                <a:r>
-                  <a:rPr lang="en-GB" sz="7200" dirty="0"/>
-                  <a:t>Représenter la fraction  </a:t>
-                </a:r>
-                <a14:m>
-                  <m:oMath xmlns:m="http://schemas.openxmlformats.org/officeDocument/2006/math">
-                    <m:f>
-                      <m:fPr>
-                        <m:ctrlPr>
-                          <a:rPr lang="en-GB" sz="7200" i="1" smtClean="0">
-                            <a:latin typeface="Cambria Math" panose="02040503050406030204" pitchFamily="18" charset="0"/>
-                          </a:rPr>
-                        </m:ctrlPr>
-                      </m:fPr>
-                      <m:num>
-                        <m:r>
-                          <a:rPr lang="en-GB" sz="7200" b="0" i="1" smtClean="0">
-                            <a:latin typeface="Cambria Math" panose="02040503050406030204" pitchFamily="18" charset="0"/>
-                          </a:rPr>
-                          <m:t>2</m:t>
-                        </m:r>
-                      </m:num>
-                      <m:den>
-                        <m:r>
-                          <a:rPr lang="en-GB" sz="7200" b="0" i="1" smtClean="0">
-                            <a:latin typeface="Cambria Math" panose="02040503050406030204" pitchFamily="18" charset="0"/>
-                          </a:rPr>
-                          <m:t>10</m:t>
-                        </m:r>
-                      </m:den>
-                    </m:f>
-                  </m:oMath>
-                </a14:m>
-                <a:endParaRPr lang="en-GB" sz="7200" dirty="0"/>
-              </a:p>
-            </p:txBody>
-          </p:sp>
-        </mc:Choice>
-        <mc:Fallback xmlns="">
-          <p:sp>
-            <p:nvSpPr>
-              <p:cNvPr id="2" name="Titre 1">
-                <a:extLst>
-                  <a:ext uri="{FF2B5EF4-FFF2-40B4-BE49-F238E27FC236}">
-                    <a16:creationId xmlns:a16="http://schemas.microsoft.com/office/drawing/2014/main" id="{3B99A66A-5ADE-2059-9390-A195C593D043}"/>
-                  </a:ext>
-                </a:extLst>
-              </p:cNvPr>
-              <p:cNvSpPr>
-                <a:spLocks noGrp="1" noRot="1" noChangeAspect="1" noMove="1" noResize="1" noEditPoints="1" noAdjustHandles="1" noChangeArrowheads="1" noChangeShapeType="1" noTextEdit="1"/>
-              </p:cNvSpPr>
-              <p:nvPr>
-                <p:ph type="ctrTitle"/>
-              </p:nvPr>
-            </p:nvSpPr>
-            <p:spPr>
-              <a:xfrm>
-                <a:off x="1143000" y="2658922"/>
-                <a:ext cx="9906000" cy="1540156"/>
-              </a:xfrm>
-              <a:blipFill>
-                <a:blip r:embed="rId2"/>
-                <a:stretch>
-                  <a:fillRect l="-3877" t="-7115" b="-17787"/>
-                </a:stretch>
-              </a:blipFill>
-            </p:spPr>
-            <p:txBody>
-              <a:bodyPr/>
-              <a:lstStyle/>
-              <a:p>
-                <a:r>
-                  <a:rPr lang="en-GB">
-                    <a:noFill/>
-                  </a:rPr>
-                  <a:t> </a:t>
-                </a:r>
-              </a:p>
-            </p:txBody>
-          </p:sp>
-        </mc:Fallback>
-      </mc:AlternateContent>
-    </p:spTree>
-    <p:extLst>
-      <p:ext uri="{BB962C8B-B14F-4D97-AF65-F5344CB8AC3E}">
-        <p14:creationId xmlns:p14="http://schemas.microsoft.com/office/powerpoint/2010/main" val="39524259"/>
-      </p:ext>
-    </p:extLst>
-  </p:cSld>
-  <p:clrMapOvr>
-    <a:masterClrMapping/>
-  </p:clrMapOvr>
-</p:sld>
-</file>
-
-<file path=ppt/slides/slide12.xml><?xml version="1.0" encoding="utf-8"?>
-<p:sld xmlns:a="http://schemas.openxmlformats.org/drawingml/2006/main" xmlns:r="http://schemas.openxmlformats.org/officeDocument/2006/relationships" xmlns:p="http://schemas.openxmlformats.org/presentationml/2006/main">
-  <p:cSld>
-    <p:spTree>
-      <p:nvGrpSpPr>
-        <p:cNvPr id="1" name=""/>
-        <p:cNvGrpSpPr/>
-        <p:nvPr/>
-      </p:nvGrpSpPr>
-      <p:grpSpPr>
-        <a:xfrm>
-          <a:off x="0" y="0"/>
-          <a:ext cx="0" cy="0"/>
-          <a:chOff x="0" y="0"/>
-          <a:chExt cx="0" cy="0"/>
-        </a:xfrm>
-      </p:grpSpPr>
-      <p:graphicFrame>
-        <p:nvGraphicFramePr>
-          <p:cNvPr id="2" name="Graphique 1">
-            <a:extLst>
-              <a:ext uri="{FF2B5EF4-FFF2-40B4-BE49-F238E27FC236}">
-                <a16:creationId xmlns:a16="http://schemas.microsoft.com/office/drawing/2014/main" id="{6D05ADC8-5B28-F387-9FAC-6CCA1E1359EF}"/>
-              </a:ext>
-            </a:extLst>
-          </p:cNvPr>
-          <p:cNvGraphicFramePr/>
-          <p:nvPr>
-            <p:extLst>
-              <p:ext uri="{D42A27DB-BD31-4B8C-83A1-F6EECF244321}">
-                <p14:modId xmlns:p14="http://schemas.microsoft.com/office/powerpoint/2010/main" val="1110418871"/>
-              </p:ext>
-            </p:extLst>
-          </p:nvPr>
-        </p:nvGraphicFramePr>
-        <p:xfrm>
-          <a:off x="3270437" y="1103904"/>
-          <a:ext cx="5651126" cy="4983131"/>
-        </p:xfrm>
-        <a:graphic>
-          <a:graphicData uri="http://schemas.openxmlformats.org/drawingml/2006/chart">
-            <c:chart xmlns:c="http://schemas.openxmlformats.org/drawingml/2006/chart" xmlns:r="http://schemas.openxmlformats.org/officeDocument/2006/relationships" r:id="rId2"/>
-          </a:graphicData>
-        </a:graphic>
-      </p:graphicFrame>
-    </p:spTree>
-    <p:extLst>
-      <p:ext uri="{BB962C8B-B14F-4D97-AF65-F5344CB8AC3E}">
-        <p14:creationId xmlns:p14="http://schemas.microsoft.com/office/powerpoint/2010/main" val="3233127351"/>
-      </p:ext>
-    </p:extLst>
-  </p:cSld>
-  <p:clrMapOvr>
-    <a:masterClrMapping/>
-  </p:clrMapOvr>
-</p:sld>
-</file>
-
-<file path=ppt/slides/slide2.xml><?xml version="1.0" encoding="utf-8"?>
+<file path=ppt/slides/slide3.xml><?xml version="1.0" encoding="utf-8"?>
 <p:sld xmlns:a="http://schemas.openxmlformats.org/drawingml/2006/main" xmlns:r="http://schemas.openxmlformats.org/officeDocument/2006/relationships" xmlns:p="http://schemas.openxmlformats.org/presentationml/2006/main">
   <p:cSld>
     <p:spTree>
@@ -13234,7 +17787,7 @@
 </p:sld>
 </file>
 
-<file path=ppt/slides/slide3.xml><?xml version="1.0" encoding="utf-8"?>
+<file path=ppt/slides/slide4.xml><?xml version="1.0" encoding="utf-8"?>
 <p:sld xmlns:a="http://schemas.openxmlformats.org/drawingml/2006/main" xmlns:r="http://schemas.openxmlformats.org/officeDocument/2006/relationships" xmlns:p="http://schemas.openxmlformats.org/presentationml/2006/main">
   <p:cSld>
     <p:spTree>
@@ -13251,8 +17804,8 @@
           <a:chExt cx="0" cy="0"/>
         </a:xfrm>
       </p:grpSpPr>
-      <mc:AlternateContent xmlns:mc="http://schemas.openxmlformats.org/markup-compatibility/2006" xmlns:a14="http://schemas.microsoft.com/office/drawing/2010/main">
-        <mc:Choice Requires="a14">
+      <mc:AlternateContent xmlns:mc="http://schemas.openxmlformats.org/markup-compatibility/2006">
+        <mc:Choice xmlns:a14="http://schemas.microsoft.com/office/drawing/2010/main" Requires="a14">
           <p:sp>
             <p:nvSpPr>
               <p:cNvPr id="2" name="Titre 1">
@@ -13271,7 +17824,7 @@
             </p:nvSpPr>
             <p:spPr>
               <a:xfrm>
-                <a:off x="1143000" y="2658922"/>
+                <a:off x="972671" y="247416"/>
                 <a:ext cx="9906000" cy="1540156"/>
               </a:xfrm>
             </p:spPr>
@@ -13319,7 +17872,7 @@
             </p:txBody>
           </p:sp>
         </mc:Choice>
-        <mc:Fallback xmlns="">
+        <mc:Fallback>
           <p:sp>
             <p:nvSpPr>
               <p:cNvPr id="2" name="Titre 1">
@@ -13338,13 +17891,13 @@
             </p:nvSpPr>
             <p:spPr>
               <a:xfrm>
-                <a:off x="1143000" y="2658922"/>
+                <a:off x="972671" y="247416"/>
                 <a:ext cx="9906000" cy="1540156"/>
               </a:xfrm>
               <a:blipFill>
                 <a:blip r:embed="rId2"/>
                 <a:stretch>
-                  <a:fillRect l="-1908" t="-6324" b="-18577"/>
+                  <a:fillRect l="-1908" t="-6746" b="-18651"/>
                 </a:stretch>
               </a:blipFill>
             </p:spPr>
@@ -13363,6 +17916,34 @@
           </p:sp>
         </mc:Fallback>
       </mc:AlternateContent>
+      <p:graphicFrame>
+        <p:nvGraphicFramePr>
+          <p:cNvPr id="3" name="Graphique 2">
+            <a:extLst>
+              <a:ext uri="{FF2B5EF4-FFF2-40B4-BE49-F238E27FC236}">
+                <a16:creationId xmlns:a16="http://schemas.microsoft.com/office/drawing/2014/main" id="{0264E0EF-D1FC-B28B-EBBB-139091307B89}"/>
+              </a:ext>
+            </a:extLst>
+          </p:cNvPr>
+          <p:cNvGraphicFramePr/>
+          <p:nvPr>
+            <p:extLst>
+              <p:ext uri="{D42A27DB-BD31-4B8C-83A1-F6EECF244321}">
+                <p14:modId xmlns:p14="http://schemas.microsoft.com/office/powerpoint/2010/main" val="3489527611"/>
+              </p:ext>
+            </p:extLst>
+          </p:nvPr>
+        </p:nvGraphicFramePr>
+        <p:xfrm>
+          <a:off x="4282984" y="1535454"/>
+          <a:ext cx="4171576" cy="5322546"/>
+        </p:xfrm>
+        <a:graphic>
+          <a:graphicData uri="http://schemas.openxmlformats.org/drawingml/2006/chart">
+            <c:chart xmlns:c="http://schemas.openxmlformats.org/drawingml/2006/chart" xmlns:r="http://schemas.openxmlformats.org/officeDocument/2006/relationships" r:id="rId3"/>
+          </a:graphicData>
+        </a:graphic>
+      </p:graphicFrame>
     </p:spTree>
     <p:extLst>
       <p:ext uri="{BB962C8B-B14F-4D97-AF65-F5344CB8AC3E}">
@@ -13376,7 +17957,7 @@
 </p:sld>
 </file>
 
-<file path=ppt/slides/slide4.xml><?xml version="1.0" encoding="utf-8"?>
+<file path=ppt/slides/slide5.xml><?xml version="1.0" encoding="utf-8"?>
 <p:sld xmlns:a="http://schemas.openxmlformats.org/drawingml/2006/main" xmlns:r="http://schemas.openxmlformats.org/officeDocument/2006/relationships" xmlns:p="http://schemas.openxmlformats.org/presentationml/2006/main">
   <p:cSld>
     <p:spTree>
@@ -13434,7 +18015,7 @@
 </p:sld>
 </file>
 
-<file path=ppt/slides/slide5.xml><?xml version="1.0" encoding="utf-8"?>
+<file path=ppt/slides/slide6.xml><?xml version="1.0" encoding="utf-8"?>
 <p:sld xmlns:a="http://schemas.openxmlformats.org/drawingml/2006/main" xmlns:r="http://schemas.openxmlformats.org/officeDocument/2006/relationships" xmlns:p="http://schemas.openxmlformats.org/presentationml/2006/main">
   <p:cSld>
     <p:spTree>
@@ -13471,7 +18052,7 @@
             </p:nvSpPr>
             <p:spPr>
               <a:xfrm>
-                <a:off x="1143000" y="2658922"/>
+                <a:off x="1143000" y="274310"/>
                 <a:ext cx="9906000" cy="1540156"/>
               </a:xfrm>
             </p:spPr>
@@ -13538,7 +18119,7 @@
             </p:nvSpPr>
             <p:spPr>
               <a:xfrm>
-                <a:off x="1143000" y="2658922"/>
+                <a:off x="1143000" y="274310"/>
                 <a:ext cx="9906000" cy="1540156"/>
               </a:xfrm>
               <a:blipFill>
@@ -13563,6 +18144,34 @@
           </p:sp>
         </mc:Fallback>
       </mc:AlternateContent>
+      <p:graphicFrame>
+        <p:nvGraphicFramePr>
+          <p:cNvPr id="3" name="Graphique 2">
+            <a:extLst>
+              <a:ext uri="{FF2B5EF4-FFF2-40B4-BE49-F238E27FC236}">
+                <a16:creationId xmlns:a16="http://schemas.microsoft.com/office/drawing/2014/main" id="{A34C94B9-37FF-F713-578A-006A638E9F5D}"/>
+              </a:ext>
+            </a:extLst>
+          </p:cNvPr>
+          <p:cNvGraphicFramePr/>
+          <p:nvPr>
+            <p:extLst>
+              <p:ext uri="{D42A27DB-BD31-4B8C-83A1-F6EECF244321}">
+                <p14:modId xmlns:p14="http://schemas.microsoft.com/office/powerpoint/2010/main" val="3673693572"/>
+              </p:ext>
+            </p:extLst>
+          </p:nvPr>
+        </p:nvGraphicFramePr>
+        <p:xfrm>
+          <a:off x="4650537" y="1436158"/>
+          <a:ext cx="4171576" cy="5322546"/>
+        </p:xfrm>
+        <a:graphic>
+          <a:graphicData uri="http://schemas.openxmlformats.org/drawingml/2006/chart">
+            <c:chart xmlns:c="http://schemas.openxmlformats.org/drawingml/2006/chart" xmlns:r="http://schemas.openxmlformats.org/officeDocument/2006/relationships" r:id="rId3"/>
+          </a:graphicData>
+        </a:graphic>
+      </p:graphicFrame>
     </p:spTree>
     <p:extLst>
       <p:ext uri="{BB962C8B-B14F-4D97-AF65-F5344CB8AC3E}">
@@ -13576,7 +18185,7 @@
 </p:sld>
 </file>
 
-<file path=ppt/slides/slide6.xml><?xml version="1.0" encoding="utf-8"?>
+<file path=ppt/slides/slide7.xml><?xml version="1.0" encoding="utf-8"?>
 <p:sld xmlns:a="http://schemas.openxmlformats.org/drawingml/2006/main" xmlns:r="http://schemas.openxmlformats.org/officeDocument/2006/relationships" xmlns:p="http://schemas.openxmlformats.org/presentationml/2006/main">
   <p:cSld>
     <p:spTree>
@@ -13634,7 +18243,7 @@
 </p:sld>
 </file>
 
-<file path=ppt/slides/slide7.xml><?xml version="1.0" encoding="utf-8"?>
+<file path=ppt/slides/slide8.xml><?xml version="1.0" encoding="utf-8"?>
 <p:sld xmlns:a="http://schemas.openxmlformats.org/drawingml/2006/main" xmlns:r="http://schemas.openxmlformats.org/officeDocument/2006/relationships" xmlns:p="http://schemas.openxmlformats.org/presentationml/2006/main">
   <p:cSld>
     <p:spTree>
@@ -13651,8 +18260,8 @@
           <a:chExt cx="0" cy="0"/>
         </a:xfrm>
       </p:grpSpPr>
-      <mc:AlternateContent xmlns:mc="http://schemas.openxmlformats.org/markup-compatibility/2006" xmlns:a14="http://schemas.microsoft.com/office/drawing/2010/main">
-        <mc:Choice Requires="a14">
+      <mc:AlternateContent xmlns:mc="http://schemas.openxmlformats.org/markup-compatibility/2006">
+        <mc:Choice xmlns:a14="http://schemas.microsoft.com/office/drawing/2010/main" Requires="a14">
           <p:sp>
             <p:nvSpPr>
               <p:cNvPr id="2" name="Titre 1">
@@ -13671,7 +18280,7 @@
             </p:nvSpPr>
             <p:spPr>
               <a:xfrm>
-                <a:off x="1143000" y="2658922"/>
+                <a:off x="1143000" y="408781"/>
                 <a:ext cx="9906000" cy="1540156"/>
               </a:xfrm>
             </p:spPr>
@@ -13719,7 +18328,7 @@
             </p:txBody>
           </p:sp>
         </mc:Choice>
-        <mc:Fallback xmlns="">
+        <mc:Fallback>
           <p:sp>
             <p:nvSpPr>
               <p:cNvPr id="2" name="Titre 1">
@@ -13738,7 +18347,7 @@
             </p:nvSpPr>
             <p:spPr>
               <a:xfrm>
-                <a:off x="1143000" y="2658922"/>
+                <a:off x="1143000" y="408781"/>
                 <a:ext cx="9906000" cy="1540156"/>
               </a:xfrm>
               <a:blipFill>
@@ -13763,6 +18372,34 @@
           </p:sp>
         </mc:Fallback>
       </mc:AlternateContent>
+      <p:graphicFrame>
+        <p:nvGraphicFramePr>
+          <p:cNvPr id="3" name="Graphique 2">
+            <a:extLst>
+              <a:ext uri="{FF2B5EF4-FFF2-40B4-BE49-F238E27FC236}">
+                <a16:creationId xmlns:a16="http://schemas.microsoft.com/office/drawing/2014/main" id="{329E7DF6-22C0-4F96-C8CB-7D806CEE3C35}"/>
+              </a:ext>
+            </a:extLst>
+          </p:cNvPr>
+          <p:cNvGraphicFramePr/>
+          <p:nvPr>
+            <p:extLst>
+              <p:ext uri="{D42A27DB-BD31-4B8C-83A1-F6EECF244321}">
+                <p14:modId xmlns:p14="http://schemas.microsoft.com/office/powerpoint/2010/main" val="1704413930"/>
+              </p:ext>
+            </p:extLst>
+          </p:nvPr>
+        </p:nvGraphicFramePr>
+        <p:xfrm>
+          <a:off x="3757612" y="1948937"/>
+          <a:ext cx="4676775" cy="4088342"/>
+        </p:xfrm>
+        <a:graphic>
+          <a:graphicData uri="http://schemas.openxmlformats.org/drawingml/2006/chart">
+            <c:chart xmlns:c="http://schemas.openxmlformats.org/drawingml/2006/chart" xmlns:r="http://schemas.openxmlformats.org/officeDocument/2006/relationships" r:id="rId3"/>
+          </a:graphicData>
+        </a:graphic>
+      </p:graphicFrame>
     </p:spTree>
     <p:extLst>
       <p:ext uri="{BB962C8B-B14F-4D97-AF65-F5344CB8AC3E}">
@@ -13776,7 +18413,7 @@
 </p:sld>
 </file>
 
-<file path=ppt/slides/slide8.xml><?xml version="1.0" encoding="utf-8"?>
+<file path=ppt/slides/slide9.xml><?xml version="1.0" encoding="utf-8"?>
 <p:sld xmlns:a="http://schemas.openxmlformats.org/drawingml/2006/main" xmlns:r="http://schemas.openxmlformats.org/officeDocument/2006/relationships" xmlns:p="http://schemas.openxmlformats.org/presentationml/2006/main">
   <p:cSld>
     <p:spTree>
@@ -13825,148 +18462,6 @@
     <p:extLst>
       <p:ext uri="{BB962C8B-B14F-4D97-AF65-F5344CB8AC3E}">
         <p14:creationId xmlns:p14="http://schemas.microsoft.com/office/powerpoint/2010/main" val="886424656"/>
-      </p:ext>
-    </p:extLst>
-  </p:cSld>
-  <p:clrMapOvr>
-    <a:masterClrMapping/>
-  </p:clrMapOvr>
-</p:sld>
-</file>
-
-<file path=ppt/slides/slide9.xml><?xml version="1.0" encoding="utf-8"?>
-<p:sld xmlns:a="http://schemas.openxmlformats.org/drawingml/2006/main" xmlns:r="http://schemas.openxmlformats.org/officeDocument/2006/relationships" xmlns:p="http://schemas.openxmlformats.org/presentationml/2006/main">
-  <p:cSld>
-    <p:spTree>
-      <p:nvGrpSpPr>
-        <p:cNvPr id="1" name=""/>
-        <p:cNvGrpSpPr/>
-        <p:nvPr/>
-      </p:nvGrpSpPr>
-      <p:grpSpPr>
-        <a:xfrm>
-          <a:off x="0" y="0"/>
-          <a:ext cx="0" cy="0"/>
-          <a:chOff x="0" y="0"/>
-          <a:chExt cx="0" cy="0"/>
-        </a:xfrm>
-      </p:grpSpPr>
-      <mc:AlternateContent xmlns:mc="http://schemas.openxmlformats.org/markup-compatibility/2006" xmlns:a14="http://schemas.microsoft.com/office/drawing/2010/main">
-        <mc:Choice Requires="a14">
-          <p:sp>
-            <p:nvSpPr>
-              <p:cNvPr id="2" name="Titre 1">
-                <a:extLst>
-                  <a:ext uri="{FF2B5EF4-FFF2-40B4-BE49-F238E27FC236}">
-                    <a16:creationId xmlns:a16="http://schemas.microsoft.com/office/drawing/2014/main" id="{3B99A66A-5ADE-2059-9390-A195C593D043}"/>
-                  </a:ext>
-                </a:extLst>
-              </p:cNvPr>
-              <p:cNvSpPr>
-                <a:spLocks noGrp="1"/>
-              </p:cNvSpPr>
-              <p:nvPr>
-                <p:ph type="ctrTitle"/>
-              </p:nvPr>
-            </p:nvSpPr>
-            <p:spPr>
-              <a:xfrm>
-                <a:off x="1143000" y="2658922"/>
-                <a:ext cx="9906000" cy="1540156"/>
-              </a:xfrm>
-            </p:spPr>
-            <p:txBody>
-              <a:bodyPr>
-                <a:noAutofit/>
-              </a:bodyPr>
-              <a:lstStyle/>
-              <a:p>
-                <a:r>
-                  <a:rPr lang="en-GB" sz="7200" dirty="0"/>
-                  <a:t>Représenter la fraction  </a:t>
-                </a:r>
-                <a14:m>
-                  <m:oMath xmlns:m="http://schemas.openxmlformats.org/officeDocument/2006/math">
-                    <m:f>
-                      <m:fPr>
-                        <m:ctrlPr>
-                          <a:rPr lang="en-GB" sz="7200" i="1" smtClean="0">
-                            <a:latin typeface="Cambria Math" panose="02040503050406030204" pitchFamily="18" charset="0"/>
-                          </a:rPr>
-                        </m:ctrlPr>
-                      </m:fPr>
-                      <m:num>
-                        <m:r>
-                          <a:rPr lang="en-GB" sz="7200" b="0" i="1" smtClean="0">
-                            <a:latin typeface="Cambria Math" panose="02040503050406030204" pitchFamily="18" charset="0"/>
-                          </a:rPr>
-                          <m:t>8</m:t>
-                        </m:r>
-                      </m:num>
-                      <m:den>
-                        <m:r>
-                          <a:rPr lang="en-GB" sz="7200" b="0" i="1" smtClean="0">
-                            <a:latin typeface="Cambria Math" panose="02040503050406030204" pitchFamily="18" charset="0"/>
-                          </a:rPr>
-                          <m:t>10</m:t>
-                        </m:r>
-                      </m:den>
-                    </m:f>
-                  </m:oMath>
-                </a14:m>
-                <a:endParaRPr lang="en-GB" sz="7200" dirty="0"/>
-              </a:p>
-            </p:txBody>
-          </p:sp>
-        </mc:Choice>
-        <mc:Fallback xmlns="">
-          <p:sp>
-            <p:nvSpPr>
-              <p:cNvPr id="2" name="Titre 1">
-                <a:extLst>
-                  <a:ext uri="{FF2B5EF4-FFF2-40B4-BE49-F238E27FC236}">
-                    <a16:creationId xmlns:a16="http://schemas.microsoft.com/office/drawing/2014/main" id="{3B99A66A-5ADE-2059-9390-A195C593D043}"/>
-                  </a:ext>
-                </a:extLst>
-              </p:cNvPr>
-              <p:cNvSpPr>
-                <a:spLocks noGrp="1" noRot="1" noChangeAspect="1" noMove="1" noResize="1" noEditPoints="1" noAdjustHandles="1" noChangeArrowheads="1" noChangeShapeType="1" noTextEdit="1"/>
-              </p:cNvSpPr>
-              <p:nvPr>
-                <p:ph type="ctrTitle"/>
-              </p:nvPr>
-            </p:nvSpPr>
-            <p:spPr>
-              <a:xfrm>
-                <a:off x="1143000" y="2658922"/>
-                <a:ext cx="9906000" cy="1540156"/>
-              </a:xfrm>
-              <a:blipFill>
-                <a:blip r:embed="rId2"/>
-                <a:stretch>
-                  <a:fillRect l="-3877" t="-7115" b="-17787"/>
-                </a:stretch>
-              </a:blipFill>
-            </p:spPr>
-            <p:txBody>
-              <a:bodyPr/>
-              <a:lstStyle/>
-              <a:p>
-                <a:r>
-                  <a:rPr lang="en-GB">
-                    <a:noFill/>
-                  </a:rPr>
-                  <a:t> </a:t>
-                </a:r>
-              </a:p>
-            </p:txBody>
-          </p:sp>
-        </mc:Fallback>
-      </mc:AlternateContent>
-    </p:spTree>
-    <p:extLst>
-      <p:ext uri="{BB962C8B-B14F-4D97-AF65-F5344CB8AC3E}">
-        <p14:creationId xmlns:p14="http://schemas.microsoft.com/office/powerpoint/2010/main" val="3611616308"/>
       </p:ext>
     </p:extLst>
   </p:cSld>
